--- a/fig/zapier_v02.pptx
+++ b/fig/zapier_v02.pptx
@@ -5,13 +5,14 @@
     <p:sldMasterId id="2147483660" r:id="rId1"/>
   </p:sldMasterIdLst>
   <p:notesMasterIdLst>
-    <p:notesMasterId r:id="rId3"/>
+    <p:notesMasterId r:id="rId4"/>
   </p:notesMasterIdLst>
   <p:handoutMasterIdLst>
-    <p:handoutMasterId r:id="rId4"/>
+    <p:handoutMasterId r:id="rId5"/>
   </p:handoutMasterIdLst>
   <p:sldIdLst>
     <p:sldId id="326" r:id="rId2"/>
+    <p:sldId id="327" r:id="rId3"/>
   </p:sldIdLst>
   <p:sldSz cx="9144000" cy="5143500" type="screen16x9"/>
   <p:notesSz cx="9144000" cy="6858000"/>
@@ -251,7 +252,7 @@
               <a:pPr>
                 <a:defRPr/>
               </a:pPr>
-              <a:t>4/23/16</a:t>
+              <a:t>7/9/16</a:t>
             </a:fld>
             <a:endParaRPr lang="en-US"/>
           </a:p>
@@ -465,7 +466,7 @@
               <a:pPr>
                 <a:defRPr/>
               </a:pPr>
-              <a:t>4/23/16</a:t>
+              <a:t>7/9/16</a:t>
             </a:fld>
             <a:endParaRPr lang="en-US"/>
           </a:p>
@@ -883,6 +884,151 @@
                 <a:spcPct val="0"/>
               </a:spcBef>
             </a:pPr>
+            <a:r>
+              <a:rPr lang="en-US" dirty="0" smtClean="0">
+                <a:latin typeface="Calibri" charset="0"/>
+              </a:rPr>
+              <a:t>Swim is engineered to run millions of services, distributed across massive clusters of machines.</a:t>
+            </a:r>
+          </a:p>
+          <a:p>
+            <a:pPr defTabSz="914400" eaLnBrk="1" hangingPunct="1">
+              <a:spcBef>
+                <a:spcPct val="0"/>
+              </a:spcBef>
+            </a:pPr>
+            <a:r>
+              <a:rPr lang="en-US" dirty="0" smtClean="0">
+                <a:latin typeface="Calibri" charset="0"/>
+              </a:rPr>
+              <a:t>Next generation </a:t>
+            </a:r>
+          </a:p>
+          <a:p>
+            <a:pPr defTabSz="914400" eaLnBrk="1" hangingPunct="1">
+              <a:spcBef>
+                <a:spcPct val="0"/>
+              </a:spcBef>
+            </a:pPr>
+            <a:r>
+              <a:rPr lang="en-US" dirty="0" smtClean="0">
+                <a:latin typeface="Calibri" charset="0"/>
+              </a:rPr>
+              <a:t>state is confined to the database and updates are periodically pushed to the client. </a:t>
+            </a:r>
+          </a:p>
+          <a:p>
+            <a:pPr defTabSz="914400" eaLnBrk="1" hangingPunct="1">
+              <a:spcBef>
+                <a:spcPct val="0"/>
+              </a:spcBef>
+            </a:pPr>
+            <a:r>
+              <a:rPr lang="en-US" dirty="0" smtClean="0">
+                <a:latin typeface="Calibri" charset="0"/>
+              </a:rPr>
+              <a:t>Because data is stored locally within services, the system can be pervasively </a:t>
+            </a:r>
+            <a:r>
+              <a:rPr lang="en-US" dirty="0" err="1" smtClean="0">
+                <a:latin typeface="Calibri" charset="0"/>
+              </a:rPr>
+              <a:t>stateful</a:t>
+            </a:r>
+            <a:r>
+              <a:rPr lang="en-US" dirty="0" smtClean="0">
+                <a:latin typeface="Calibri" charset="0"/>
+              </a:rPr>
+              <a:t> and event-driven. Additionally, services are globally addressable, allowing developers to offload the complexity of their system to Swim.</a:t>
+            </a:r>
+          </a:p>
+          <a:p>
+            <a:pPr defTabSz="914400" eaLnBrk="1" hangingPunct="1">
+              <a:spcBef>
+                <a:spcPct val="0"/>
+              </a:spcBef>
+            </a:pPr>
+            <a:endParaRPr lang="en-US" dirty="0" smtClean="0">
+              <a:latin typeface="Calibri" charset="0"/>
+            </a:endParaRPr>
+          </a:p>
+          <a:p>
+            <a:r>
+              <a:rPr lang="en-US" dirty="0" smtClean="0">
+                <a:latin typeface="Open Sans Light"/>
+                <a:cs typeface="Open Sans Light"/>
+              </a:rPr>
+              <a:t>Service: the current Swim service instance.</a:t>
+            </a:r>
+          </a:p>
+          <a:p>
+            <a:r>
+              <a:rPr lang="en-US" dirty="0" smtClean="0">
+                <a:latin typeface="Open Sans Light"/>
+                <a:cs typeface="Open Sans Light"/>
+              </a:rPr>
+              <a:t>Lane: an addressable event source.</a:t>
+            </a:r>
+          </a:p>
+          <a:p>
+            <a:r>
+              <a:rPr lang="en-US" dirty="0" smtClean="0">
+                <a:latin typeface="Open Sans Light"/>
+                <a:cs typeface="Open Sans Light"/>
+              </a:rPr>
+              <a:t>User: a user agent accessing the system.</a:t>
+            </a:r>
+          </a:p>
+          <a:p>
+            <a:r>
+              <a:rPr lang="en-US" dirty="0" smtClean="0">
+                <a:latin typeface="Open Sans Light"/>
+                <a:cs typeface="Open Sans Light"/>
+              </a:rPr>
+              <a:t>Uplink: an inbound link connected to a lane of the current service.</a:t>
+            </a:r>
+          </a:p>
+          <a:p>
+            <a:r>
+              <a:rPr lang="en-US" dirty="0" smtClean="0">
+                <a:latin typeface="Open Sans Light"/>
+                <a:cs typeface="Open Sans Light"/>
+              </a:rPr>
+              <a:t>Downlink: an outbound link connected to a lane of some other service.</a:t>
+            </a:r>
+          </a:p>
+          <a:p>
+            <a:r>
+              <a:rPr lang="en-US" dirty="0" err="1" smtClean="0">
+                <a:latin typeface="Open Sans Light"/>
+                <a:cs typeface="Open Sans Light"/>
+              </a:rPr>
+              <a:t>DownlinkBuilder</a:t>
+            </a:r>
+            <a:r>
+              <a:rPr lang="en-US" dirty="0" smtClean="0">
+                <a:latin typeface="Open Sans Light"/>
+                <a:cs typeface="Open Sans Light"/>
+              </a:rPr>
+              <a:t>: an object used to constructor outbound links.</a:t>
+            </a:r>
+          </a:p>
+          <a:p>
+            <a:pPr defTabSz="914400" eaLnBrk="1" hangingPunct="1">
+              <a:spcBef>
+                <a:spcPct val="0"/>
+              </a:spcBef>
+            </a:pPr>
+            <a:endParaRPr lang="en-US" dirty="0" smtClean="0">
+              <a:latin typeface="Calibri" charset="0"/>
+            </a:endParaRPr>
+          </a:p>
+          <a:p>
+            <a:pPr defTabSz="914400" eaLnBrk="1" hangingPunct="1">
+              <a:spcBef>
+                <a:spcPct val="0"/>
+              </a:spcBef>
+            </a:pPr>
             <a:endParaRPr lang="en-US" dirty="0">
               <a:latin typeface="Calibri" charset="0"/>
             </a:endParaRPr>
@@ -1038,6 +1184,417 @@
               </a:rPr>
               <a:pPr/>
               <a:t>1</a:t>
+            </a:fld>
+            <a:endParaRPr lang="en-US" sz="1200">
+              <a:latin typeface="Calibri" charset="0"/>
+            </a:endParaRPr>
+          </a:p>
+        </p:txBody>
+      </p:sp>
+    </p:spTree>
+  </p:cSld>
+  <p:clrMapOvr>
+    <a:masterClrMapping/>
+  </p:clrMapOvr>
+</p:notes>
+</file>
+
+<file path=ppt/notesSlides/notesSlide2.xml><?xml version="1.0" encoding="utf-8"?>
+<p:notes xmlns:a="http://schemas.openxmlformats.org/drawingml/2006/main" xmlns:r="http://schemas.openxmlformats.org/officeDocument/2006/relationships" xmlns:p="http://schemas.openxmlformats.org/presentationml/2006/main">
+  <p:cSld>
+    <p:spTree>
+      <p:nvGrpSpPr>
+        <p:cNvPr id="1" name=""/>
+        <p:cNvGrpSpPr/>
+        <p:nvPr/>
+      </p:nvGrpSpPr>
+      <p:grpSpPr>
+        <a:xfrm>
+          <a:off x="0" y="0"/>
+          <a:ext cx="0" cy="0"/>
+          <a:chOff x="0" y="0"/>
+          <a:chExt cx="0" cy="0"/>
+        </a:xfrm>
+      </p:grpSpPr>
+      <p:sp>
+        <p:nvSpPr>
+          <p:cNvPr id="26625" name="Slide Image Placeholder 1"/>
+          <p:cNvSpPr>
+            <a:spLocks noGrp="1" noRot="1" noChangeAspect="1" noTextEdit="1"/>
+          </p:cNvSpPr>
+          <p:nvPr>
+            <p:ph type="sldImg"/>
+          </p:nvPr>
+        </p:nvSpPr>
+        <p:spPr bwMode="auto">
+          <a:noFill/>
+          <a:ln>
+            <a:solidFill>
+              <a:srgbClr val="000000"/>
+            </a:solidFill>
+            <a:miter lim="800000"/>
+            <a:headEnd/>
+            <a:tailEnd/>
+          </a:ln>
+          <a:extLst>
+            <a:ext uri="{909E8E84-426E-40dd-AFC4-6F175D3DCCD1}">
+              <a14:hiddenFill xmlns:a14="http://schemas.microsoft.com/office/drawing/2010/main">
+                <a:solidFill>
+                  <a:srgbClr val="FFFFFF"/>
+                </a:solidFill>
+              </a14:hiddenFill>
+            </a:ext>
+            <a:ext uri="{FAA26D3D-D897-4be2-8F04-BA451C77F1D7}">
+              <ma14:placeholderFlag xmlns:ma14="http://schemas.microsoft.com/office/mac/drawingml/2011/main" val="1"/>
+            </a:ext>
+          </a:extLst>
+        </p:spPr>
+      </p:sp>
+      <p:sp>
+        <p:nvSpPr>
+          <p:cNvPr id="26626" name="Notes Placeholder 2"/>
+          <p:cNvSpPr>
+            <a:spLocks noGrp="1"/>
+          </p:cNvSpPr>
+          <p:nvPr>
+            <p:ph type="body" idx="1"/>
+          </p:nvPr>
+        </p:nvSpPr>
+        <p:spPr bwMode="auto">
+          <a:noFill/>
+          <a:extLst>
+            <a:ext uri="{909E8E84-426E-40dd-AFC4-6F175D3DCCD1}">
+              <a14:hiddenFill xmlns:a14="http://schemas.microsoft.com/office/drawing/2010/main">
+                <a:solidFill>
+                  <a:srgbClr val="FFFFFF"/>
+                </a:solidFill>
+              </a14:hiddenFill>
+            </a:ext>
+            <a:ext uri="{91240B29-F687-4f45-9708-019B960494DF}">
+              <a14:hiddenLine xmlns:a14="http://schemas.microsoft.com/office/drawing/2010/main" w="9525">
+                <a:solidFill>
+                  <a:srgbClr val="000000"/>
+                </a:solidFill>
+                <a:miter lim="800000"/>
+                <a:headEnd/>
+                <a:tailEnd/>
+              </a14:hiddenLine>
+            </a:ext>
+          </a:extLst>
+        </p:spPr>
+        <p:txBody>
+          <a:bodyPr wrap="square" numCol="1" anchor="t" anchorCtr="0" compatLnSpc="1">
+            <a:prstTxWarp prst="textNoShape">
+              <a:avLst/>
+            </a:prstTxWarp>
+          </a:bodyPr>
+          <a:lstStyle/>
+          <a:p>
+            <a:pPr defTabSz="914400" eaLnBrk="1" hangingPunct="1">
+              <a:spcBef>
+                <a:spcPct val="0"/>
+              </a:spcBef>
+            </a:pPr>
+            <a:r>
+              <a:rPr lang="en-US" dirty="0" smtClean="0">
+                <a:latin typeface="Calibri" charset="0"/>
+              </a:rPr>
+              <a:t>Swim is engineered to run millions of services, distributed across massive clusters of machines.</a:t>
+            </a:r>
+          </a:p>
+          <a:p>
+            <a:pPr defTabSz="914400" eaLnBrk="1" hangingPunct="1">
+              <a:spcBef>
+                <a:spcPct val="0"/>
+              </a:spcBef>
+            </a:pPr>
+            <a:r>
+              <a:rPr lang="en-US" dirty="0" smtClean="0">
+                <a:latin typeface="Calibri" charset="0"/>
+              </a:rPr>
+              <a:t>Next generation </a:t>
+            </a:r>
+          </a:p>
+          <a:p>
+            <a:pPr defTabSz="914400" eaLnBrk="1" hangingPunct="1">
+              <a:spcBef>
+                <a:spcPct val="0"/>
+              </a:spcBef>
+            </a:pPr>
+            <a:r>
+              <a:rPr lang="en-US" dirty="0" smtClean="0">
+                <a:latin typeface="Calibri" charset="0"/>
+              </a:rPr>
+              <a:t>state is confined to the database and updates are periodically pushed to the client. </a:t>
+            </a:r>
+          </a:p>
+          <a:p>
+            <a:pPr defTabSz="914400" eaLnBrk="1" hangingPunct="1">
+              <a:spcBef>
+                <a:spcPct val="0"/>
+              </a:spcBef>
+            </a:pPr>
+            <a:r>
+              <a:rPr lang="en-US" dirty="0" smtClean="0">
+                <a:latin typeface="Calibri" charset="0"/>
+              </a:rPr>
+              <a:t>Because data is stored locally within services, the system can be pervasively </a:t>
+            </a:r>
+            <a:r>
+              <a:rPr lang="en-US" dirty="0" err="1" smtClean="0">
+                <a:latin typeface="Calibri" charset="0"/>
+              </a:rPr>
+              <a:t>stateful</a:t>
+            </a:r>
+            <a:r>
+              <a:rPr lang="en-US" dirty="0" smtClean="0">
+                <a:latin typeface="Calibri" charset="0"/>
+              </a:rPr>
+              <a:t> and event-driven. Additionally, services are globally addressable, allowing developers to offload the complexity of their system to Swim.</a:t>
+            </a:r>
+          </a:p>
+          <a:p>
+            <a:pPr defTabSz="914400" eaLnBrk="1" hangingPunct="1">
+              <a:spcBef>
+                <a:spcPct val="0"/>
+              </a:spcBef>
+            </a:pPr>
+            <a:endParaRPr lang="en-US" dirty="0" smtClean="0">
+              <a:latin typeface="Calibri" charset="0"/>
+            </a:endParaRPr>
+          </a:p>
+          <a:p>
+            <a:r>
+              <a:rPr lang="en-US" dirty="0" smtClean="0">
+                <a:latin typeface="Open Sans Light"/>
+                <a:cs typeface="Open Sans Light"/>
+              </a:rPr>
+              <a:t>Service: the current Swim service instance.</a:t>
+            </a:r>
+          </a:p>
+          <a:p>
+            <a:r>
+              <a:rPr lang="en-US" dirty="0" smtClean="0">
+                <a:latin typeface="Open Sans Light"/>
+                <a:cs typeface="Open Sans Light"/>
+              </a:rPr>
+              <a:t>Lane: an addressable event source.</a:t>
+            </a:r>
+          </a:p>
+          <a:p>
+            <a:r>
+              <a:rPr lang="en-US" dirty="0" smtClean="0">
+                <a:latin typeface="Open Sans Light"/>
+                <a:cs typeface="Open Sans Light"/>
+              </a:rPr>
+              <a:t>User: a user agent accessing the system.</a:t>
+            </a:r>
+          </a:p>
+          <a:p>
+            <a:r>
+              <a:rPr lang="en-US" dirty="0" smtClean="0">
+                <a:latin typeface="Open Sans Light"/>
+                <a:cs typeface="Open Sans Light"/>
+              </a:rPr>
+              <a:t>Uplink: an inbound link connected to a lane of the current service.</a:t>
+            </a:r>
+          </a:p>
+          <a:p>
+            <a:r>
+              <a:rPr lang="en-US" dirty="0" smtClean="0">
+                <a:latin typeface="Open Sans Light"/>
+                <a:cs typeface="Open Sans Light"/>
+              </a:rPr>
+              <a:t>Downlink: an outbound link connected to a lane of some other service.</a:t>
+            </a:r>
+          </a:p>
+          <a:p>
+            <a:r>
+              <a:rPr lang="en-US" dirty="0" err="1" smtClean="0">
+                <a:latin typeface="Open Sans Light"/>
+                <a:cs typeface="Open Sans Light"/>
+              </a:rPr>
+              <a:t>DownlinkBuilder</a:t>
+            </a:r>
+            <a:r>
+              <a:rPr lang="en-US" smtClean="0">
+                <a:latin typeface="Open Sans Light"/>
+                <a:cs typeface="Open Sans Light"/>
+              </a:rPr>
+              <a:t>: an object used to constructor outbound links.</a:t>
+            </a:r>
+          </a:p>
+          <a:p>
+            <a:pPr defTabSz="914400" eaLnBrk="1" hangingPunct="1">
+              <a:spcBef>
+                <a:spcPct val="0"/>
+              </a:spcBef>
+            </a:pPr>
+            <a:endParaRPr lang="en-US" dirty="0" smtClean="0">
+              <a:latin typeface="Calibri" charset="0"/>
+            </a:endParaRPr>
+          </a:p>
+          <a:p>
+            <a:pPr defTabSz="914400" eaLnBrk="1" hangingPunct="1">
+              <a:spcBef>
+                <a:spcPct val="0"/>
+              </a:spcBef>
+            </a:pPr>
+            <a:endParaRPr lang="en-US" dirty="0">
+              <a:latin typeface="Calibri" charset="0"/>
+            </a:endParaRPr>
+          </a:p>
+        </p:txBody>
+      </p:sp>
+      <p:sp>
+        <p:nvSpPr>
+          <p:cNvPr id="26627" name="Slide Number Placeholder 3"/>
+          <p:cNvSpPr>
+            <a:spLocks noGrp="1"/>
+          </p:cNvSpPr>
+          <p:nvPr>
+            <p:ph type="sldNum" sz="quarter" idx="5"/>
+          </p:nvPr>
+        </p:nvSpPr>
+        <p:spPr bwMode="auto">
+          <a:noFill/>
+          <a:extLst>
+            <a:ext uri="{909E8E84-426E-40dd-AFC4-6F175D3DCCD1}">
+              <a14:hiddenFill xmlns:a14="http://schemas.microsoft.com/office/drawing/2010/main">
+                <a:solidFill>
+                  <a:srgbClr val="FFFFFF"/>
+                </a:solidFill>
+              </a14:hiddenFill>
+            </a:ext>
+            <a:ext uri="{91240B29-F687-4f45-9708-019B960494DF}">
+              <a14:hiddenLine xmlns:a14="http://schemas.microsoft.com/office/drawing/2010/main" w="9525">
+                <a:solidFill>
+                  <a:srgbClr val="000000"/>
+                </a:solidFill>
+                <a:miter lim="800000"/>
+                <a:headEnd/>
+                <a:tailEnd/>
+              </a14:hiddenLine>
+            </a:ext>
+          </a:extLst>
+        </p:spPr>
+        <p:txBody>
+          <a:bodyPr/>
+          <a:lstStyle>
+            <a:lvl1pPr>
+              <a:defRPr sz="1400">
+                <a:solidFill>
+                  <a:schemeClr val="tx1"/>
+                </a:solidFill>
+                <a:latin typeface="Helvetica" charset="0"/>
+                <a:ea typeface="ＭＳ Ｐゴシック" charset="0"/>
+                <a:cs typeface="ＭＳ Ｐゴシック" charset="0"/>
+              </a:defRPr>
+            </a:lvl1pPr>
+            <a:lvl2pPr marL="742950" indent="-285750">
+              <a:defRPr sz="1400">
+                <a:solidFill>
+                  <a:schemeClr val="tx1"/>
+                </a:solidFill>
+                <a:latin typeface="Helvetica" charset="0"/>
+                <a:ea typeface="ＭＳ Ｐゴシック" charset="0"/>
+              </a:defRPr>
+            </a:lvl2pPr>
+            <a:lvl3pPr marL="1143000" indent="-228600">
+              <a:defRPr sz="1400">
+                <a:solidFill>
+                  <a:schemeClr val="tx1"/>
+                </a:solidFill>
+                <a:latin typeface="Helvetica" charset="0"/>
+                <a:ea typeface="ＭＳ Ｐゴシック" charset="0"/>
+              </a:defRPr>
+            </a:lvl3pPr>
+            <a:lvl4pPr marL="1600200" indent="-228600">
+              <a:defRPr sz="1400">
+                <a:solidFill>
+                  <a:schemeClr val="tx1"/>
+                </a:solidFill>
+                <a:latin typeface="Helvetica" charset="0"/>
+                <a:ea typeface="ＭＳ Ｐゴシック" charset="0"/>
+              </a:defRPr>
+            </a:lvl4pPr>
+            <a:lvl5pPr marL="2057400" indent="-228600">
+              <a:defRPr sz="1400">
+                <a:solidFill>
+                  <a:schemeClr val="tx1"/>
+                </a:solidFill>
+                <a:latin typeface="Helvetica" charset="0"/>
+                <a:ea typeface="ＭＳ Ｐゴシック" charset="0"/>
+              </a:defRPr>
+            </a:lvl5pPr>
+            <a:lvl6pPr marL="2514600" indent="-228600" defTabSz="342900" eaLnBrk="0" fontAlgn="base" hangingPunct="0">
+              <a:spcBef>
+                <a:spcPct val="0"/>
+              </a:spcBef>
+              <a:spcAft>
+                <a:spcPct val="0"/>
+              </a:spcAft>
+              <a:defRPr sz="1400">
+                <a:solidFill>
+                  <a:schemeClr val="tx1"/>
+                </a:solidFill>
+                <a:latin typeface="Helvetica" charset="0"/>
+                <a:ea typeface="ＭＳ Ｐゴシック" charset="0"/>
+              </a:defRPr>
+            </a:lvl6pPr>
+            <a:lvl7pPr marL="2971800" indent="-228600" defTabSz="342900" eaLnBrk="0" fontAlgn="base" hangingPunct="0">
+              <a:spcBef>
+                <a:spcPct val="0"/>
+              </a:spcBef>
+              <a:spcAft>
+                <a:spcPct val="0"/>
+              </a:spcAft>
+              <a:defRPr sz="1400">
+                <a:solidFill>
+                  <a:schemeClr val="tx1"/>
+                </a:solidFill>
+                <a:latin typeface="Helvetica" charset="0"/>
+                <a:ea typeface="ＭＳ Ｐゴシック" charset="0"/>
+              </a:defRPr>
+            </a:lvl7pPr>
+            <a:lvl8pPr marL="3429000" indent="-228600" defTabSz="342900" eaLnBrk="0" fontAlgn="base" hangingPunct="0">
+              <a:spcBef>
+                <a:spcPct val="0"/>
+              </a:spcBef>
+              <a:spcAft>
+                <a:spcPct val="0"/>
+              </a:spcAft>
+              <a:defRPr sz="1400">
+                <a:solidFill>
+                  <a:schemeClr val="tx1"/>
+                </a:solidFill>
+                <a:latin typeface="Helvetica" charset="0"/>
+                <a:ea typeface="ＭＳ Ｐゴシック" charset="0"/>
+              </a:defRPr>
+            </a:lvl8pPr>
+            <a:lvl9pPr marL="3886200" indent="-228600" defTabSz="342900" eaLnBrk="0" fontAlgn="base" hangingPunct="0">
+              <a:spcBef>
+                <a:spcPct val="0"/>
+              </a:spcBef>
+              <a:spcAft>
+                <a:spcPct val="0"/>
+              </a:spcAft>
+              <a:defRPr sz="1400">
+                <a:solidFill>
+                  <a:schemeClr val="tx1"/>
+                </a:solidFill>
+                <a:latin typeface="Helvetica" charset="0"/>
+                <a:ea typeface="ＭＳ Ｐゴシック" charset="0"/>
+              </a:defRPr>
+            </a:lvl9pPr>
+          </a:lstStyle>
+          <a:p>
+            <a:fld id="{FFB4A165-36B0-3D4C-AEFE-09FB28E1B792}" type="slidenum">
+              <a:rPr lang="en-US" sz="1200">
+                <a:latin typeface="Calibri" charset="0"/>
+              </a:rPr>
+              <a:pPr/>
+              <a:t>2</a:t>
             </a:fld>
             <a:endParaRPr lang="en-US" sz="1200">
               <a:latin typeface="Calibri" charset="0"/>
@@ -1660,7 +2217,7 @@
               <a:pPr>
                 <a:defRPr/>
               </a:pPr>
-              <a:t>4/23/16</a:t>
+              <a:t>7/9/16</a:t>
             </a:fld>
             <a:endParaRPr lang="en-US"/>
           </a:p>
@@ -2382,35 +2939,3274 @@
       </p:grpSpPr>
       <p:sp>
         <p:nvSpPr>
-          <p:cNvPr id="2" name="Rectangle 1"/>
+          <p:cNvPr id="113" name="Rectangle 112"/>
           <p:cNvSpPr/>
           <p:nvPr/>
         </p:nvSpPr>
         <p:spPr>
           <a:xfrm>
-            <a:off x="446740" y="4495831"/>
-            <a:ext cx="7891519" cy="215444"/>
+            <a:off x="853215" y="301494"/>
+            <a:ext cx="1815255" cy="401910"/>
+          </a:xfrm>
+          <a:prstGeom prst="rect">
+            <a:avLst/>
+          </a:prstGeom>
+          <a:solidFill>
+            <a:schemeClr val="bg2"/>
+          </a:solidFill>
+          <a:ln>
+            <a:solidFill>
+              <a:schemeClr val="bg1"/>
+            </a:solidFill>
+          </a:ln>
+        </p:spPr>
+        <p:style>
+          <a:lnRef idx="2">
+            <a:schemeClr val="accent1">
+              <a:shade val="50000"/>
+            </a:schemeClr>
+          </a:lnRef>
+          <a:fillRef idx="1">
+            <a:schemeClr val="accent1"/>
+          </a:fillRef>
+          <a:effectRef idx="0">
+            <a:schemeClr val="accent1"/>
+          </a:effectRef>
+          <a:fontRef idx="minor">
+            <a:schemeClr val="lt1"/>
+          </a:fontRef>
+        </p:style>
+        <p:txBody>
+          <a:bodyPr lIns="68681" tIns="34340" rIns="68681" bIns="34340" anchor="t"/>
+          <a:lstStyle/>
+          <a:p>
+            <a:pPr defTabSz="343403" eaLnBrk="1" fontAlgn="auto" hangingPunct="1">
+              <a:spcBef>
+                <a:spcPts val="0"/>
+              </a:spcBef>
+              <a:spcAft>
+                <a:spcPts val="0"/>
+              </a:spcAft>
+              <a:defRPr/>
+            </a:pPr>
+            <a:r>
+              <a:rPr lang="en-US" dirty="0" smtClean="0">
+                <a:latin typeface="Open Sans Light"/>
+                <a:ea typeface="Open Sans Light" charset="0"/>
+                <a:cs typeface="Open Sans Light"/>
+              </a:rPr>
+              <a:t>GitHub.com</a:t>
+            </a:r>
+            <a:endParaRPr lang="en-US" sz="1800" dirty="0">
+              <a:latin typeface="Open Sans Light"/>
+              <a:ea typeface="Open Sans Light" charset="0"/>
+              <a:cs typeface="Open Sans Light"/>
+            </a:endParaRPr>
+          </a:p>
+        </p:txBody>
+      </p:sp>
+      <p:sp>
+        <p:nvSpPr>
+          <p:cNvPr id="59" name="Rectangle 58"/>
+          <p:cNvSpPr/>
+          <p:nvPr/>
+        </p:nvSpPr>
+        <p:spPr>
+          <a:xfrm>
+            <a:off x="5194829" y="268408"/>
+            <a:ext cx="2455035" cy="5619995"/>
+          </a:xfrm>
+          <a:prstGeom prst="rect">
+            <a:avLst/>
+          </a:prstGeom>
+          <a:solidFill>
+            <a:schemeClr val="bg2"/>
+          </a:solidFill>
+          <a:ln>
+            <a:solidFill>
+              <a:schemeClr val="bg1"/>
+            </a:solidFill>
+          </a:ln>
+        </p:spPr>
+        <p:style>
+          <a:lnRef idx="2">
+            <a:schemeClr val="accent1">
+              <a:shade val="50000"/>
+            </a:schemeClr>
+          </a:lnRef>
+          <a:fillRef idx="1">
+            <a:schemeClr val="accent1"/>
+          </a:fillRef>
+          <a:effectRef idx="0">
+            <a:schemeClr val="accent1"/>
+          </a:effectRef>
+          <a:fontRef idx="minor">
+            <a:schemeClr val="lt1"/>
+          </a:fontRef>
+        </p:style>
+        <p:txBody>
+          <a:bodyPr lIns="68681" tIns="34340" rIns="68681" bIns="34340" anchor="t"/>
+          <a:lstStyle/>
+          <a:p>
+            <a:pPr defTabSz="343403" eaLnBrk="1" fontAlgn="auto" hangingPunct="1">
+              <a:spcBef>
+                <a:spcPts val="0"/>
+              </a:spcBef>
+              <a:spcAft>
+                <a:spcPts val="0"/>
+              </a:spcAft>
+              <a:defRPr/>
+            </a:pPr>
+            <a:r>
+              <a:rPr lang="en-US" dirty="0" smtClean="0">
+                <a:latin typeface="Open Sans Light"/>
+                <a:ea typeface="Open Sans Light" charset="0"/>
+                <a:cs typeface="Open Sans Light"/>
+              </a:rPr>
+              <a:t>SWIM cloud</a:t>
+            </a:r>
+            <a:endParaRPr lang="en-US" sz="1800" dirty="0">
+              <a:latin typeface="Open Sans Light"/>
+              <a:ea typeface="Open Sans Light" charset="0"/>
+              <a:cs typeface="Open Sans Light"/>
+            </a:endParaRPr>
+          </a:p>
+        </p:txBody>
+      </p:sp>
+      <p:sp>
+        <p:nvSpPr>
+          <p:cNvPr id="72" name="Rectangle 71"/>
+          <p:cNvSpPr/>
+          <p:nvPr/>
+        </p:nvSpPr>
+        <p:spPr>
+          <a:xfrm>
+            <a:off x="5643287" y="855803"/>
+            <a:ext cx="1642973" cy="1152504"/>
+          </a:xfrm>
+          <a:prstGeom prst="rect">
+            <a:avLst/>
+          </a:prstGeom>
+          <a:solidFill>
+            <a:srgbClr val="FF6600"/>
+          </a:solidFill>
+          <a:ln>
+            <a:solidFill>
+              <a:schemeClr val="bg1"/>
+            </a:solidFill>
+          </a:ln>
+        </p:spPr>
+        <p:style>
+          <a:lnRef idx="2">
+            <a:schemeClr val="accent1">
+              <a:shade val="50000"/>
+            </a:schemeClr>
+          </a:lnRef>
+          <a:fillRef idx="1">
+            <a:schemeClr val="accent1"/>
+          </a:fillRef>
+          <a:effectRef idx="0">
+            <a:schemeClr val="accent1"/>
+          </a:effectRef>
+          <a:fontRef idx="minor">
+            <a:schemeClr val="lt1"/>
+          </a:fontRef>
+        </p:style>
+        <p:txBody>
+          <a:bodyPr lIns="68681" tIns="34340" rIns="68681" bIns="34340" anchor="t"/>
+          <a:lstStyle/>
+          <a:p>
+            <a:pPr algn="ctr" defTabSz="343403" eaLnBrk="1" fontAlgn="auto" hangingPunct="1">
+              <a:spcBef>
+                <a:spcPts val="0"/>
+              </a:spcBef>
+              <a:spcAft>
+                <a:spcPts val="0"/>
+              </a:spcAft>
+              <a:defRPr/>
+            </a:pPr>
+            <a:r>
+              <a:rPr lang="en-US" sz="1800" dirty="0" smtClean="0">
+                <a:latin typeface="Open Sans Light"/>
+                <a:ea typeface="Open Sans Light" charset="0"/>
+                <a:cs typeface="Open Sans Light"/>
+              </a:rPr>
+              <a:t>Service</a:t>
+            </a:r>
+            <a:endParaRPr lang="en-US" sz="1800" dirty="0">
+              <a:latin typeface="Open Sans Light"/>
+              <a:ea typeface="Open Sans Light" charset="0"/>
+              <a:cs typeface="Open Sans Light"/>
+            </a:endParaRPr>
+          </a:p>
+        </p:txBody>
+      </p:sp>
+      <p:cxnSp>
+        <p:nvCxnSpPr>
+          <p:cNvPr id="42" name="Straight Connector 41"/>
+          <p:cNvCxnSpPr/>
+          <p:nvPr/>
+        </p:nvCxnSpPr>
+        <p:spPr>
+          <a:xfrm flipH="1">
+            <a:off x="4669501" y="1818444"/>
+            <a:ext cx="1188934" cy="382090"/>
+          </a:xfrm>
+          <a:prstGeom prst="line">
+            <a:avLst/>
+          </a:prstGeom>
+          <a:ln w="25400">
+            <a:solidFill>
+              <a:srgbClr val="FF6600"/>
+            </a:solidFill>
+            <a:headEnd type="none"/>
+            <a:tailEnd type="triangle" w="lg" len="lg"/>
+          </a:ln>
+        </p:spPr>
+        <p:style>
+          <a:lnRef idx="1">
+            <a:schemeClr val="accent1"/>
+          </a:lnRef>
+          <a:fillRef idx="0">
+            <a:schemeClr val="accent1"/>
+          </a:fillRef>
+          <a:effectRef idx="0">
+            <a:schemeClr val="accent1"/>
+          </a:effectRef>
+          <a:fontRef idx="minor">
+            <a:schemeClr val="tx1"/>
+          </a:fontRef>
+        </p:style>
+      </p:cxnSp>
+      <p:sp>
+        <p:nvSpPr>
+          <p:cNvPr id="10" name="Can 9"/>
+          <p:cNvSpPr/>
+          <p:nvPr/>
+        </p:nvSpPr>
+        <p:spPr>
+          <a:xfrm>
+            <a:off x="5540655" y="2294344"/>
+            <a:ext cx="925574" cy="496214"/>
+          </a:xfrm>
+          <a:prstGeom prst="can">
+            <a:avLst/>
+          </a:prstGeom>
+          <a:solidFill>
+            <a:srgbClr val="FF6600"/>
+          </a:solidFill>
+          <a:ln>
+            <a:solidFill>
+              <a:schemeClr val="bg1"/>
+            </a:solidFill>
+          </a:ln>
+        </p:spPr>
+        <p:style>
+          <a:lnRef idx="2">
+            <a:schemeClr val="accent1">
+              <a:shade val="50000"/>
+            </a:schemeClr>
+          </a:lnRef>
+          <a:fillRef idx="1">
+            <a:schemeClr val="accent1"/>
+          </a:fillRef>
+          <a:effectRef idx="0">
+            <a:schemeClr val="accent1"/>
+          </a:effectRef>
+          <a:fontRef idx="minor">
+            <a:schemeClr val="lt1"/>
+          </a:fontRef>
+        </p:style>
+        <p:txBody>
+          <a:bodyPr rtlCol="0" anchor="ctr"/>
+          <a:lstStyle/>
+          <a:p>
+            <a:pPr algn="ctr"/>
+            <a:r>
+              <a:rPr lang="en-US" sz="2400" dirty="0" smtClean="0">
+                <a:latin typeface="Open Sans Light"/>
+                <a:cs typeface="Open Sans Light"/>
+              </a:rPr>
+              <a:t>state</a:t>
+            </a:r>
+            <a:endParaRPr lang="en-US" sz="2400" dirty="0" smtClean="0">
+              <a:latin typeface="Open Sans Light"/>
+              <a:cs typeface="Open Sans Light"/>
+            </a:endParaRPr>
+          </a:p>
+        </p:txBody>
+      </p:sp>
+      <p:cxnSp>
+        <p:nvCxnSpPr>
+          <p:cNvPr id="33" name="Straight Connector 32"/>
+          <p:cNvCxnSpPr>
+            <a:endCxn id="10" idx="0"/>
+          </p:cNvCxnSpPr>
+          <p:nvPr/>
+        </p:nvCxnSpPr>
+        <p:spPr>
+          <a:xfrm>
+            <a:off x="6003442" y="1739180"/>
+            <a:ext cx="0" cy="679218"/>
+          </a:xfrm>
+          <a:prstGeom prst="line">
+            <a:avLst/>
+          </a:prstGeom>
+          <a:ln w="12700">
+            <a:solidFill>
+              <a:srgbClr val="FF6600"/>
+            </a:solidFill>
+            <a:headEnd type="none"/>
+            <a:tailEnd type="triangle" w="lg" len="lg"/>
+          </a:ln>
+        </p:spPr>
+        <p:style>
+          <a:lnRef idx="1">
+            <a:schemeClr val="accent1"/>
+          </a:lnRef>
+          <a:fillRef idx="0">
+            <a:schemeClr val="accent1"/>
+          </a:fillRef>
+          <a:effectRef idx="0">
+            <a:schemeClr val="accent1"/>
+          </a:effectRef>
+          <a:fontRef idx="minor">
+            <a:schemeClr val="tx1"/>
+          </a:fontRef>
+        </p:style>
+      </p:cxnSp>
+      <p:sp>
+        <p:nvSpPr>
+          <p:cNvPr id="4" name="TextBox 3"/>
+          <p:cNvSpPr txBox="1"/>
+          <p:nvPr/>
+        </p:nvSpPr>
+        <p:spPr>
+          <a:xfrm>
+            <a:off x="-525996" y="3386244"/>
+            <a:ext cx="184666" cy="307777"/>
+          </a:xfrm>
+          <a:prstGeom prst="rect">
+            <a:avLst/>
+          </a:prstGeom>
+          <a:noFill/>
+        </p:spPr>
+        <p:txBody>
+          <a:bodyPr wrap="none" rtlCol="0">
+            <a:spAutoFit/>
+          </a:bodyPr>
+          <a:lstStyle/>
+          <a:p>
+            <a:endParaRPr lang="en-US" dirty="0">
+              <a:latin typeface="Open Sans Light"/>
+              <a:cs typeface="Open Sans Light"/>
+            </a:endParaRPr>
+          </a:p>
+        </p:txBody>
+      </p:sp>
+      <p:sp>
+        <p:nvSpPr>
+          <p:cNvPr id="53" name="Rectangle 52"/>
+          <p:cNvSpPr/>
+          <p:nvPr/>
+        </p:nvSpPr>
+        <p:spPr>
+          <a:xfrm>
+            <a:off x="5490887" y="703403"/>
+            <a:ext cx="1642973" cy="1152504"/>
+          </a:xfrm>
+          <a:prstGeom prst="rect">
+            <a:avLst/>
+          </a:prstGeom>
+          <a:solidFill>
+            <a:srgbClr val="FF6600"/>
+          </a:solidFill>
+          <a:ln>
+            <a:solidFill>
+              <a:schemeClr val="bg1"/>
+            </a:solidFill>
+          </a:ln>
+        </p:spPr>
+        <p:style>
+          <a:lnRef idx="2">
+            <a:schemeClr val="accent1">
+              <a:shade val="50000"/>
+            </a:schemeClr>
+          </a:lnRef>
+          <a:fillRef idx="1">
+            <a:schemeClr val="accent1"/>
+          </a:fillRef>
+          <a:effectRef idx="0">
+            <a:schemeClr val="accent1"/>
+          </a:effectRef>
+          <a:fontRef idx="minor">
+            <a:schemeClr val="lt1"/>
+          </a:fontRef>
+        </p:style>
+        <p:txBody>
+          <a:bodyPr lIns="68681" tIns="34340" rIns="68681" bIns="34340" anchor="t"/>
+          <a:lstStyle/>
+          <a:p>
+            <a:pPr algn="ctr" defTabSz="343403" eaLnBrk="1" fontAlgn="auto" hangingPunct="1">
+              <a:spcBef>
+                <a:spcPts val="0"/>
+              </a:spcBef>
+              <a:spcAft>
+                <a:spcPts val="0"/>
+              </a:spcAft>
+              <a:defRPr/>
+            </a:pPr>
+            <a:r>
+              <a:rPr lang="en-US" sz="1800" dirty="0" smtClean="0">
+                <a:latin typeface="Open Sans Light"/>
+                <a:ea typeface="Open Sans Light" charset="0"/>
+                <a:cs typeface="Open Sans Light"/>
+              </a:rPr>
+              <a:t>Service</a:t>
+            </a:r>
+            <a:endParaRPr lang="en-US" sz="1800" dirty="0">
+              <a:latin typeface="Open Sans Light"/>
+              <a:ea typeface="Open Sans Light" charset="0"/>
+              <a:cs typeface="Open Sans Light"/>
+            </a:endParaRPr>
+          </a:p>
+        </p:txBody>
+      </p:sp>
+      <p:pic>
+        <p:nvPicPr>
+          <p:cNvPr id="54" name="Picture 53" descr="Users.png"/>
+          <p:cNvPicPr>
+            <a:picLocks noChangeAspect="1"/>
+          </p:cNvPicPr>
+          <p:nvPr/>
+        </p:nvPicPr>
+        <p:blipFill>
+          <a:blip r:embed="rId3">
+            <a:extLst>
+              <a:ext uri="{28A0092B-C50C-407E-A947-70E740481C1C}">
+                <a14:useLocalDpi xmlns:a14="http://schemas.microsoft.com/office/drawing/2010/main" val="0"/>
+              </a:ext>
+            </a:extLst>
+          </a:blip>
+          <a:stretch>
+            <a:fillRect/>
+          </a:stretch>
+        </p:blipFill>
+        <p:spPr>
+          <a:xfrm>
+            <a:off x="8055185" y="3580484"/>
+            <a:ext cx="627151" cy="627151"/>
+          </a:xfrm>
+          <a:prstGeom prst="rect">
+            <a:avLst/>
+          </a:prstGeom>
+        </p:spPr>
+      </p:pic>
+      <p:sp>
+        <p:nvSpPr>
+          <p:cNvPr id="57" name="Rectangle 56"/>
+          <p:cNvSpPr/>
+          <p:nvPr/>
+        </p:nvSpPr>
+        <p:spPr>
+          <a:xfrm>
+            <a:off x="7849399" y="2902251"/>
+            <a:ext cx="1066884" cy="678233"/>
+          </a:xfrm>
+          <a:prstGeom prst="rect">
+            <a:avLst/>
+          </a:prstGeom>
+          <a:solidFill>
+            <a:srgbClr val="C0504D"/>
+          </a:solidFill>
+          <a:ln>
+            <a:solidFill>
+              <a:schemeClr val="bg1"/>
+            </a:solidFill>
+          </a:ln>
+        </p:spPr>
+        <p:style>
+          <a:lnRef idx="2">
+            <a:schemeClr val="accent1">
+              <a:shade val="50000"/>
+            </a:schemeClr>
+          </a:lnRef>
+          <a:fillRef idx="1">
+            <a:schemeClr val="accent1"/>
+          </a:fillRef>
+          <a:effectRef idx="0">
+            <a:schemeClr val="accent1"/>
+          </a:effectRef>
+          <a:fontRef idx="minor">
+            <a:schemeClr val="lt1"/>
+          </a:fontRef>
+        </p:style>
+        <p:txBody>
+          <a:bodyPr lIns="68681" tIns="34340" rIns="68681" bIns="34340" anchor="ctr"/>
+          <a:lstStyle/>
+          <a:p>
+            <a:pPr algn="ctr" defTabSz="343403" eaLnBrk="1" fontAlgn="auto" hangingPunct="1">
+              <a:spcBef>
+                <a:spcPts val="0"/>
+              </a:spcBef>
+              <a:spcAft>
+                <a:spcPts val="0"/>
+              </a:spcAft>
+              <a:defRPr/>
+            </a:pPr>
+            <a:r>
+              <a:rPr lang="en-US" sz="1800" dirty="0" smtClean="0">
+                <a:latin typeface="Open Sans Light"/>
+                <a:ea typeface="Open Sans Light" charset="0"/>
+                <a:cs typeface="Open Sans Light"/>
+              </a:rPr>
+              <a:t>Tableau</a:t>
+            </a:r>
+          </a:p>
+          <a:p>
+            <a:pPr algn="ctr" defTabSz="343403" eaLnBrk="1" fontAlgn="auto" hangingPunct="1">
+              <a:spcBef>
+                <a:spcPts val="0"/>
+              </a:spcBef>
+              <a:spcAft>
+                <a:spcPts val="0"/>
+              </a:spcAft>
+              <a:defRPr/>
+            </a:pPr>
+            <a:r>
+              <a:rPr lang="en-US" sz="1800" dirty="0" err="1" smtClean="0">
+                <a:latin typeface="Open Sans Light"/>
+                <a:ea typeface="Open Sans Light" charset="0"/>
+                <a:cs typeface="Open Sans Light"/>
+              </a:rPr>
+              <a:t>viz</a:t>
+            </a:r>
+            <a:endParaRPr lang="en-US" sz="1800" dirty="0">
+              <a:latin typeface="Open Sans Light"/>
+              <a:ea typeface="Open Sans Light" charset="0"/>
+              <a:cs typeface="Open Sans Light"/>
+            </a:endParaRPr>
+          </a:p>
+        </p:txBody>
+      </p:sp>
+      <p:sp>
+        <p:nvSpPr>
+          <p:cNvPr id="29" name="Rectangle 28"/>
+          <p:cNvSpPr/>
+          <p:nvPr/>
+        </p:nvSpPr>
+        <p:spPr>
+          <a:xfrm>
+            <a:off x="349742" y="3899858"/>
+            <a:ext cx="1954381" cy="307777"/>
           </a:xfrm>
           <a:prstGeom prst="rect">
             <a:avLst/>
           </a:prstGeom>
         </p:spPr>
         <p:txBody>
-          <a:bodyPr wrap="square">
+          <a:bodyPr wrap="none">
             <a:spAutoFit/>
           </a:bodyPr>
           <a:lstStyle/>
           <a:p>
-            <a:pPr algn="r"/>
             <a:r>
-              <a:rPr lang="en-US" sz="800" dirty="0" err="1" smtClean="0"/>
-              <a:t>Wison</a:t>
+              <a:rPr lang="pt-BR" dirty="0" err="1">
+                <a:latin typeface="Open Sans Light"/>
+                <a:cs typeface="Open Sans Light"/>
+              </a:rPr>
+              <a:t>Recon.sublime-syntax</a:t>
+            </a:r>
+            <a:endParaRPr lang="en-US" dirty="0">
+              <a:latin typeface="Open Sans Light"/>
+              <a:cs typeface="Open Sans Light"/>
+            </a:endParaRPr>
+          </a:p>
+        </p:txBody>
+      </p:sp>
+      <p:sp>
+        <p:nvSpPr>
+          <p:cNvPr id="62" name="Rectangle 61"/>
+          <p:cNvSpPr/>
+          <p:nvPr/>
+        </p:nvSpPr>
+        <p:spPr>
+          <a:xfrm>
+            <a:off x="-1952892" y="2682193"/>
+            <a:ext cx="1200150" cy="463929"/>
+          </a:xfrm>
+          <a:prstGeom prst="rect">
+            <a:avLst/>
+          </a:prstGeom>
+          <a:solidFill>
+            <a:srgbClr val="00A9F2"/>
+          </a:solidFill>
+          <a:ln>
+            <a:solidFill>
+              <a:schemeClr val="bg1"/>
+            </a:solidFill>
+          </a:ln>
+        </p:spPr>
+        <p:style>
+          <a:lnRef idx="2">
+            <a:schemeClr val="accent1">
+              <a:shade val="50000"/>
+            </a:schemeClr>
+          </a:lnRef>
+          <a:fillRef idx="1">
+            <a:schemeClr val="accent1"/>
+          </a:fillRef>
+          <a:effectRef idx="0">
+            <a:schemeClr val="accent1"/>
+          </a:effectRef>
+          <a:fontRef idx="minor">
+            <a:schemeClr val="lt1"/>
+          </a:fontRef>
+        </p:style>
+        <p:txBody>
+          <a:bodyPr lIns="68681" tIns="34340" rIns="68681" bIns="34340" anchor="ctr"/>
+          <a:lstStyle/>
+          <a:p>
+            <a:pPr algn="ctr" defTabSz="343403" eaLnBrk="1" fontAlgn="auto" hangingPunct="1">
+              <a:spcBef>
+                <a:spcPts val="0"/>
+              </a:spcBef>
+              <a:spcAft>
+                <a:spcPts val="0"/>
+              </a:spcAft>
+              <a:defRPr/>
+            </a:pPr>
+            <a:r>
+              <a:rPr lang="en-US" sz="1800" dirty="0" smtClean="0">
+                <a:latin typeface="Open Sans Light"/>
+                <a:ea typeface="Open Sans Light" charset="0"/>
+                <a:cs typeface="Open Sans Light"/>
+              </a:rPr>
+              <a:t>recon-</a:t>
             </a:r>
             <a:r>
-              <a:rPr lang="en-US" sz="800" dirty="0" smtClean="0"/>
-              <a:t> mar</a:t>
+              <a:rPr lang="en-US" sz="1800" dirty="0" err="1" smtClean="0">
+                <a:latin typeface="Open Sans Light"/>
+                <a:ea typeface="Open Sans Light" charset="0"/>
+                <a:cs typeface="Open Sans Light"/>
+              </a:rPr>
+              <a:t>js</a:t>
             </a:r>
-            <a:endParaRPr lang="en-US" sz="800" dirty="0"/>
+            <a:endParaRPr lang="en-US" sz="1800" dirty="0">
+              <a:latin typeface="Open Sans Light"/>
+              <a:ea typeface="Open Sans Light" charset="0"/>
+              <a:cs typeface="Open Sans Light"/>
+            </a:endParaRPr>
+          </a:p>
+        </p:txBody>
+      </p:sp>
+      <p:cxnSp>
+        <p:nvCxnSpPr>
+          <p:cNvPr id="64" name="Straight Connector 63"/>
+          <p:cNvCxnSpPr>
+            <a:stCxn id="62" idx="0"/>
+          </p:cNvCxnSpPr>
+          <p:nvPr/>
+        </p:nvCxnSpPr>
+        <p:spPr>
+          <a:xfrm flipV="1">
+            <a:off x="-1352817" y="2311336"/>
+            <a:ext cx="0" cy="370857"/>
+          </a:xfrm>
+          <a:prstGeom prst="line">
+            <a:avLst/>
+          </a:prstGeom>
+          <a:ln w="25400">
+            <a:solidFill>
+              <a:schemeClr val="accent2"/>
+            </a:solidFill>
+            <a:headEnd type="none"/>
+            <a:tailEnd type="triangle" w="lg" len="lg"/>
+          </a:ln>
+        </p:spPr>
+        <p:style>
+          <a:lnRef idx="1">
+            <a:schemeClr val="accent1"/>
+          </a:lnRef>
+          <a:fillRef idx="0">
+            <a:schemeClr val="accent1"/>
+          </a:fillRef>
+          <a:effectRef idx="0">
+            <a:schemeClr val="accent1"/>
+          </a:effectRef>
+          <a:fontRef idx="minor">
+            <a:schemeClr val="tx1"/>
+          </a:fontRef>
+        </p:style>
+      </p:cxnSp>
+      <p:sp>
+        <p:nvSpPr>
+          <p:cNvPr id="65" name="Rectangle 64"/>
+          <p:cNvSpPr/>
+          <p:nvPr/>
+        </p:nvSpPr>
+        <p:spPr>
+          <a:xfrm>
+            <a:off x="-1082057" y="3592391"/>
+            <a:ext cx="1200150" cy="835348"/>
+          </a:xfrm>
+          <a:prstGeom prst="rect">
+            <a:avLst/>
+          </a:prstGeom>
+          <a:solidFill>
+            <a:srgbClr val="00A9F2"/>
+          </a:solidFill>
+          <a:ln>
+            <a:solidFill>
+              <a:schemeClr val="bg1"/>
+            </a:solidFill>
+          </a:ln>
+        </p:spPr>
+        <p:style>
+          <a:lnRef idx="2">
+            <a:schemeClr val="accent1">
+              <a:shade val="50000"/>
+            </a:schemeClr>
+          </a:lnRef>
+          <a:fillRef idx="1">
+            <a:schemeClr val="accent1"/>
+          </a:fillRef>
+          <a:effectRef idx="0">
+            <a:schemeClr val="accent1"/>
+          </a:effectRef>
+          <a:fontRef idx="minor">
+            <a:schemeClr val="lt1"/>
+          </a:fontRef>
+        </p:style>
+        <p:txBody>
+          <a:bodyPr lIns="68681" tIns="34340" rIns="68681" bIns="34340" anchor="ctr"/>
+          <a:lstStyle/>
+          <a:p>
+            <a:pPr algn="ctr" defTabSz="343403" eaLnBrk="1" fontAlgn="auto" hangingPunct="1">
+              <a:spcBef>
+                <a:spcPts val="0"/>
+              </a:spcBef>
+              <a:spcAft>
+                <a:spcPts val="0"/>
+              </a:spcAft>
+              <a:defRPr/>
+            </a:pPr>
+            <a:r>
+              <a:rPr lang="pt-BR" sz="1800" dirty="0" err="1">
+                <a:latin typeface="Open Sans Light"/>
+                <a:ea typeface="Open Sans Light" charset="0"/>
+                <a:cs typeface="Open Sans Light"/>
+              </a:rPr>
+              <a:t>swim-service-js</a:t>
+            </a:r>
+            <a:endParaRPr lang="en-US" sz="1800" dirty="0">
+              <a:latin typeface="Open Sans Light"/>
+              <a:ea typeface="Open Sans Light" charset="0"/>
+              <a:cs typeface="Open Sans Light"/>
+            </a:endParaRPr>
+          </a:p>
+        </p:txBody>
+      </p:sp>
+      <p:cxnSp>
+        <p:nvCxnSpPr>
+          <p:cNvPr id="67" name="Straight Connector 66"/>
+          <p:cNvCxnSpPr>
+            <a:stCxn id="65" idx="0"/>
+          </p:cNvCxnSpPr>
+          <p:nvPr/>
+        </p:nvCxnSpPr>
+        <p:spPr>
+          <a:xfrm flipV="1">
+            <a:off x="-481982" y="3221535"/>
+            <a:ext cx="0" cy="370856"/>
+          </a:xfrm>
+          <a:prstGeom prst="line">
+            <a:avLst/>
+          </a:prstGeom>
+          <a:ln w="25400">
+            <a:solidFill>
+              <a:schemeClr val="accent2"/>
+            </a:solidFill>
+            <a:headEnd type="none"/>
+            <a:tailEnd type="triangle" w="lg" len="lg"/>
+          </a:ln>
+        </p:spPr>
+        <p:style>
+          <a:lnRef idx="1">
+            <a:schemeClr val="accent1"/>
+          </a:lnRef>
+          <a:fillRef idx="0">
+            <a:schemeClr val="accent1"/>
+          </a:fillRef>
+          <a:effectRef idx="0">
+            <a:schemeClr val="accent1"/>
+          </a:effectRef>
+          <a:fontRef idx="minor">
+            <a:schemeClr val="tx1"/>
+          </a:fontRef>
+        </p:style>
+      </p:cxnSp>
+      <p:sp>
+        <p:nvSpPr>
+          <p:cNvPr id="70" name="Rectangle 69"/>
+          <p:cNvSpPr/>
+          <p:nvPr/>
+        </p:nvSpPr>
+        <p:spPr>
+          <a:xfrm>
+            <a:off x="5706034" y="1063945"/>
+            <a:ext cx="1200150" cy="443270"/>
+          </a:xfrm>
+          <a:prstGeom prst="rect">
+            <a:avLst/>
+          </a:prstGeom>
+          <a:solidFill>
+            <a:srgbClr val="00A9F2"/>
+          </a:solidFill>
+          <a:ln>
+            <a:solidFill>
+              <a:schemeClr val="bg1"/>
+            </a:solidFill>
+          </a:ln>
+        </p:spPr>
+        <p:style>
+          <a:lnRef idx="2">
+            <a:schemeClr val="accent1">
+              <a:shade val="50000"/>
+            </a:schemeClr>
+          </a:lnRef>
+          <a:fillRef idx="1">
+            <a:schemeClr val="accent1"/>
+          </a:fillRef>
+          <a:effectRef idx="0">
+            <a:schemeClr val="accent1"/>
+          </a:effectRef>
+          <a:fontRef idx="minor">
+            <a:schemeClr val="lt1"/>
+          </a:fontRef>
+        </p:style>
+        <p:txBody>
+          <a:bodyPr lIns="68681" tIns="34340" rIns="68681" bIns="34340" anchor="ctr"/>
+          <a:lstStyle/>
+          <a:p>
+            <a:pPr algn="ctr" defTabSz="343403" eaLnBrk="1" fontAlgn="auto" hangingPunct="1">
+              <a:spcBef>
+                <a:spcPts val="0"/>
+              </a:spcBef>
+              <a:spcAft>
+                <a:spcPts val="0"/>
+              </a:spcAft>
+              <a:defRPr/>
+            </a:pPr>
+            <a:r>
+              <a:rPr lang="en-US" sz="1800" dirty="0" smtClean="0">
+                <a:latin typeface="Open Sans Light"/>
+                <a:ea typeface="Open Sans Light" charset="0"/>
+                <a:cs typeface="Open Sans Light"/>
+              </a:rPr>
+              <a:t>ListLane</a:t>
+            </a:r>
+            <a:endParaRPr lang="en-US" sz="1800" dirty="0">
+              <a:latin typeface="Open Sans Light"/>
+              <a:ea typeface="Open Sans Light" charset="0"/>
+              <a:cs typeface="Open Sans Light"/>
+            </a:endParaRPr>
+          </a:p>
+        </p:txBody>
+      </p:sp>
+      <p:sp>
+        <p:nvSpPr>
+          <p:cNvPr id="74" name="Rectangle 73"/>
+          <p:cNvSpPr/>
+          <p:nvPr/>
+        </p:nvSpPr>
+        <p:spPr>
+          <a:xfrm>
+            <a:off x="2837196" y="1818444"/>
+            <a:ext cx="1642973" cy="1152504"/>
+          </a:xfrm>
+          <a:prstGeom prst="rect">
+            <a:avLst/>
+          </a:prstGeom>
+          <a:solidFill>
+            <a:schemeClr val="tx1"/>
+          </a:solidFill>
+          <a:ln>
+            <a:solidFill>
+              <a:schemeClr val="bg1"/>
+            </a:solidFill>
+          </a:ln>
+        </p:spPr>
+        <p:style>
+          <a:lnRef idx="2">
+            <a:schemeClr val="accent1">
+              <a:shade val="50000"/>
+            </a:schemeClr>
+          </a:lnRef>
+          <a:fillRef idx="1">
+            <a:schemeClr val="accent1"/>
+          </a:fillRef>
+          <a:effectRef idx="0">
+            <a:schemeClr val="accent1"/>
+          </a:effectRef>
+          <a:fontRef idx="minor">
+            <a:schemeClr val="lt1"/>
+          </a:fontRef>
+        </p:style>
+        <p:txBody>
+          <a:bodyPr lIns="68681" tIns="34340" rIns="68681" bIns="34340" anchor="t"/>
+          <a:lstStyle/>
+          <a:p>
+            <a:pPr algn="ctr" defTabSz="343403" eaLnBrk="1" fontAlgn="auto" hangingPunct="1">
+              <a:spcBef>
+                <a:spcPts val="0"/>
+              </a:spcBef>
+              <a:spcAft>
+                <a:spcPts val="0"/>
+              </a:spcAft>
+              <a:defRPr/>
+            </a:pPr>
+            <a:r>
+              <a:rPr lang="en-US" sz="1800" dirty="0" smtClean="0">
+                <a:latin typeface="Open Sans Light"/>
+                <a:ea typeface="Open Sans Light" charset="0"/>
+                <a:cs typeface="Open Sans Light"/>
+              </a:rPr>
+              <a:t>IoT device</a:t>
+            </a:r>
+            <a:endParaRPr lang="en-US" sz="1800" dirty="0">
+              <a:latin typeface="Open Sans Light"/>
+              <a:ea typeface="Open Sans Light" charset="0"/>
+              <a:cs typeface="Open Sans Light"/>
+            </a:endParaRPr>
+          </a:p>
+        </p:txBody>
+      </p:sp>
+      <p:sp>
+        <p:nvSpPr>
+          <p:cNvPr id="41" name="Rectangle 40"/>
+          <p:cNvSpPr/>
+          <p:nvPr/>
+        </p:nvSpPr>
+        <p:spPr>
+          <a:xfrm>
+            <a:off x="3058607" y="2200534"/>
+            <a:ext cx="1200150" cy="678233"/>
+          </a:xfrm>
+          <a:prstGeom prst="rect">
+            <a:avLst/>
+          </a:prstGeom>
+          <a:solidFill>
+            <a:srgbClr val="C0504D"/>
+          </a:solidFill>
+          <a:ln>
+            <a:solidFill>
+              <a:schemeClr val="bg1"/>
+            </a:solidFill>
+          </a:ln>
+        </p:spPr>
+        <p:style>
+          <a:lnRef idx="2">
+            <a:schemeClr val="accent1">
+              <a:shade val="50000"/>
+            </a:schemeClr>
+          </a:lnRef>
+          <a:fillRef idx="1">
+            <a:schemeClr val="accent1"/>
+          </a:fillRef>
+          <a:effectRef idx="0">
+            <a:schemeClr val="accent1"/>
+          </a:effectRef>
+          <a:fontRef idx="minor">
+            <a:schemeClr val="lt1"/>
+          </a:fontRef>
+        </p:style>
+        <p:txBody>
+          <a:bodyPr lIns="68681" tIns="34340" rIns="68681" bIns="34340" anchor="ctr"/>
+          <a:lstStyle/>
+          <a:p>
+            <a:pPr algn="ctr" defTabSz="343403" eaLnBrk="1" fontAlgn="auto" hangingPunct="1">
+              <a:spcBef>
+                <a:spcPts val="0"/>
+              </a:spcBef>
+              <a:spcAft>
+                <a:spcPts val="0"/>
+              </a:spcAft>
+              <a:defRPr/>
+            </a:pPr>
+            <a:r>
+              <a:rPr lang="en-US" sz="1800" dirty="0" smtClean="0">
+                <a:latin typeface="Open Sans Light"/>
+                <a:ea typeface="Open Sans Light" charset="0"/>
+                <a:cs typeface="Open Sans Light"/>
+              </a:rPr>
+              <a:t>user agent</a:t>
+            </a:r>
+            <a:endParaRPr lang="en-US" sz="1800" dirty="0">
+              <a:latin typeface="Open Sans Light"/>
+              <a:ea typeface="Open Sans Light" charset="0"/>
+              <a:cs typeface="Open Sans Light"/>
+            </a:endParaRPr>
+          </a:p>
+        </p:txBody>
+      </p:sp>
+      <p:sp>
+        <p:nvSpPr>
+          <p:cNvPr id="76" name="Rectangle 75"/>
+          <p:cNvSpPr/>
+          <p:nvPr/>
+        </p:nvSpPr>
+        <p:spPr>
+          <a:xfrm>
+            <a:off x="2837196" y="3146122"/>
+            <a:ext cx="1642973" cy="1152504"/>
+          </a:xfrm>
+          <a:prstGeom prst="rect">
+            <a:avLst/>
+          </a:prstGeom>
+          <a:solidFill>
+            <a:schemeClr val="tx1"/>
+          </a:solidFill>
+          <a:ln>
+            <a:solidFill>
+              <a:schemeClr val="bg1"/>
+            </a:solidFill>
+          </a:ln>
+        </p:spPr>
+        <p:style>
+          <a:lnRef idx="2">
+            <a:schemeClr val="accent1">
+              <a:shade val="50000"/>
+            </a:schemeClr>
+          </a:lnRef>
+          <a:fillRef idx="1">
+            <a:schemeClr val="accent1"/>
+          </a:fillRef>
+          <a:effectRef idx="0">
+            <a:schemeClr val="accent1"/>
+          </a:effectRef>
+          <a:fontRef idx="minor">
+            <a:schemeClr val="lt1"/>
+          </a:fontRef>
+        </p:style>
+        <p:txBody>
+          <a:bodyPr lIns="68681" tIns="34340" rIns="68681" bIns="34340" anchor="t"/>
+          <a:lstStyle/>
+          <a:p>
+            <a:pPr algn="ctr" defTabSz="343403" eaLnBrk="1" fontAlgn="auto" hangingPunct="1">
+              <a:spcBef>
+                <a:spcPts val="0"/>
+              </a:spcBef>
+              <a:spcAft>
+                <a:spcPts val="0"/>
+              </a:spcAft>
+              <a:defRPr/>
+            </a:pPr>
+            <a:r>
+              <a:rPr lang="en-US" sz="1800" dirty="0" smtClean="0">
+                <a:latin typeface="Open Sans Light"/>
+                <a:ea typeface="Open Sans Light" charset="0"/>
+                <a:cs typeface="Open Sans Light"/>
+              </a:rPr>
+              <a:t>iOS, Android</a:t>
+            </a:r>
+            <a:endParaRPr lang="en-US" sz="1800" dirty="0">
+              <a:latin typeface="Open Sans Light"/>
+              <a:ea typeface="Open Sans Light" charset="0"/>
+              <a:cs typeface="Open Sans Light"/>
+            </a:endParaRPr>
+          </a:p>
+        </p:txBody>
+      </p:sp>
+      <p:sp>
+        <p:nvSpPr>
+          <p:cNvPr id="77" name="Rectangle 76"/>
+          <p:cNvSpPr/>
+          <p:nvPr/>
+        </p:nvSpPr>
+        <p:spPr>
+          <a:xfrm>
+            <a:off x="3058607" y="3528212"/>
+            <a:ext cx="1200150" cy="678233"/>
+          </a:xfrm>
+          <a:prstGeom prst="rect">
+            <a:avLst/>
+          </a:prstGeom>
+          <a:solidFill>
+            <a:srgbClr val="C0504D"/>
+          </a:solidFill>
+          <a:ln>
+            <a:solidFill>
+              <a:schemeClr val="bg1"/>
+            </a:solidFill>
+          </a:ln>
+        </p:spPr>
+        <p:style>
+          <a:lnRef idx="2">
+            <a:schemeClr val="accent1">
+              <a:shade val="50000"/>
+            </a:schemeClr>
+          </a:lnRef>
+          <a:fillRef idx="1">
+            <a:schemeClr val="accent1"/>
+          </a:fillRef>
+          <a:effectRef idx="0">
+            <a:schemeClr val="accent1"/>
+          </a:effectRef>
+          <a:fontRef idx="minor">
+            <a:schemeClr val="lt1"/>
+          </a:fontRef>
+        </p:style>
+        <p:txBody>
+          <a:bodyPr lIns="68681" tIns="34340" rIns="68681" bIns="34340" anchor="ctr"/>
+          <a:lstStyle/>
+          <a:p>
+            <a:pPr algn="ctr" defTabSz="343403" eaLnBrk="1" fontAlgn="auto" hangingPunct="1">
+              <a:spcBef>
+                <a:spcPts val="0"/>
+              </a:spcBef>
+              <a:spcAft>
+                <a:spcPts val="0"/>
+              </a:spcAft>
+              <a:defRPr/>
+            </a:pPr>
+            <a:r>
+              <a:rPr lang="en-US" sz="1800" dirty="0" smtClean="0">
+                <a:latin typeface="Open Sans Light"/>
+                <a:ea typeface="Open Sans Light" charset="0"/>
+                <a:cs typeface="Open Sans Light"/>
+              </a:rPr>
+              <a:t>user agent</a:t>
+            </a:r>
+            <a:endParaRPr lang="en-US" sz="1800" dirty="0">
+              <a:latin typeface="Open Sans Light"/>
+              <a:ea typeface="Open Sans Light" charset="0"/>
+              <a:cs typeface="Open Sans Light"/>
+            </a:endParaRPr>
+          </a:p>
+        </p:txBody>
+      </p:sp>
+      <p:sp>
+        <p:nvSpPr>
+          <p:cNvPr id="84" name="Rectangle 83"/>
+          <p:cNvSpPr/>
+          <p:nvPr/>
+        </p:nvSpPr>
+        <p:spPr>
+          <a:xfrm>
+            <a:off x="4517100" y="2200534"/>
+            <a:ext cx="585116" cy="307777"/>
+          </a:xfrm>
+          <a:prstGeom prst="rect">
+            <a:avLst/>
+          </a:prstGeom>
+        </p:spPr>
+        <p:txBody>
+          <a:bodyPr wrap="none">
+            <a:spAutoFit/>
+          </a:bodyPr>
+          <a:lstStyle/>
+          <a:p>
+            <a:r>
+              <a:rPr lang="pt-BR" dirty="0" err="1" smtClean="0">
+                <a:latin typeface="Open Sans Light"/>
+                <a:cs typeface="Open Sans Light"/>
+              </a:rPr>
+              <a:t>Push</a:t>
+            </a:r>
+            <a:endParaRPr lang="en-US" dirty="0">
+              <a:latin typeface="Open Sans Light"/>
+              <a:cs typeface="Open Sans Light"/>
+            </a:endParaRPr>
+          </a:p>
+        </p:txBody>
+      </p:sp>
+      <p:sp>
+        <p:nvSpPr>
+          <p:cNvPr id="91" name="Rectangle 90"/>
+          <p:cNvSpPr/>
+          <p:nvPr/>
+        </p:nvSpPr>
+        <p:spPr>
+          <a:xfrm>
+            <a:off x="6644437" y="2264713"/>
+            <a:ext cx="752475" cy="443270"/>
+          </a:xfrm>
+          <a:prstGeom prst="rect">
+            <a:avLst/>
+          </a:prstGeom>
+          <a:solidFill>
+            <a:srgbClr val="00A9F2"/>
+          </a:solidFill>
+          <a:ln>
+            <a:solidFill>
+              <a:schemeClr val="bg1"/>
+            </a:solidFill>
+          </a:ln>
+        </p:spPr>
+        <p:style>
+          <a:lnRef idx="2">
+            <a:schemeClr val="accent1">
+              <a:shade val="50000"/>
+            </a:schemeClr>
+          </a:lnRef>
+          <a:fillRef idx="1">
+            <a:schemeClr val="accent1"/>
+          </a:fillRef>
+          <a:effectRef idx="0">
+            <a:schemeClr val="accent1"/>
+          </a:effectRef>
+          <a:fontRef idx="minor">
+            <a:schemeClr val="lt1"/>
+          </a:fontRef>
+        </p:style>
+        <p:txBody>
+          <a:bodyPr lIns="68681" tIns="34340" rIns="68681" bIns="34340" anchor="ctr"/>
+          <a:lstStyle/>
+          <a:p>
+            <a:pPr algn="ctr" defTabSz="343403" eaLnBrk="1" fontAlgn="auto" hangingPunct="1">
+              <a:spcBef>
+                <a:spcPts val="0"/>
+              </a:spcBef>
+              <a:spcAft>
+                <a:spcPts val="0"/>
+              </a:spcAft>
+              <a:defRPr/>
+            </a:pPr>
+            <a:r>
+              <a:rPr lang="en-US" sz="1800" dirty="0" smtClean="0">
+                <a:latin typeface="Open Sans Light"/>
+                <a:ea typeface="Open Sans Light" charset="0"/>
+                <a:cs typeface="Open Sans Light"/>
+              </a:rPr>
+              <a:t>logic</a:t>
+            </a:r>
+            <a:endParaRPr lang="en-US" sz="1800" dirty="0">
+              <a:latin typeface="Open Sans Light"/>
+              <a:ea typeface="Open Sans Light" charset="0"/>
+              <a:cs typeface="Open Sans Light"/>
+            </a:endParaRPr>
+          </a:p>
+        </p:txBody>
+      </p:sp>
+      <p:sp>
+        <p:nvSpPr>
+          <p:cNvPr id="92" name="Can 91"/>
+          <p:cNvSpPr/>
+          <p:nvPr/>
+        </p:nvSpPr>
+        <p:spPr>
+          <a:xfrm>
+            <a:off x="5552086" y="2985881"/>
+            <a:ext cx="925574" cy="496214"/>
+          </a:xfrm>
+          <a:prstGeom prst="can">
+            <a:avLst/>
+          </a:prstGeom>
+          <a:solidFill>
+            <a:srgbClr val="FF6600"/>
+          </a:solidFill>
+          <a:ln>
+            <a:solidFill>
+              <a:schemeClr val="bg1"/>
+            </a:solidFill>
+          </a:ln>
+        </p:spPr>
+        <p:style>
+          <a:lnRef idx="2">
+            <a:schemeClr val="accent1">
+              <a:shade val="50000"/>
+            </a:schemeClr>
+          </a:lnRef>
+          <a:fillRef idx="1">
+            <a:schemeClr val="accent1"/>
+          </a:fillRef>
+          <a:effectRef idx="0">
+            <a:schemeClr val="accent1"/>
+          </a:effectRef>
+          <a:fontRef idx="minor">
+            <a:schemeClr val="lt1"/>
+          </a:fontRef>
+        </p:style>
+        <p:txBody>
+          <a:bodyPr rtlCol="0" anchor="ctr"/>
+          <a:lstStyle/>
+          <a:p>
+            <a:pPr algn="ctr"/>
+            <a:r>
+              <a:rPr lang="en-US" sz="2400" dirty="0" smtClean="0">
+                <a:latin typeface="Open Sans Light"/>
+                <a:cs typeface="Open Sans Light"/>
+              </a:rPr>
+              <a:t>stats</a:t>
+            </a:r>
+            <a:endParaRPr lang="en-US" sz="2400" dirty="0" smtClean="0">
+              <a:latin typeface="Open Sans Light"/>
+              <a:cs typeface="Open Sans Light"/>
+            </a:endParaRPr>
+          </a:p>
+        </p:txBody>
+      </p:sp>
+      <p:cxnSp>
+        <p:nvCxnSpPr>
+          <p:cNvPr id="93" name="Straight Connector 92"/>
+          <p:cNvCxnSpPr>
+            <a:endCxn id="92" idx="0"/>
+          </p:cNvCxnSpPr>
+          <p:nvPr/>
+        </p:nvCxnSpPr>
+        <p:spPr>
+          <a:xfrm>
+            <a:off x="6014873" y="2430717"/>
+            <a:ext cx="0" cy="679218"/>
+          </a:xfrm>
+          <a:prstGeom prst="line">
+            <a:avLst/>
+          </a:prstGeom>
+          <a:ln w="12700">
+            <a:solidFill>
+              <a:srgbClr val="FF6600"/>
+            </a:solidFill>
+            <a:headEnd type="none"/>
+            <a:tailEnd type="triangle" w="lg" len="lg"/>
+          </a:ln>
+        </p:spPr>
+        <p:style>
+          <a:lnRef idx="1">
+            <a:schemeClr val="accent1"/>
+          </a:lnRef>
+          <a:fillRef idx="0">
+            <a:schemeClr val="accent1"/>
+          </a:fillRef>
+          <a:effectRef idx="0">
+            <a:schemeClr val="accent1"/>
+          </a:effectRef>
+          <a:fontRef idx="minor">
+            <a:schemeClr val="tx1"/>
+          </a:fontRef>
+        </p:style>
+      </p:cxnSp>
+      <p:cxnSp>
+        <p:nvCxnSpPr>
+          <p:cNvPr id="94" name="Straight Connector 93"/>
+          <p:cNvCxnSpPr>
+            <a:stCxn id="92" idx="4"/>
+            <a:endCxn id="57" idx="1"/>
+          </p:cNvCxnSpPr>
+          <p:nvPr/>
+        </p:nvCxnSpPr>
+        <p:spPr>
+          <a:xfrm>
+            <a:off x="6477660" y="3233988"/>
+            <a:ext cx="1371739" cy="7380"/>
+          </a:xfrm>
+          <a:prstGeom prst="line">
+            <a:avLst/>
+          </a:prstGeom>
+          <a:ln w="12700">
+            <a:solidFill>
+              <a:srgbClr val="FF6600"/>
+            </a:solidFill>
+            <a:headEnd type="none"/>
+            <a:tailEnd type="triangle" w="lg" len="lg"/>
+          </a:ln>
+        </p:spPr>
+        <p:style>
+          <a:lnRef idx="1">
+            <a:schemeClr val="accent1"/>
+          </a:lnRef>
+          <a:fillRef idx="0">
+            <a:schemeClr val="accent1"/>
+          </a:fillRef>
+          <a:effectRef idx="0">
+            <a:schemeClr val="accent1"/>
+          </a:effectRef>
+          <a:fontRef idx="minor">
+            <a:schemeClr val="tx1"/>
+          </a:fontRef>
+        </p:style>
+      </p:cxnSp>
+      <p:cxnSp>
+        <p:nvCxnSpPr>
+          <p:cNvPr id="98" name="Straight Connector 97"/>
+          <p:cNvCxnSpPr/>
+          <p:nvPr/>
+        </p:nvCxnSpPr>
+        <p:spPr>
+          <a:xfrm flipH="1">
+            <a:off x="4632570" y="2881690"/>
+            <a:ext cx="1188934" cy="382090"/>
+          </a:xfrm>
+          <a:prstGeom prst="line">
+            <a:avLst/>
+          </a:prstGeom>
+          <a:ln w="25400">
+            <a:solidFill>
+              <a:srgbClr val="FF6600"/>
+            </a:solidFill>
+            <a:headEnd type="none"/>
+            <a:tailEnd type="triangle" w="lg" len="lg"/>
+          </a:ln>
+        </p:spPr>
+        <p:style>
+          <a:lnRef idx="1">
+            <a:schemeClr val="accent1"/>
+          </a:lnRef>
+          <a:fillRef idx="0">
+            <a:schemeClr val="accent1"/>
+          </a:fillRef>
+          <a:effectRef idx="0">
+            <a:schemeClr val="accent1"/>
+          </a:effectRef>
+          <a:fontRef idx="minor">
+            <a:schemeClr val="tx1"/>
+          </a:fontRef>
+        </p:style>
+      </p:cxnSp>
+      <p:sp>
+        <p:nvSpPr>
+          <p:cNvPr id="99" name="Rectangle 98"/>
+          <p:cNvSpPr/>
+          <p:nvPr/>
+        </p:nvSpPr>
+        <p:spPr>
+          <a:xfrm>
+            <a:off x="4480169" y="3263780"/>
+            <a:ext cx="585116" cy="307777"/>
+          </a:xfrm>
+          <a:prstGeom prst="rect">
+            <a:avLst/>
+          </a:prstGeom>
+        </p:spPr>
+        <p:txBody>
+          <a:bodyPr wrap="none">
+            <a:spAutoFit/>
+          </a:bodyPr>
+          <a:lstStyle/>
+          <a:p>
+            <a:r>
+              <a:rPr lang="pt-BR" dirty="0" err="1" smtClean="0">
+                <a:latin typeface="Open Sans Light"/>
+                <a:cs typeface="Open Sans Light"/>
+              </a:rPr>
+              <a:t>Push</a:t>
+            </a:r>
+            <a:endParaRPr lang="en-US" dirty="0">
+              <a:latin typeface="Open Sans Light"/>
+              <a:cs typeface="Open Sans Light"/>
+            </a:endParaRPr>
+          </a:p>
+        </p:txBody>
+      </p:sp>
+      <p:cxnSp>
+        <p:nvCxnSpPr>
+          <p:cNvPr id="102" name="Straight Connector 101"/>
+          <p:cNvCxnSpPr/>
+          <p:nvPr/>
+        </p:nvCxnSpPr>
+        <p:spPr>
+          <a:xfrm flipH="1">
+            <a:off x="4651135" y="484694"/>
+            <a:ext cx="1188934" cy="382090"/>
+          </a:xfrm>
+          <a:prstGeom prst="line">
+            <a:avLst/>
+          </a:prstGeom>
+          <a:ln w="25400">
+            <a:solidFill>
+              <a:srgbClr val="FF6600"/>
+            </a:solidFill>
+            <a:headEnd type="none"/>
+            <a:tailEnd type="triangle" w="lg" len="lg"/>
+          </a:ln>
+        </p:spPr>
+        <p:style>
+          <a:lnRef idx="1">
+            <a:schemeClr val="accent1"/>
+          </a:lnRef>
+          <a:fillRef idx="0">
+            <a:schemeClr val="accent1"/>
+          </a:fillRef>
+          <a:effectRef idx="0">
+            <a:schemeClr val="accent1"/>
+          </a:effectRef>
+          <a:fontRef idx="minor">
+            <a:schemeClr val="tx1"/>
+          </a:fontRef>
+        </p:style>
+      </p:cxnSp>
+      <p:sp>
+        <p:nvSpPr>
+          <p:cNvPr id="103" name="Rectangle 102"/>
+          <p:cNvSpPr/>
+          <p:nvPr/>
+        </p:nvSpPr>
+        <p:spPr>
+          <a:xfrm>
+            <a:off x="2818830" y="484694"/>
+            <a:ext cx="1642973" cy="1152504"/>
+          </a:xfrm>
+          <a:prstGeom prst="rect">
+            <a:avLst/>
+          </a:prstGeom>
+          <a:solidFill>
+            <a:schemeClr val="tx1"/>
+          </a:solidFill>
+          <a:ln>
+            <a:solidFill>
+              <a:schemeClr val="bg1"/>
+            </a:solidFill>
+          </a:ln>
+        </p:spPr>
+        <p:style>
+          <a:lnRef idx="2">
+            <a:schemeClr val="accent1">
+              <a:shade val="50000"/>
+            </a:schemeClr>
+          </a:lnRef>
+          <a:fillRef idx="1">
+            <a:schemeClr val="accent1"/>
+          </a:fillRef>
+          <a:effectRef idx="0">
+            <a:schemeClr val="accent1"/>
+          </a:effectRef>
+          <a:fontRef idx="minor">
+            <a:schemeClr val="lt1"/>
+          </a:fontRef>
+        </p:style>
+        <p:txBody>
+          <a:bodyPr lIns="68681" tIns="34340" rIns="68681" bIns="34340" anchor="t"/>
+          <a:lstStyle/>
+          <a:p>
+            <a:pPr algn="ctr" defTabSz="343403" eaLnBrk="1" fontAlgn="auto" hangingPunct="1">
+              <a:spcBef>
+                <a:spcPts val="0"/>
+              </a:spcBef>
+              <a:spcAft>
+                <a:spcPts val="0"/>
+              </a:spcAft>
+              <a:defRPr/>
+            </a:pPr>
+            <a:r>
+              <a:rPr lang="en-US" sz="1800" dirty="0" smtClean="0">
+                <a:latin typeface="Open Sans Light"/>
+                <a:ea typeface="Open Sans Light" charset="0"/>
+                <a:cs typeface="Open Sans Light"/>
+              </a:rPr>
+              <a:t>browser</a:t>
+            </a:r>
+            <a:endParaRPr lang="en-US" sz="1800" dirty="0">
+              <a:latin typeface="Open Sans Light"/>
+              <a:ea typeface="Open Sans Light" charset="0"/>
+              <a:cs typeface="Open Sans Light"/>
+            </a:endParaRPr>
+          </a:p>
+        </p:txBody>
+      </p:sp>
+      <p:sp>
+        <p:nvSpPr>
+          <p:cNvPr id="104" name="Rectangle 103"/>
+          <p:cNvSpPr/>
+          <p:nvPr/>
+        </p:nvSpPr>
+        <p:spPr>
+          <a:xfrm>
+            <a:off x="3040241" y="866784"/>
+            <a:ext cx="1200150" cy="678233"/>
+          </a:xfrm>
+          <a:prstGeom prst="rect">
+            <a:avLst/>
+          </a:prstGeom>
+          <a:solidFill>
+            <a:srgbClr val="C0504D"/>
+          </a:solidFill>
+          <a:ln>
+            <a:solidFill>
+              <a:schemeClr val="bg1"/>
+            </a:solidFill>
+          </a:ln>
+        </p:spPr>
+        <p:style>
+          <a:lnRef idx="2">
+            <a:schemeClr val="accent1">
+              <a:shade val="50000"/>
+            </a:schemeClr>
+          </a:lnRef>
+          <a:fillRef idx="1">
+            <a:schemeClr val="accent1"/>
+          </a:fillRef>
+          <a:effectRef idx="0">
+            <a:schemeClr val="accent1"/>
+          </a:effectRef>
+          <a:fontRef idx="minor">
+            <a:schemeClr val="lt1"/>
+          </a:fontRef>
+        </p:style>
+        <p:txBody>
+          <a:bodyPr lIns="68681" tIns="34340" rIns="68681" bIns="34340" anchor="ctr"/>
+          <a:lstStyle/>
+          <a:p>
+            <a:pPr algn="ctr" defTabSz="343403" eaLnBrk="1" fontAlgn="auto" hangingPunct="1">
+              <a:spcBef>
+                <a:spcPts val="0"/>
+              </a:spcBef>
+              <a:spcAft>
+                <a:spcPts val="0"/>
+              </a:spcAft>
+              <a:defRPr/>
+            </a:pPr>
+            <a:r>
+              <a:rPr lang="en-US" sz="1800" dirty="0" smtClean="0">
+                <a:latin typeface="Open Sans Light"/>
+                <a:ea typeface="Open Sans Light" charset="0"/>
+                <a:cs typeface="Open Sans Light"/>
+              </a:rPr>
+              <a:t>user agent</a:t>
+            </a:r>
+            <a:endParaRPr lang="en-US" sz="1800" dirty="0">
+              <a:latin typeface="Open Sans Light"/>
+              <a:ea typeface="Open Sans Light" charset="0"/>
+              <a:cs typeface="Open Sans Light"/>
+            </a:endParaRPr>
+          </a:p>
+        </p:txBody>
+      </p:sp>
+      <p:sp>
+        <p:nvSpPr>
+          <p:cNvPr id="105" name="Rectangle 104"/>
+          <p:cNvSpPr/>
+          <p:nvPr/>
+        </p:nvSpPr>
+        <p:spPr>
+          <a:xfrm>
+            <a:off x="4498734" y="866784"/>
+            <a:ext cx="585116" cy="307777"/>
+          </a:xfrm>
+          <a:prstGeom prst="rect">
+            <a:avLst/>
+          </a:prstGeom>
+        </p:spPr>
+        <p:txBody>
+          <a:bodyPr wrap="none">
+            <a:spAutoFit/>
+          </a:bodyPr>
+          <a:lstStyle/>
+          <a:p>
+            <a:r>
+              <a:rPr lang="pt-BR" dirty="0" err="1" smtClean="0">
+                <a:latin typeface="Open Sans Light"/>
+                <a:cs typeface="Open Sans Light"/>
+              </a:rPr>
+              <a:t>Push</a:t>
+            </a:r>
+            <a:endParaRPr lang="en-US" dirty="0">
+              <a:latin typeface="Open Sans Light"/>
+              <a:cs typeface="Open Sans Light"/>
+            </a:endParaRPr>
+          </a:p>
+        </p:txBody>
+      </p:sp>
+      <p:sp>
+        <p:nvSpPr>
+          <p:cNvPr id="106" name="Rectangle 105"/>
+          <p:cNvSpPr/>
+          <p:nvPr/>
+        </p:nvSpPr>
+        <p:spPr>
+          <a:xfrm>
+            <a:off x="615801" y="3109935"/>
+            <a:ext cx="1464933" cy="678233"/>
+          </a:xfrm>
+          <a:prstGeom prst="rect">
+            <a:avLst/>
+          </a:prstGeom>
+          <a:solidFill>
+            <a:srgbClr val="C0504D"/>
+          </a:solidFill>
+          <a:ln>
+            <a:solidFill>
+              <a:schemeClr val="bg1"/>
+            </a:solidFill>
+          </a:ln>
+        </p:spPr>
+        <p:style>
+          <a:lnRef idx="2">
+            <a:schemeClr val="accent1">
+              <a:shade val="50000"/>
+            </a:schemeClr>
+          </a:lnRef>
+          <a:fillRef idx="1">
+            <a:schemeClr val="accent1"/>
+          </a:fillRef>
+          <a:effectRef idx="0">
+            <a:schemeClr val="accent1"/>
+          </a:effectRef>
+          <a:fontRef idx="minor">
+            <a:schemeClr val="lt1"/>
+          </a:fontRef>
+        </p:style>
+        <p:txBody>
+          <a:bodyPr lIns="68681" tIns="34340" rIns="68681" bIns="34340" anchor="b"/>
+          <a:lstStyle/>
+          <a:p>
+            <a:pPr algn="ctr" defTabSz="343403" eaLnBrk="1" fontAlgn="auto" hangingPunct="1">
+              <a:spcBef>
+                <a:spcPts val="0"/>
+              </a:spcBef>
+              <a:spcAft>
+                <a:spcPts val="0"/>
+              </a:spcAft>
+              <a:defRPr/>
+            </a:pPr>
+            <a:r>
+              <a:rPr lang="en-US" sz="1800" dirty="0" smtClean="0">
+                <a:latin typeface="Open Sans Light"/>
+                <a:ea typeface="Open Sans Light" charset="0"/>
+                <a:cs typeface="Open Sans Light"/>
+              </a:rPr>
+              <a:t>SublimeText</a:t>
+            </a:r>
+            <a:endParaRPr lang="en-US" sz="1800" dirty="0">
+              <a:latin typeface="Open Sans Light"/>
+              <a:ea typeface="Open Sans Light" charset="0"/>
+              <a:cs typeface="Open Sans Light"/>
+            </a:endParaRPr>
+          </a:p>
+        </p:txBody>
+      </p:sp>
+      <p:sp>
+        <p:nvSpPr>
+          <p:cNvPr id="107" name="Rectangle 106"/>
+          <p:cNvSpPr/>
+          <p:nvPr/>
+        </p:nvSpPr>
+        <p:spPr>
+          <a:xfrm>
+            <a:off x="615800" y="2112325"/>
+            <a:ext cx="1464933" cy="678233"/>
+          </a:xfrm>
+          <a:prstGeom prst="rect">
+            <a:avLst/>
+          </a:prstGeom>
+          <a:solidFill>
+            <a:srgbClr val="C0504D"/>
+          </a:solidFill>
+          <a:ln>
+            <a:solidFill>
+              <a:schemeClr val="bg1"/>
+            </a:solidFill>
+          </a:ln>
+        </p:spPr>
+        <p:style>
+          <a:lnRef idx="2">
+            <a:schemeClr val="accent1">
+              <a:shade val="50000"/>
+            </a:schemeClr>
+          </a:lnRef>
+          <a:fillRef idx="1">
+            <a:schemeClr val="accent1"/>
+          </a:fillRef>
+          <a:effectRef idx="0">
+            <a:schemeClr val="accent1"/>
+          </a:effectRef>
+          <a:fontRef idx="minor">
+            <a:schemeClr val="lt1"/>
+          </a:fontRef>
+        </p:style>
+        <p:txBody>
+          <a:bodyPr lIns="68681" tIns="34340" rIns="68681" bIns="34340" anchor="ctr"/>
+          <a:lstStyle/>
+          <a:p>
+            <a:pPr algn="ctr" defTabSz="343403" eaLnBrk="1" fontAlgn="auto" hangingPunct="1">
+              <a:spcBef>
+                <a:spcPts val="0"/>
+              </a:spcBef>
+              <a:spcAft>
+                <a:spcPts val="0"/>
+              </a:spcAft>
+              <a:defRPr/>
+            </a:pPr>
+            <a:r>
+              <a:rPr lang="en-US" sz="1800" dirty="0" smtClean="0">
+                <a:latin typeface="Open Sans Light"/>
+                <a:ea typeface="Open Sans Light" charset="0"/>
+                <a:cs typeface="Open Sans Light"/>
+              </a:rPr>
+              <a:t>Homebrew</a:t>
+            </a:r>
+            <a:endParaRPr lang="en-US" sz="1800" dirty="0">
+              <a:latin typeface="Open Sans Light"/>
+              <a:ea typeface="Open Sans Light" charset="0"/>
+              <a:cs typeface="Open Sans Light"/>
+            </a:endParaRPr>
+          </a:p>
+        </p:txBody>
+      </p:sp>
+      <p:sp>
+        <p:nvSpPr>
+          <p:cNvPr id="108" name="Rectangle 107"/>
+          <p:cNvSpPr/>
+          <p:nvPr/>
+        </p:nvSpPr>
+        <p:spPr>
+          <a:xfrm>
+            <a:off x="615800" y="1410935"/>
+            <a:ext cx="1464933" cy="420193"/>
+          </a:xfrm>
+          <a:prstGeom prst="rect">
+            <a:avLst/>
+          </a:prstGeom>
+          <a:solidFill>
+            <a:srgbClr val="C0504D"/>
+          </a:solidFill>
+          <a:ln>
+            <a:solidFill>
+              <a:schemeClr val="bg1"/>
+            </a:solidFill>
+          </a:ln>
+        </p:spPr>
+        <p:style>
+          <a:lnRef idx="2">
+            <a:schemeClr val="accent1">
+              <a:shade val="50000"/>
+            </a:schemeClr>
+          </a:lnRef>
+          <a:fillRef idx="1">
+            <a:schemeClr val="accent1"/>
+          </a:fillRef>
+          <a:effectRef idx="0">
+            <a:schemeClr val="accent1"/>
+          </a:effectRef>
+          <a:fontRef idx="minor">
+            <a:schemeClr val="lt1"/>
+          </a:fontRef>
+        </p:style>
+        <p:txBody>
+          <a:bodyPr lIns="68681" tIns="34340" rIns="68681" bIns="34340" anchor="ctr"/>
+          <a:lstStyle/>
+          <a:p>
+            <a:pPr algn="ctr" defTabSz="343403" eaLnBrk="1" fontAlgn="auto" hangingPunct="1">
+              <a:spcBef>
+                <a:spcPts val="0"/>
+              </a:spcBef>
+              <a:spcAft>
+                <a:spcPts val="0"/>
+              </a:spcAft>
+              <a:defRPr/>
+            </a:pPr>
+            <a:r>
+              <a:rPr lang="en-US" sz="1800" dirty="0" smtClean="0">
+                <a:latin typeface="Open Sans Light"/>
+                <a:ea typeface="Open Sans Light" charset="0"/>
+                <a:cs typeface="Open Sans Light"/>
+              </a:rPr>
+              <a:t>Git</a:t>
+            </a:r>
+            <a:endParaRPr lang="en-US" sz="1800" dirty="0">
+              <a:latin typeface="Open Sans Light"/>
+              <a:ea typeface="Open Sans Light" charset="0"/>
+              <a:cs typeface="Open Sans Light"/>
+            </a:endParaRPr>
+          </a:p>
+        </p:txBody>
+      </p:sp>
+      <p:sp>
+        <p:nvSpPr>
+          <p:cNvPr id="109" name="Rectangle 108"/>
+          <p:cNvSpPr/>
+          <p:nvPr/>
+        </p:nvSpPr>
+        <p:spPr>
+          <a:xfrm>
+            <a:off x="768200" y="2264726"/>
+            <a:ext cx="1464933" cy="417468"/>
+          </a:xfrm>
+          <a:prstGeom prst="rect">
+            <a:avLst/>
+          </a:prstGeom>
+          <a:solidFill>
+            <a:srgbClr val="C0504D"/>
+          </a:solidFill>
+          <a:ln>
+            <a:solidFill>
+              <a:schemeClr val="bg1"/>
+            </a:solidFill>
+          </a:ln>
+        </p:spPr>
+        <p:style>
+          <a:lnRef idx="2">
+            <a:schemeClr val="accent1">
+              <a:shade val="50000"/>
+            </a:schemeClr>
+          </a:lnRef>
+          <a:fillRef idx="1">
+            <a:schemeClr val="accent1"/>
+          </a:fillRef>
+          <a:effectRef idx="0">
+            <a:schemeClr val="accent1"/>
+          </a:effectRef>
+          <a:fontRef idx="minor">
+            <a:schemeClr val="lt1"/>
+          </a:fontRef>
+        </p:style>
+        <p:txBody>
+          <a:bodyPr lIns="68681" tIns="34340" rIns="68681" bIns="34340" anchor="ctr"/>
+          <a:lstStyle/>
+          <a:p>
+            <a:pPr algn="ctr" defTabSz="343403" eaLnBrk="1" fontAlgn="auto" hangingPunct="1">
+              <a:spcBef>
+                <a:spcPts val="0"/>
+              </a:spcBef>
+              <a:spcAft>
+                <a:spcPts val="0"/>
+              </a:spcAft>
+              <a:defRPr/>
+            </a:pPr>
+            <a:r>
+              <a:rPr lang="en-US" sz="1800" dirty="0" smtClean="0">
+                <a:latin typeface="Open Sans Light"/>
+                <a:ea typeface="Open Sans Light" charset="0"/>
+                <a:cs typeface="Open Sans Light"/>
+              </a:rPr>
+              <a:t>Homebrew</a:t>
+            </a:r>
+            <a:endParaRPr lang="en-US" sz="1800" dirty="0">
+              <a:latin typeface="Open Sans Light"/>
+              <a:ea typeface="Open Sans Light" charset="0"/>
+              <a:cs typeface="Open Sans Light"/>
+            </a:endParaRPr>
+          </a:p>
+        </p:txBody>
+      </p:sp>
+      <p:sp>
+        <p:nvSpPr>
+          <p:cNvPr id="114" name="Rectangle 113"/>
+          <p:cNvSpPr/>
+          <p:nvPr/>
+        </p:nvSpPr>
+        <p:spPr>
+          <a:xfrm>
+            <a:off x="783656" y="810047"/>
+            <a:ext cx="1615401" cy="364514"/>
+          </a:xfrm>
+          <a:prstGeom prst="rect">
+            <a:avLst/>
+          </a:prstGeom>
+          <a:solidFill>
+            <a:schemeClr val="bg2"/>
+          </a:solidFill>
+          <a:ln>
+            <a:solidFill>
+              <a:schemeClr val="bg1"/>
+            </a:solidFill>
+          </a:ln>
+        </p:spPr>
+        <p:style>
+          <a:lnRef idx="2">
+            <a:schemeClr val="accent1">
+              <a:shade val="50000"/>
+            </a:schemeClr>
+          </a:lnRef>
+          <a:fillRef idx="1">
+            <a:schemeClr val="accent1"/>
+          </a:fillRef>
+          <a:effectRef idx="0">
+            <a:schemeClr val="accent1"/>
+          </a:effectRef>
+          <a:fontRef idx="minor">
+            <a:schemeClr val="lt1"/>
+          </a:fontRef>
+        </p:style>
+        <p:txBody>
+          <a:bodyPr lIns="68681" tIns="34340" rIns="68681" bIns="34340" anchor="t"/>
+          <a:lstStyle/>
+          <a:p>
+            <a:pPr defTabSz="343403" eaLnBrk="1" fontAlgn="auto" hangingPunct="1">
+              <a:spcBef>
+                <a:spcPts val="0"/>
+              </a:spcBef>
+              <a:spcAft>
+                <a:spcPts val="0"/>
+              </a:spcAft>
+              <a:defRPr/>
+            </a:pPr>
+            <a:r>
+              <a:rPr lang="en-US" dirty="0" smtClean="0">
+                <a:latin typeface="Open Sans Light"/>
+                <a:ea typeface="Open Sans Light" charset="0"/>
+                <a:cs typeface="Open Sans Light"/>
+              </a:rPr>
+              <a:t>Homebrew</a:t>
+            </a:r>
+            <a:endParaRPr lang="en-US" sz="1800" dirty="0">
+              <a:latin typeface="Open Sans Light"/>
+              <a:ea typeface="Open Sans Light" charset="0"/>
+              <a:cs typeface="Open Sans Light"/>
+            </a:endParaRPr>
+          </a:p>
+        </p:txBody>
+      </p:sp>
+    </p:spTree>
+    <p:extLst>
+      <p:ext uri="{BB962C8B-B14F-4D97-AF65-F5344CB8AC3E}">
+        <p14:creationId xmlns:p14="http://schemas.microsoft.com/office/powerpoint/2010/main" val="533866552"/>
+      </p:ext>
+    </p:extLst>
+  </p:cSld>
+  <p:clrMapOvr>
+    <a:masterClrMapping/>
+  </p:clrMapOvr>
+  <p:transition xmlns:p14="http://schemas.microsoft.com/office/powerpoint/2010/main">
+    <p:wipe dir="r"/>
+  </p:transition>
+  <p:timing>
+    <p:tnLst>
+      <p:par>
+        <p:cTn xmlns:p14="http://schemas.microsoft.com/office/powerpoint/2010/main" id="1" dur="indefinite" restart="never" nodeType="tmRoot">
+          <p:childTnLst>
+            <p:seq concurrent="1" nextAc="seek">
+              <p:cTn id="2" dur="indefinite" nodeType="mainSeq">
+                <p:childTnLst>
+                  <p:par>
+                    <p:cTn id="3" fill="hold">
+                      <p:stCondLst>
+                        <p:cond delay="indefinite"/>
+                        <p:cond evt="onBegin" delay="0">
+                          <p:tn val="2"/>
+                        </p:cond>
+                      </p:stCondLst>
+                      <p:childTnLst>
+                        <p:par>
+                          <p:cTn id="4" fill="hold">
+                            <p:stCondLst>
+                              <p:cond delay="0"/>
+                            </p:stCondLst>
+                            <p:childTnLst>
+                              <p:par>
+                                <p:cTn id="5" presetID="1" presetClass="entr" presetSubtype="0" fill="hold" grpId="0" nodeType="withEffect">
+                                  <p:stCondLst>
+                                    <p:cond delay="0"/>
+                                  </p:stCondLst>
+                                  <p:childTnLst>
+                                    <p:set>
+                                      <p:cBhvr>
+                                        <p:cTn id="6" dur="1" fill="hold">
+                                          <p:stCondLst>
+                                            <p:cond delay="0"/>
+                                          </p:stCondLst>
+                                        </p:cTn>
+                                        <p:tgtEl>
+                                          <p:spTgt spid="41"/>
+                                        </p:tgtEl>
+                                        <p:attrNameLst>
+                                          <p:attrName>style.visibility</p:attrName>
+                                        </p:attrNameLst>
+                                      </p:cBhvr>
+                                      <p:to>
+                                        <p:strVal val="visible"/>
+                                      </p:to>
+                                    </p:set>
+                                  </p:childTnLst>
+                                </p:cTn>
+                              </p:par>
+                            </p:childTnLst>
+                          </p:cTn>
+                        </p:par>
+                      </p:childTnLst>
+                    </p:cTn>
+                  </p:par>
+                  <p:par>
+                    <p:cTn id="7" fill="hold">
+                      <p:stCondLst>
+                        <p:cond delay="indefinite"/>
+                      </p:stCondLst>
+                      <p:childTnLst>
+                        <p:par>
+                          <p:cTn id="8" fill="hold">
+                            <p:stCondLst>
+                              <p:cond delay="0"/>
+                            </p:stCondLst>
+                            <p:childTnLst>
+                              <p:par>
+                                <p:cTn id="9" presetID="1" presetClass="entr" presetSubtype="0" fill="hold" nodeType="clickEffect">
+                                  <p:stCondLst>
+                                    <p:cond delay="0"/>
+                                  </p:stCondLst>
+                                  <p:childTnLst>
+                                    <p:set>
+                                      <p:cBhvr>
+                                        <p:cTn id="10" dur="1" fill="hold">
+                                          <p:stCondLst>
+                                            <p:cond delay="0"/>
+                                          </p:stCondLst>
+                                        </p:cTn>
+                                        <p:tgtEl>
+                                          <p:spTgt spid="42"/>
+                                        </p:tgtEl>
+                                        <p:attrNameLst>
+                                          <p:attrName>style.visibility</p:attrName>
+                                        </p:attrNameLst>
+                                      </p:cBhvr>
+                                      <p:to>
+                                        <p:strVal val="visible"/>
+                                      </p:to>
+                                    </p:set>
+                                  </p:childTnLst>
+                                </p:cTn>
+                              </p:par>
+                            </p:childTnLst>
+                          </p:cTn>
+                        </p:par>
+                      </p:childTnLst>
+                    </p:cTn>
+                  </p:par>
+                  <p:par>
+                    <p:cTn id="11" fill="hold">
+                      <p:stCondLst>
+                        <p:cond delay="indefinite"/>
+                      </p:stCondLst>
+                      <p:childTnLst>
+                        <p:par>
+                          <p:cTn id="12" fill="hold">
+                            <p:stCondLst>
+                              <p:cond delay="0"/>
+                            </p:stCondLst>
+                            <p:childTnLst>
+                              <p:par>
+                                <p:cTn id="13" presetID="1" presetClass="entr" presetSubtype="0" fill="hold" nodeType="clickEffect">
+                                  <p:stCondLst>
+                                    <p:cond delay="0"/>
+                                  </p:stCondLst>
+                                  <p:childTnLst>
+                                    <p:set>
+                                      <p:cBhvr>
+                                        <p:cTn id="14" dur="1" fill="hold">
+                                          <p:stCondLst>
+                                            <p:cond delay="0"/>
+                                          </p:stCondLst>
+                                        </p:cTn>
+                                        <p:tgtEl>
+                                          <p:spTgt spid="33"/>
+                                        </p:tgtEl>
+                                        <p:attrNameLst>
+                                          <p:attrName>style.visibility</p:attrName>
+                                        </p:attrNameLst>
+                                      </p:cBhvr>
+                                      <p:to>
+                                        <p:strVal val="visible"/>
+                                      </p:to>
+                                    </p:set>
+                                  </p:childTnLst>
+                                </p:cTn>
+                              </p:par>
+                              <p:par>
+                                <p:cTn id="15" presetID="1" presetClass="entr" presetSubtype="0" fill="hold" grpId="0" nodeType="withEffect">
+                                  <p:stCondLst>
+                                    <p:cond delay="0"/>
+                                  </p:stCondLst>
+                                  <p:childTnLst>
+                                    <p:set>
+                                      <p:cBhvr>
+                                        <p:cTn id="16" dur="1" fill="hold">
+                                          <p:stCondLst>
+                                            <p:cond delay="0"/>
+                                          </p:stCondLst>
+                                        </p:cTn>
+                                        <p:tgtEl>
+                                          <p:spTgt spid="53"/>
+                                        </p:tgtEl>
+                                        <p:attrNameLst>
+                                          <p:attrName>style.visibility</p:attrName>
+                                        </p:attrNameLst>
+                                      </p:cBhvr>
+                                      <p:to>
+                                        <p:strVal val="visible"/>
+                                      </p:to>
+                                    </p:set>
+                                  </p:childTnLst>
+                                </p:cTn>
+                              </p:par>
+                              <p:par>
+                                <p:cTn id="17" presetID="1" presetClass="entr" presetSubtype="0" fill="hold" grpId="0" nodeType="withEffect">
+                                  <p:stCondLst>
+                                    <p:cond delay="0"/>
+                                  </p:stCondLst>
+                                  <p:childTnLst>
+                                    <p:set>
+                                      <p:cBhvr>
+                                        <p:cTn id="18" dur="1" fill="hold">
+                                          <p:stCondLst>
+                                            <p:cond delay="0"/>
+                                          </p:stCondLst>
+                                        </p:cTn>
+                                        <p:tgtEl>
+                                          <p:spTgt spid="57"/>
+                                        </p:tgtEl>
+                                        <p:attrNameLst>
+                                          <p:attrName>style.visibility</p:attrName>
+                                        </p:attrNameLst>
+                                      </p:cBhvr>
+                                      <p:to>
+                                        <p:strVal val="visible"/>
+                                      </p:to>
+                                    </p:set>
+                                  </p:childTnLst>
+                                </p:cTn>
+                              </p:par>
+                            </p:childTnLst>
+                          </p:cTn>
+                        </p:par>
+                      </p:childTnLst>
+                    </p:cTn>
+                  </p:par>
+                  <p:par>
+                    <p:cTn id="19" fill="hold">
+                      <p:stCondLst>
+                        <p:cond delay="indefinite"/>
+                      </p:stCondLst>
+                      <p:childTnLst>
+                        <p:par>
+                          <p:cTn id="20" fill="hold">
+                            <p:stCondLst>
+                              <p:cond delay="0"/>
+                            </p:stCondLst>
+                            <p:childTnLst>
+                              <p:par>
+                                <p:cTn id="21" presetID="1" presetClass="entr" presetSubtype="0" fill="hold" grpId="0" nodeType="clickEffect">
+                                  <p:stCondLst>
+                                    <p:cond delay="0"/>
+                                  </p:stCondLst>
+                                  <p:childTnLst>
+                                    <p:set>
+                                      <p:cBhvr>
+                                        <p:cTn id="22" dur="1" fill="hold">
+                                          <p:stCondLst>
+                                            <p:cond delay="0"/>
+                                          </p:stCondLst>
+                                        </p:cTn>
+                                        <p:tgtEl>
+                                          <p:spTgt spid="59"/>
+                                        </p:tgtEl>
+                                        <p:attrNameLst>
+                                          <p:attrName>style.visibility</p:attrName>
+                                        </p:attrNameLst>
+                                      </p:cBhvr>
+                                      <p:to>
+                                        <p:strVal val="visible"/>
+                                      </p:to>
+                                    </p:set>
+                                  </p:childTnLst>
+                                </p:cTn>
+                              </p:par>
+                              <p:par>
+                                <p:cTn id="23" presetID="1" presetClass="entr" presetSubtype="0" fill="hold" grpId="0" nodeType="withEffect">
+                                  <p:stCondLst>
+                                    <p:cond delay="0"/>
+                                  </p:stCondLst>
+                                  <p:childTnLst>
+                                    <p:set>
+                                      <p:cBhvr>
+                                        <p:cTn id="24" dur="1" fill="hold">
+                                          <p:stCondLst>
+                                            <p:cond delay="0"/>
+                                          </p:stCondLst>
+                                        </p:cTn>
+                                        <p:tgtEl>
+                                          <p:spTgt spid="62"/>
+                                        </p:tgtEl>
+                                        <p:attrNameLst>
+                                          <p:attrName>style.visibility</p:attrName>
+                                        </p:attrNameLst>
+                                      </p:cBhvr>
+                                      <p:to>
+                                        <p:strVal val="visible"/>
+                                      </p:to>
+                                    </p:set>
+                                  </p:childTnLst>
+                                </p:cTn>
+                              </p:par>
+                            </p:childTnLst>
+                          </p:cTn>
+                        </p:par>
+                      </p:childTnLst>
+                    </p:cTn>
+                  </p:par>
+                  <p:par>
+                    <p:cTn id="25" fill="hold">
+                      <p:stCondLst>
+                        <p:cond delay="indefinite"/>
+                      </p:stCondLst>
+                      <p:childTnLst>
+                        <p:par>
+                          <p:cTn id="26" fill="hold">
+                            <p:stCondLst>
+                              <p:cond delay="0"/>
+                            </p:stCondLst>
+                            <p:childTnLst>
+                              <p:par>
+                                <p:cTn id="27" presetID="1" presetClass="entr" presetSubtype="0" fill="hold" nodeType="clickEffect">
+                                  <p:stCondLst>
+                                    <p:cond delay="0"/>
+                                  </p:stCondLst>
+                                  <p:childTnLst>
+                                    <p:set>
+                                      <p:cBhvr>
+                                        <p:cTn id="28" dur="1" fill="hold">
+                                          <p:stCondLst>
+                                            <p:cond delay="0"/>
+                                          </p:stCondLst>
+                                        </p:cTn>
+                                        <p:tgtEl>
+                                          <p:spTgt spid="64"/>
+                                        </p:tgtEl>
+                                        <p:attrNameLst>
+                                          <p:attrName>style.visibility</p:attrName>
+                                        </p:attrNameLst>
+                                      </p:cBhvr>
+                                      <p:to>
+                                        <p:strVal val="visible"/>
+                                      </p:to>
+                                    </p:set>
+                                  </p:childTnLst>
+                                </p:cTn>
+                              </p:par>
+                              <p:par>
+                                <p:cTn id="29" presetID="1" presetClass="entr" presetSubtype="0" fill="hold" grpId="0" nodeType="withEffect">
+                                  <p:stCondLst>
+                                    <p:cond delay="0"/>
+                                  </p:stCondLst>
+                                  <p:childTnLst>
+                                    <p:set>
+                                      <p:cBhvr>
+                                        <p:cTn id="30" dur="1" fill="hold">
+                                          <p:stCondLst>
+                                            <p:cond delay="0"/>
+                                          </p:stCondLst>
+                                        </p:cTn>
+                                        <p:tgtEl>
+                                          <p:spTgt spid="65"/>
+                                        </p:tgtEl>
+                                        <p:attrNameLst>
+                                          <p:attrName>style.visibility</p:attrName>
+                                        </p:attrNameLst>
+                                      </p:cBhvr>
+                                      <p:to>
+                                        <p:strVal val="visible"/>
+                                      </p:to>
+                                    </p:set>
+                                  </p:childTnLst>
+                                </p:cTn>
+                              </p:par>
+                            </p:childTnLst>
+                          </p:cTn>
+                        </p:par>
+                      </p:childTnLst>
+                    </p:cTn>
+                  </p:par>
+                  <p:par>
+                    <p:cTn id="31" fill="hold">
+                      <p:stCondLst>
+                        <p:cond delay="indefinite"/>
+                      </p:stCondLst>
+                      <p:childTnLst>
+                        <p:par>
+                          <p:cTn id="32" fill="hold">
+                            <p:stCondLst>
+                              <p:cond delay="0"/>
+                            </p:stCondLst>
+                            <p:childTnLst>
+                              <p:par>
+                                <p:cTn id="33" presetID="1" presetClass="entr" presetSubtype="0" fill="hold" nodeType="clickEffect">
+                                  <p:stCondLst>
+                                    <p:cond delay="0"/>
+                                  </p:stCondLst>
+                                  <p:childTnLst>
+                                    <p:set>
+                                      <p:cBhvr>
+                                        <p:cTn id="34" dur="1" fill="hold">
+                                          <p:stCondLst>
+                                            <p:cond delay="0"/>
+                                          </p:stCondLst>
+                                        </p:cTn>
+                                        <p:tgtEl>
+                                          <p:spTgt spid="67"/>
+                                        </p:tgtEl>
+                                        <p:attrNameLst>
+                                          <p:attrName>style.visibility</p:attrName>
+                                        </p:attrNameLst>
+                                      </p:cBhvr>
+                                      <p:to>
+                                        <p:strVal val="visible"/>
+                                      </p:to>
+                                    </p:set>
+                                  </p:childTnLst>
+                                </p:cTn>
+                              </p:par>
+                              <p:par>
+                                <p:cTn id="35" presetID="1" presetClass="entr" presetSubtype="0" fill="hold" grpId="0" nodeType="withEffect">
+                                  <p:stCondLst>
+                                    <p:cond delay="0"/>
+                                  </p:stCondLst>
+                                  <p:childTnLst>
+                                    <p:set>
+                                      <p:cBhvr>
+                                        <p:cTn id="36" dur="1" fill="hold">
+                                          <p:stCondLst>
+                                            <p:cond delay="0"/>
+                                          </p:stCondLst>
+                                        </p:cTn>
+                                        <p:tgtEl>
+                                          <p:spTgt spid="70"/>
+                                        </p:tgtEl>
+                                        <p:attrNameLst>
+                                          <p:attrName>style.visibility</p:attrName>
+                                        </p:attrNameLst>
+                                      </p:cBhvr>
+                                      <p:to>
+                                        <p:strVal val="visible"/>
+                                      </p:to>
+                                    </p:set>
+                                  </p:childTnLst>
+                                </p:cTn>
+                              </p:par>
+                              <p:par>
+                                <p:cTn id="37" presetID="1" presetClass="entr" presetSubtype="0" fill="hold" grpId="0" nodeType="withEffect">
+                                  <p:stCondLst>
+                                    <p:cond delay="0"/>
+                                  </p:stCondLst>
+                                  <p:childTnLst>
+                                    <p:set>
+                                      <p:cBhvr>
+                                        <p:cTn id="38" dur="1" fill="hold">
+                                          <p:stCondLst>
+                                            <p:cond delay="0"/>
+                                          </p:stCondLst>
+                                        </p:cTn>
+                                        <p:tgtEl>
+                                          <p:spTgt spid="72"/>
+                                        </p:tgtEl>
+                                        <p:attrNameLst>
+                                          <p:attrName>style.visibility</p:attrName>
+                                        </p:attrNameLst>
+                                      </p:cBhvr>
+                                      <p:to>
+                                        <p:strVal val="visible"/>
+                                      </p:to>
+                                    </p:set>
+                                  </p:childTnLst>
+                                </p:cTn>
+                              </p:par>
+                              <p:par>
+                                <p:cTn id="39" presetID="1" presetClass="entr" presetSubtype="0" fill="hold" grpId="0" nodeType="withEffect">
+                                  <p:stCondLst>
+                                    <p:cond delay="0"/>
+                                  </p:stCondLst>
+                                  <p:childTnLst>
+                                    <p:set>
+                                      <p:cBhvr>
+                                        <p:cTn id="40" dur="1" fill="hold">
+                                          <p:stCondLst>
+                                            <p:cond delay="0"/>
+                                          </p:stCondLst>
+                                        </p:cTn>
+                                        <p:tgtEl>
+                                          <p:spTgt spid="74"/>
+                                        </p:tgtEl>
+                                        <p:attrNameLst>
+                                          <p:attrName>style.visibility</p:attrName>
+                                        </p:attrNameLst>
+                                      </p:cBhvr>
+                                      <p:to>
+                                        <p:strVal val="visible"/>
+                                      </p:to>
+                                    </p:set>
+                                  </p:childTnLst>
+                                </p:cTn>
+                              </p:par>
+                              <p:par>
+                                <p:cTn id="41" presetID="1" presetClass="entr" presetSubtype="0" fill="hold" grpId="0" nodeType="withEffect">
+                                  <p:stCondLst>
+                                    <p:cond delay="0"/>
+                                  </p:stCondLst>
+                                  <p:childTnLst>
+                                    <p:set>
+                                      <p:cBhvr>
+                                        <p:cTn id="42" dur="1" fill="hold">
+                                          <p:stCondLst>
+                                            <p:cond delay="0"/>
+                                          </p:stCondLst>
+                                        </p:cTn>
+                                        <p:tgtEl>
+                                          <p:spTgt spid="77"/>
+                                        </p:tgtEl>
+                                        <p:attrNameLst>
+                                          <p:attrName>style.visibility</p:attrName>
+                                        </p:attrNameLst>
+                                      </p:cBhvr>
+                                      <p:to>
+                                        <p:strVal val="visible"/>
+                                      </p:to>
+                                    </p:set>
+                                  </p:childTnLst>
+                                </p:cTn>
+                              </p:par>
+                              <p:par>
+                                <p:cTn id="43" presetID="1" presetClass="entr" presetSubtype="0" fill="hold" grpId="0" nodeType="withEffect">
+                                  <p:stCondLst>
+                                    <p:cond delay="0"/>
+                                  </p:stCondLst>
+                                  <p:childTnLst>
+                                    <p:set>
+                                      <p:cBhvr>
+                                        <p:cTn id="44" dur="1" fill="hold">
+                                          <p:stCondLst>
+                                            <p:cond delay="0"/>
+                                          </p:stCondLst>
+                                        </p:cTn>
+                                        <p:tgtEl>
+                                          <p:spTgt spid="76"/>
+                                        </p:tgtEl>
+                                        <p:attrNameLst>
+                                          <p:attrName>style.visibility</p:attrName>
+                                        </p:attrNameLst>
+                                      </p:cBhvr>
+                                      <p:to>
+                                        <p:strVal val="visible"/>
+                                      </p:to>
+                                    </p:set>
+                                  </p:childTnLst>
+                                </p:cTn>
+                              </p:par>
+                              <p:par>
+                                <p:cTn id="45" presetID="1" presetClass="entr" presetSubtype="0" fill="hold" grpId="0" nodeType="withEffect">
+                                  <p:stCondLst>
+                                    <p:cond delay="0"/>
+                                  </p:stCondLst>
+                                  <p:childTnLst>
+                                    <p:set>
+                                      <p:cBhvr>
+                                        <p:cTn id="46" dur="1" fill="hold">
+                                          <p:stCondLst>
+                                            <p:cond delay="0"/>
+                                          </p:stCondLst>
+                                        </p:cTn>
+                                        <p:tgtEl>
+                                          <p:spTgt spid="91"/>
+                                        </p:tgtEl>
+                                        <p:attrNameLst>
+                                          <p:attrName>style.visibility</p:attrName>
+                                        </p:attrNameLst>
+                                      </p:cBhvr>
+                                      <p:to>
+                                        <p:strVal val="visible"/>
+                                      </p:to>
+                                    </p:set>
+                                  </p:childTnLst>
+                                </p:cTn>
+                              </p:par>
+                            </p:childTnLst>
+                          </p:cTn>
+                        </p:par>
+                      </p:childTnLst>
+                    </p:cTn>
+                  </p:par>
+                  <p:par>
+                    <p:cTn id="47" fill="hold">
+                      <p:stCondLst>
+                        <p:cond delay="indefinite"/>
+                      </p:stCondLst>
+                      <p:childTnLst>
+                        <p:par>
+                          <p:cTn id="48" fill="hold">
+                            <p:stCondLst>
+                              <p:cond delay="0"/>
+                            </p:stCondLst>
+                            <p:childTnLst>
+                              <p:par>
+                                <p:cTn id="49" presetID="1" presetClass="entr" presetSubtype="0" fill="hold" nodeType="clickEffect">
+                                  <p:stCondLst>
+                                    <p:cond delay="0"/>
+                                  </p:stCondLst>
+                                  <p:childTnLst>
+                                    <p:set>
+                                      <p:cBhvr>
+                                        <p:cTn id="50" dur="1" fill="hold">
+                                          <p:stCondLst>
+                                            <p:cond delay="0"/>
+                                          </p:stCondLst>
+                                        </p:cTn>
+                                        <p:tgtEl>
+                                          <p:spTgt spid="93"/>
+                                        </p:tgtEl>
+                                        <p:attrNameLst>
+                                          <p:attrName>style.visibility</p:attrName>
+                                        </p:attrNameLst>
+                                      </p:cBhvr>
+                                      <p:to>
+                                        <p:strVal val="visible"/>
+                                      </p:to>
+                                    </p:set>
+                                  </p:childTnLst>
+                                </p:cTn>
+                              </p:par>
+                            </p:childTnLst>
+                          </p:cTn>
+                        </p:par>
+                      </p:childTnLst>
+                    </p:cTn>
+                  </p:par>
+                  <p:par>
+                    <p:cTn id="51" fill="hold">
+                      <p:stCondLst>
+                        <p:cond delay="indefinite"/>
+                      </p:stCondLst>
+                      <p:childTnLst>
+                        <p:par>
+                          <p:cTn id="52" fill="hold">
+                            <p:stCondLst>
+                              <p:cond delay="0"/>
+                            </p:stCondLst>
+                            <p:childTnLst>
+                              <p:par>
+                                <p:cTn id="53" presetID="1" presetClass="entr" presetSubtype="0" fill="hold" nodeType="clickEffect">
+                                  <p:stCondLst>
+                                    <p:cond delay="0"/>
+                                  </p:stCondLst>
+                                  <p:childTnLst>
+                                    <p:set>
+                                      <p:cBhvr>
+                                        <p:cTn id="54" dur="1" fill="hold">
+                                          <p:stCondLst>
+                                            <p:cond delay="0"/>
+                                          </p:stCondLst>
+                                        </p:cTn>
+                                        <p:tgtEl>
+                                          <p:spTgt spid="94"/>
+                                        </p:tgtEl>
+                                        <p:attrNameLst>
+                                          <p:attrName>style.visibility</p:attrName>
+                                        </p:attrNameLst>
+                                      </p:cBhvr>
+                                      <p:to>
+                                        <p:strVal val="visible"/>
+                                      </p:to>
+                                    </p:set>
+                                  </p:childTnLst>
+                                </p:cTn>
+                              </p:par>
+                            </p:childTnLst>
+                          </p:cTn>
+                        </p:par>
+                      </p:childTnLst>
+                    </p:cTn>
+                  </p:par>
+                  <p:par>
+                    <p:cTn id="55" fill="hold">
+                      <p:stCondLst>
+                        <p:cond delay="indefinite"/>
+                      </p:stCondLst>
+                      <p:childTnLst>
+                        <p:par>
+                          <p:cTn id="56" fill="hold">
+                            <p:stCondLst>
+                              <p:cond delay="0"/>
+                            </p:stCondLst>
+                            <p:childTnLst>
+                              <p:par>
+                                <p:cTn id="57" presetID="1" presetClass="entr" presetSubtype="0" fill="hold" nodeType="clickEffect">
+                                  <p:stCondLst>
+                                    <p:cond delay="0"/>
+                                  </p:stCondLst>
+                                  <p:childTnLst>
+                                    <p:set>
+                                      <p:cBhvr>
+                                        <p:cTn id="58" dur="1" fill="hold">
+                                          <p:stCondLst>
+                                            <p:cond delay="0"/>
+                                          </p:stCondLst>
+                                        </p:cTn>
+                                        <p:tgtEl>
+                                          <p:spTgt spid="98"/>
+                                        </p:tgtEl>
+                                        <p:attrNameLst>
+                                          <p:attrName>style.visibility</p:attrName>
+                                        </p:attrNameLst>
+                                      </p:cBhvr>
+                                      <p:to>
+                                        <p:strVal val="visible"/>
+                                      </p:to>
+                                    </p:set>
+                                  </p:childTnLst>
+                                </p:cTn>
+                              </p:par>
+                              <p:par>
+                                <p:cTn id="59" presetID="1" presetClass="entr" presetSubtype="0" fill="hold" grpId="0" nodeType="withEffect">
+                                  <p:stCondLst>
+                                    <p:cond delay="0"/>
+                                  </p:stCondLst>
+                                  <p:childTnLst>
+                                    <p:set>
+                                      <p:cBhvr>
+                                        <p:cTn id="60" dur="1" fill="hold">
+                                          <p:stCondLst>
+                                            <p:cond delay="0"/>
+                                          </p:stCondLst>
+                                        </p:cTn>
+                                        <p:tgtEl>
+                                          <p:spTgt spid="104"/>
+                                        </p:tgtEl>
+                                        <p:attrNameLst>
+                                          <p:attrName>style.visibility</p:attrName>
+                                        </p:attrNameLst>
+                                      </p:cBhvr>
+                                      <p:to>
+                                        <p:strVal val="visible"/>
+                                      </p:to>
+                                    </p:set>
+                                  </p:childTnLst>
+                                </p:cTn>
+                              </p:par>
+                            </p:childTnLst>
+                          </p:cTn>
+                        </p:par>
+                      </p:childTnLst>
+                    </p:cTn>
+                  </p:par>
+                  <p:par>
+                    <p:cTn id="61" fill="hold">
+                      <p:stCondLst>
+                        <p:cond delay="indefinite"/>
+                      </p:stCondLst>
+                      <p:childTnLst>
+                        <p:par>
+                          <p:cTn id="62" fill="hold">
+                            <p:stCondLst>
+                              <p:cond delay="0"/>
+                            </p:stCondLst>
+                            <p:childTnLst>
+                              <p:par>
+                                <p:cTn id="63" presetID="1" presetClass="entr" presetSubtype="0" fill="hold" nodeType="clickEffect">
+                                  <p:stCondLst>
+                                    <p:cond delay="0"/>
+                                  </p:stCondLst>
+                                  <p:childTnLst>
+                                    <p:set>
+                                      <p:cBhvr>
+                                        <p:cTn id="64" dur="1" fill="hold">
+                                          <p:stCondLst>
+                                            <p:cond delay="0"/>
+                                          </p:stCondLst>
+                                        </p:cTn>
+                                        <p:tgtEl>
+                                          <p:spTgt spid="102"/>
+                                        </p:tgtEl>
+                                        <p:attrNameLst>
+                                          <p:attrName>style.visibility</p:attrName>
+                                        </p:attrNameLst>
+                                      </p:cBhvr>
+                                      <p:to>
+                                        <p:strVal val="visible"/>
+                                      </p:to>
+                                    </p:set>
+                                  </p:childTnLst>
+                                </p:cTn>
+                              </p:par>
+                              <p:par>
+                                <p:cTn id="65" presetID="1" presetClass="entr" presetSubtype="0" fill="hold" grpId="0" nodeType="withEffect">
+                                  <p:stCondLst>
+                                    <p:cond delay="0"/>
+                                  </p:stCondLst>
+                                  <p:childTnLst>
+                                    <p:set>
+                                      <p:cBhvr>
+                                        <p:cTn id="66" dur="1" fill="hold">
+                                          <p:stCondLst>
+                                            <p:cond delay="0"/>
+                                          </p:stCondLst>
+                                        </p:cTn>
+                                        <p:tgtEl>
+                                          <p:spTgt spid="103"/>
+                                        </p:tgtEl>
+                                        <p:attrNameLst>
+                                          <p:attrName>style.visibility</p:attrName>
+                                        </p:attrNameLst>
+                                      </p:cBhvr>
+                                      <p:to>
+                                        <p:strVal val="visible"/>
+                                      </p:to>
+                                    </p:set>
+                                  </p:childTnLst>
+                                </p:cTn>
+                              </p:par>
+                              <p:par>
+                                <p:cTn id="67" presetID="1" presetClass="entr" presetSubtype="0" fill="hold" grpId="0" nodeType="withEffect">
+                                  <p:stCondLst>
+                                    <p:cond delay="0"/>
+                                  </p:stCondLst>
+                                  <p:childTnLst>
+                                    <p:set>
+                                      <p:cBhvr>
+                                        <p:cTn id="68" dur="1" fill="hold">
+                                          <p:stCondLst>
+                                            <p:cond delay="0"/>
+                                          </p:stCondLst>
+                                        </p:cTn>
+                                        <p:tgtEl>
+                                          <p:spTgt spid="106"/>
+                                        </p:tgtEl>
+                                        <p:attrNameLst>
+                                          <p:attrName>style.visibility</p:attrName>
+                                        </p:attrNameLst>
+                                      </p:cBhvr>
+                                      <p:to>
+                                        <p:strVal val="visible"/>
+                                      </p:to>
+                                    </p:set>
+                                  </p:childTnLst>
+                                </p:cTn>
+                              </p:par>
+                              <p:par>
+                                <p:cTn id="69" presetID="1" presetClass="entr" presetSubtype="0" fill="hold" grpId="0" nodeType="withEffect">
+                                  <p:stCondLst>
+                                    <p:cond delay="0"/>
+                                  </p:stCondLst>
+                                  <p:childTnLst>
+                                    <p:set>
+                                      <p:cBhvr>
+                                        <p:cTn id="70" dur="1" fill="hold">
+                                          <p:stCondLst>
+                                            <p:cond delay="0"/>
+                                          </p:stCondLst>
+                                        </p:cTn>
+                                        <p:tgtEl>
+                                          <p:spTgt spid="107"/>
+                                        </p:tgtEl>
+                                        <p:attrNameLst>
+                                          <p:attrName>style.visibility</p:attrName>
+                                        </p:attrNameLst>
+                                      </p:cBhvr>
+                                      <p:to>
+                                        <p:strVal val="visible"/>
+                                      </p:to>
+                                    </p:set>
+                                  </p:childTnLst>
+                                </p:cTn>
+                              </p:par>
+                              <p:par>
+                                <p:cTn id="71" presetID="1" presetClass="entr" presetSubtype="0" fill="hold" grpId="0" nodeType="withEffect">
+                                  <p:stCondLst>
+                                    <p:cond delay="0"/>
+                                  </p:stCondLst>
+                                  <p:childTnLst>
+                                    <p:set>
+                                      <p:cBhvr>
+                                        <p:cTn id="72" dur="1" fill="hold">
+                                          <p:stCondLst>
+                                            <p:cond delay="0"/>
+                                          </p:stCondLst>
+                                        </p:cTn>
+                                        <p:tgtEl>
+                                          <p:spTgt spid="108"/>
+                                        </p:tgtEl>
+                                        <p:attrNameLst>
+                                          <p:attrName>style.visibility</p:attrName>
+                                        </p:attrNameLst>
+                                      </p:cBhvr>
+                                      <p:to>
+                                        <p:strVal val="visible"/>
+                                      </p:to>
+                                    </p:set>
+                                  </p:childTnLst>
+                                </p:cTn>
+                              </p:par>
+                              <p:par>
+                                <p:cTn id="73" presetID="1" presetClass="entr" presetSubtype="0" fill="hold" grpId="0" nodeType="withEffect">
+                                  <p:stCondLst>
+                                    <p:cond delay="0"/>
+                                  </p:stCondLst>
+                                  <p:childTnLst>
+                                    <p:set>
+                                      <p:cBhvr>
+                                        <p:cTn id="74" dur="1" fill="hold">
+                                          <p:stCondLst>
+                                            <p:cond delay="0"/>
+                                          </p:stCondLst>
+                                        </p:cTn>
+                                        <p:tgtEl>
+                                          <p:spTgt spid="109"/>
+                                        </p:tgtEl>
+                                        <p:attrNameLst>
+                                          <p:attrName>style.visibility</p:attrName>
+                                        </p:attrNameLst>
+                                      </p:cBhvr>
+                                      <p:to>
+                                        <p:strVal val="visible"/>
+                                      </p:to>
+                                    </p:set>
+                                  </p:childTnLst>
+                                </p:cTn>
+                              </p:par>
+                            </p:childTnLst>
+                          </p:cTn>
+                        </p:par>
+                      </p:childTnLst>
+                    </p:cTn>
+                  </p:par>
+                  <p:par>
+                    <p:cTn id="75" fill="hold">
+                      <p:stCondLst>
+                        <p:cond delay="indefinite"/>
+                      </p:stCondLst>
+                      <p:childTnLst>
+                        <p:par>
+                          <p:cTn id="76" fill="hold">
+                            <p:stCondLst>
+                              <p:cond delay="0"/>
+                            </p:stCondLst>
+                            <p:childTnLst>
+                              <p:par>
+                                <p:cTn id="77" presetID="1" presetClass="entr" presetSubtype="0" fill="hold" grpId="0" nodeType="clickEffect">
+                                  <p:stCondLst>
+                                    <p:cond delay="0"/>
+                                  </p:stCondLst>
+                                  <p:childTnLst>
+                                    <p:set>
+                                      <p:cBhvr>
+                                        <p:cTn id="78" dur="1" fill="hold">
+                                          <p:stCondLst>
+                                            <p:cond delay="0"/>
+                                          </p:stCondLst>
+                                        </p:cTn>
+                                        <p:tgtEl>
+                                          <p:spTgt spid="113"/>
+                                        </p:tgtEl>
+                                        <p:attrNameLst>
+                                          <p:attrName>style.visibility</p:attrName>
+                                        </p:attrNameLst>
+                                      </p:cBhvr>
+                                      <p:to>
+                                        <p:strVal val="visible"/>
+                                      </p:to>
+                                    </p:set>
+                                  </p:childTnLst>
+                                </p:cTn>
+                              </p:par>
+                            </p:childTnLst>
+                          </p:cTn>
+                        </p:par>
+                      </p:childTnLst>
+                    </p:cTn>
+                  </p:par>
+                  <p:par>
+                    <p:cTn id="79" fill="hold">
+                      <p:stCondLst>
+                        <p:cond delay="indefinite"/>
+                      </p:stCondLst>
+                      <p:childTnLst>
+                        <p:par>
+                          <p:cTn id="80" fill="hold">
+                            <p:stCondLst>
+                              <p:cond delay="0"/>
+                            </p:stCondLst>
+                            <p:childTnLst>
+                              <p:par>
+                                <p:cTn id="81" presetID="1" presetClass="entr" presetSubtype="0" fill="hold" grpId="0" nodeType="clickEffect">
+                                  <p:stCondLst>
+                                    <p:cond delay="0"/>
+                                  </p:stCondLst>
+                                  <p:childTnLst>
+                                    <p:set>
+                                      <p:cBhvr>
+                                        <p:cTn id="82" dur="1" fill="hold">
+                                          <p:stCondLst>
+                                            <p:cond delay="0"/>
+                                          </p:stCondLst>
+                                        </p:cTn>
+                                        <p:tgtEl>
+                                          <p:spTgt spid="114"/>
+                                        </p:tgtEl>
+                                        <p:attrNameLst>
+                                          <p:attrName>style.visibility</p:attrName>
+                                        </p:attrNameLst>
+                                      </p:cBhvr>
+                                      <p:to>
+                                        <p:strVal val="visible"/>
+                                      </p:to>
+                                    </p:set>
+                                  </p:childTnLst>
+                                </p:cTn>
+                              </p:par>
+                            </p:childTnLst>
+                          </p:cTn>
+                        </p:par>
+                      </p:childTnLst>
+                    </p:cTn>
+                  </p:par>
+                </p:childTnLst>
+              </p:cTn>
+              <p:prevCondLst>
+                <p:cond evt="onPrev" delay="0">
+                  <p:tgtEl>
+                    <p:sldTgt/>
+                  </p:tgtEl>
+                </p:cond>
+              </p:prevCondLst>
+              <p:nextCondLst>
+                <p:cond evt="onNext" delay="0">
+                  <p:tgtEl>
+                    <p:sldTgt/>
+                  </p:tgtEl>
+                </p:cond>
+              </p:nextCondLst>
+            </p:seq>
+          </p:childTnLst>
+        </p:cTn>
+      </p:par>
+    </p:tnLst>
+    <p:bldLst>
+      <p:bldP spid="113" grpId="0" animBg="1"/>
+      <p:bldP spid="59" grpId="0" animBg="1"/>
+      <p:bldP spid="72" grpId="0" animBg="1"/>
+      <p:bldP spid="53" grpId="0" animBg="1"/>
+      <p:bldP spid="57" grpId="0" animBg="1"/>
+      <p:bldP spid="62" grpId="0" animBg="1"/>
+      <p:bldP spid="65" grpId="0" animBg="1"/>
+      <p:bldP spid="70" grpId="0" animBg="1"/>
+      <p:bldP spid="74" grpId="0" animBg="1"/>
+      <p:bldP spid="41" grpId="0" animBg="1"/>
+      <p:bldP spid="76" grpId="0" animBg="1"/>
+      <p:bldP spid="77" grpId="0" animBg="1"/>
+      <p:bldP spid="91" grpId="0" animBg="1"/>
+      <p:bldP spid="103" grpId="0" animBg="1"/>
+      <p:bldP spid="104" grpId="0" animBg="1"/>
+      <p:bldP spid="106" grpId="0" animBg="1"/>
+      <p:bldP spid="107" grpId="0" animBg="1"/>
+      <p:bldP spid="108" grpId="0" animBg="1"/>
+      <p:bldP spid="109" grpId="0" animBg="1"/>
+      <p:bldP spid="114" grpId="0" animBg="1"/>
+    </p:bldLst>
+  </p:timing>
+</p:sld>
+</file>
+
+<file path=ppt/slides/slide2.xml><?xml version="1.0" encoding="utf-8"?>
+<p:sld xmlns:a="http://schemas.openxmlformats.org/drawingml/2006/main" xmlns:r="http://schemas.openxmlformats.org/officeDocument/2006/relationships" xmlns:p="http://schemas.openxmlformats.org/presentationml/2006/main">
+  <p:cSld>
+    <p:spTree>
+      <p:nvGrpSpPr>
+        <p:cNvPr id="1" name=""/>
+        <p:cNvGrpSpPr/>
+        <p:nvPr/>
+      </p:nvGrpSpPr>
+      <p:grpSpPr>
+        <a:xfrm>
+          <a:off x="0" y="0"/>
+          <a:ext cx="0" cy="0"/>
+          <a:chOff x="0" y="0"/>
+          <a:chExt cx="0" cy="0"/>
+        </a:xfrm>
+      </p:grpSpPr>
+      <p:sp>
+        <p:nvSpPr>
+          <p:cNvPr id="34" name="Rectangle 33"/>
+          <p:cNvSpPr/>
+          <p:nvPr/>
+        </p:nvSpPr>
+        <p:spPr>
+          <a:xfrm>
+            <a:off x="783656" y="332464"/>
+            <a:ext cx="2455035" cy="4384306"/>
+          </a:xfrm>
+          <a:prstGeom prst="rect">
+            <a:avLst/>
+          </a:prstGeom>
+          <a:solidFill>
+            <a:schemeClr val="bg2"/>
+          </a:solidFill>
+          <a:ln>
+            <a:solidFill>
+              <a:schemeClr val="bg1"/>
+            </a:solidFill>
+          </a:ln>
+        </p:spPr>
+        <p:style>
+          <a:lnRef idx="2">
+            <a:schemeClr val="accent1">
+              <a:shade val="50000"/>
+            </a:schemeClr>
+          </a:lnRef>
+          <a:fillRef idx="1">
+            <a:schemeClr val="accent1"/>
+          </a:fillRef>
+          <a:effectRef idx="0">
+            <a:schemeClr val="accent1"/>
+          </a:effectRef>
+          <a:fontRef idx="minor">
+            <a:schemeClr val="lt1"/>
+          </a:fontRef>
+        </p:style>
+        <p:txBody>
+          <a:bodyPr lIns="68681" tIns="34340" rIns="68681" bIns="34340" anchor="t"/>
+          <a:lstStyle/>
+          <a:p>
+            <a:pPr defTabSz="343403" eaLnBrk="1" fontAlgn="auto" hangingPunct="1">
+              <a:spcBef>
+                <a:spcPts val="0"/>
+              </a:spcBef>
+              <a:spcAft>
+                <a:spcPts val="0"/>
+              </a:spcAft>
+              <a:defRPr/>
+            </a:pPr>
+            <a:r>
+              <a:rPr lang="en-US" dirty="0" smtClean="0">
+                <a:latin typeface="Open Sans Light"/>
+                <a:ea typeface="Open Sans Light" charset="0"/>
+                <a:cs typeface="Open Sans Light"/>
+              </a:rPr>
+              <a:t>GitHub.com</a:t>
+            </a:r>
+            <a:endParaRPr lang="en-US" sz="1800" dirty="0">
+              <a:latin typeface="Open Sans Light"/>
+              <a:ea typeface="Open Sans Light" charset="0"/>
+              <a:cs typeface="Open Sans Light"/>
+            </a:endParaRPr>
+          </a:p>
+        </p:txBody>
+      </p:sp>
+      <p:sp>
+        <p:nvSpPr>
+          <p:cNvPr id="59" name="Rectangle 58"/>
+          <p:cNvSpPr/>
+          <p:nvPr/>
+        </p:nvSpPr>
+        <p:spPr>
+          <a:xfrm>
+            <a:off x="5194829" y="268409"/>
+            <a:ext cx="2455035" cy="4384306"/>
+          </a:xfrm>
+          <a:prstGeom prst="rect">
+            <a:avLst/>
+          </a:prstGeom>
+          <a:solidFill>
+            <a:schemeClr val="bg2"/>
+          </a:solidFill>
+          <a:ln>
+            <a:solidFill>
+              <a:schemeClr val="bg1"/>
+            </a:solidFill>
+          </a:ln>
+        </p:spPr>
+        <p:style>
+          <a:lnRef idx="2">
+            <a:schemeClr val="accent1">
+              <a:shade val="50000"/>
+            </a:schemeClr>
+          </a:lnRef>
+          <a:fillRef idx="1">
+            <a:schemeClr val="accent1"/>
+          </a:fillRef>
+          <a:effectRef idx="0">
+            <a:schemeClr val="accent1"/>
+          </a:effectRef>
+          <a:fontRef idx="minor">
+            <a:schemeClr val="lt1"/>
+          </a:fontRef>
+        </p:style>
+        <p:txBody>
+          <a:bodyPr lIns="68681" tIns="34340" rIns="68681" bIns="34340" anchor="t"/>
+          <a:lstStyle/>
+          <a:p>
+            <a:pPr defTabSz="343403" eaLnBrk="1" fontAlgn="auto" hangingPunct="1">
+              <a:spcBef>
+                <a:spcPts val="0"/>
+              </a:spcBef>
+              <a:spcAft>
+                <a:spcPts val="0"/>
+              </a:spcAft>
+              <a:defRPr/>
+            </a:pPr>
+            <a:r>
+              <a:rPr lang="en-US" dirty="0" smtClean="0">
+                <a:latin typeface="Open Sans Light"/>
+                <a:ea typeface="Open Sans Light" charset="0"/>
+                <a:cs typeface="Open Sans Light"/>
+              </a:rPr>
+              <a:t>SWIM cloud</a:t>
+            </a:r>
+            <a:endParaRPr lang="en-US" sz="1800" dirty="0">
+              <a:latin typeface="Open Sans Light"/>
+              <a:ea typeface="Open Sans Light" charset="0"/>
+              <a:cs typeface="Open Sans Light"/>
+            </a:endParaRPr>
+          </a:p>
+        </p:txBody>
+      </p:sp>
+      <p:sp>
+        <p:nvSpPr>
+          <p:cNvPr id="72" name="Rectangle 71"/>
+          <p:cNvSpPr/>
+          <p:nvPr/>
+        </p:nvSpPr>
+        <p:spPr>
+          <a:xfrm>
+            <a:off x="5643287" y="855803"/>
+            <a:ext cx="1642973" cy="1152504"/>
+          </a:xfrm>
+          <a:prstGeom prst="rect">
+            <a:avLst/>
+          </a:prstGeom>
+          <a:solidFill>
+            <a:srgbClr val="FF6600"/>
+          </a:solidFill>
+          <a:ln>
+            <a:solidFill>
+              <a:schemeClr val="bg1"/>
+            </a:solidFill>
+          </a:ln>
+        </p:spPr>
+        <p:style>
+          <a:lnRef idx="2">
+            <a:schemeClr val="accent1">
+              <a:shade val="50000"/>
+            </a:schemeClr>
+          </a:lnRef>
+          <a:fillRef idx="1">
+            <a:schemeClr val="accent1"/>
+          </a:fillRef>
+          <a:effectRef idx="0">
+            <a:schemeClr val="accent1"/>
+          </a:effectRef>
+          <a:fontRef idx="minor">
+            <a:schemeClr val="lt1"/>
+          </a:fontRef>
+        </p:style>
+        <p:txBody>
+          <a:bodyPr lIns="68681" tIns="34340" rIns="68681" bIns="34340" anchor="t"/>
+          <a:lstStyle/>
+          <a:p>
+            <a:pPr algn="ctr" defTabSz="343403" eaLnBrk="1" fontAlgn="auto" hangingPunct="1">
+              <a:spcBef>
+                <a:spcPts val="0"/>
+              </a:spcBef>
+              <a:spcAft>
+                <a:spcPts val="0"/>
+              </a:spcAft>
+              <a:defRPr/>
+            </a:pPr>
+            <a:r>
+              <a:rPr lang="en-US" sz="1800" dirty="0" smtClean="0">
+                <a:latin typeface="Open Sans Light"/>
+                <a:ea typeface="Open Sans Light" charset="0"/>
+                <a:cs typeface="Open Sans Light"/>
+              </a:rPr>
+              <a:t>Service</a:t>
+            </a:r>
+            <a:endParaRPr lang="en-US" sz="1800" dirty="0">
+              <a:latin typeface="Open Sans Light"/>
+              <a:ea typeface="Open Sans Light" charset="0"/>
+              <a:cs typeface="Open Sans Light"/>
+            </a:endParaRPr>
           </a:p>
         </p:txBody>
       </p:sp>
@@ -2468,16 +6264,16 @@
             </a:pPr>
             <a:r>
               <a:rPr lang="en-US" sz="1800" dirty="0" smtClean="0">
-                <a:latin typeface="Open Sans Light" charset="0"/>
+                <a:latin typeface="Open Sans Light"/>
                 <a:ea typeface="Open Sans Light" charset="0"/>
-                <a:cs typeface="Open Sans Light" charset="0"/>
+                <a:cs typeface="Open Sans Light"/>
               </a:rPr>
-              <a:t>CircleCI</a:t>
+              <a:t>Uplink</a:t>
             </a:r>
             <a:endParaRPr lang="en-US" sz="1800" dirty="0">
-              <a:latin typeface="Open Sans Light" charset="0"/>
+              <a:latin typeface="Open Sans Light"/>
               <a:ea typeface="Open Sans Light" charset="0"/>
-              <a:cs typeface="Open Sans Light" charset="0"/>
+              <a:cs typeface="Open Sans Light"/>
             </a:endParaRPr>
           </a:p>
         </p:txBody>
@@ -2536,16 +6332,16 @@
             </a:pPr>
             <a:r>
               <a:rPr lang="en-US" sz="1800" dirty="0" smtClean="0">
-                <a:latin typeface="Open Sans Light" charset="0"/>
+                <a:latin typeface="Open Sans Light"/>
                 <a:ea typeface="Open Sans Light" charset="0"/>
-                <a:cs typeface="Open Sans Light" charset="0"/>
+                <a:cs typeface="Open Sans Light"/>
               </a:rPr>
-              <a:t>Jenkins</a:t>
+              <a:t>Lane</a:t>
             </a:r>
             <a:endParaRPr lang="en-US" sz="1800" dirty="0">
-              <a:latin typeface="Open Sans Light" charset="0"/>
+              <a:latin typeface="Open Sans Light"/>
               <a:ea typeface="Open Sans Light" charset="0"/>
-              <a:cs typeface="Open Sans Light" charset="0"/>
+              <a:cs typeface="Open Sans Light"/>
             </a:endParaRPr>
           </a:p>
         </p:txBody>
@@ -2558,8 +6354,8 @@
         </p:nvSpPr>
         <p:spPr>
           <a:xfrm>
-            <a:off x="3738577" y="949420"/>
-            <a:ext cx="1200150" cy="431030"/>
+            <a:off x="3738577" y="705468"/>
+            <a:ext cx="1200150" cy="674982"/>
           </a:xfrm>
           <a:prstGeom prst="rect">
             <a:avLst/>
@@ -2604,36 +6400,153 @@
             </a:pPr>
             <a:r>
               <a:rPr lang="en-US" sz="1800" dirty="0" smtClean="0">
-                <a:latin typeface="Open Sans Light" charset="0"/>
+                <a:latin typeface="Open Sans Light"/>
                 <a:ea typeface="Open Sans Light" charset="0"/>
-                <a:cs typeface="Open Sans Light" charset="0"/>
+                <a:cs typeface="Open Sans Light"/>
               </a:rPr>
-              <a:t>Zapier</a:t>
+              <a:t>Downlink builder</a:t>
             </a:r>
             <a:endParaRPr lang="en-US" sz="1800" dirty="0">
-              <a:latin typeface="Open Sans Light" charset="0"/>
+              <a:latin typeface="Open Sans Light"/>
               <a:ea typeface="Open Sans Light" charset="0"/>
-              <a:cs typeface="Open Sans Light" charset="0"/>
+              <a:cs typeface="Open Sans Light"/>
             </a:endParaRPr>
           </a:p>
         </p:txBody>
       </p:sp>
+      <p:cxnSp>
+        <p:nvCxnSpPr>
+          <p:cNvPr id="24" name="Straight Connector 23"/>
+          <p:cNvCxnSpPr>
+            <a:stCxn id="5" idx="3"/>
+            <a:endCxn id="9" idx="1"/>
+          </p:cNvCxnSpPr>
+          <p:nvPr/>
+        </p:nvCxnSpPr>
+        <p:spPr>
+          <a:xfrm flipV="1">
+            <a:off x="3123221" y="1042959"/>
+            <a:ext cx="615356" cy="696221"/>
+          </a:xfrm>
+          <a:prstGeom prst="line">
+            <a:avLst/>
+          </a:prstGeom>
+          <a:ln w="25400">
+            <a:solidFill>
+              <a:schemeClr val="accent2"/>
+            </a:solidFill>
+            <a:headEnd type="none"/>
+            <a:tailEnd type="triangle" w="lg" len="lg"/>
+          </a:ln>
+        </p:spPr>
+        <p:style>
+          <a:lnRef idx="1">
+            <a:schemeClr val="accent1"/>
+          </a:lnRef>
+          <a:fillRef idx="0">
+            <a:schemeClr val="accent1"/>
+          </a:fillRef>
+          <a:effectRef idx="0">
+            <a:schemeClr val="accent1"/>
+          </a:effectRef>
+          <a:fontRef idx="minor">
+            <a:schemeClr val="tx1"/>
+          </a:fontRef>
+        </p:style>
+      </p:cxnSp>
+      <p:cxnSp>
+        <p:nvCxnSpPr>
+          <p:cNvPr id="25" name="Straight Connector 24"/>
+          <p:cNvCxnSpPr>
+            <a:stCxn id="7" idx="3"/>
+            <a:endCxn id="9" idx="1"/>
+          </p:cNvCxnSpPr>
+          <p:nvPr/>
+        </p:nvCxnSpPr>
+        <p:spPr>
+          <a:xfrm flipV="1">
+            <a:off x="3123221" y="1042959"/>
+            <a:ext cx="615356" cy="128096"/>
+          </a:xfrm>
+          <a:prstGeom prst="line">
+            <a:avLst/>
+          </a:prstGeom>
+          <a:ln w="25400">
+            <a:solidFill>
+              <a:schemeClr val="accent2"/>
+            </a:solidFill>
+            <a:headEnd type="none"/>
+            <a:tailEnd type="triangle" w="lg" len="lg"/>
+          </a:ln>
+        </p:spPr>
+        <p:style>
+          <a:lnRef idx="1">
+            <a:schemeClr val="accent1"/>
+          </a:lnRef>
+          <a:fillRef idx="0">
+            <a:schemeClr val="accent1"/>
+          </a:fillRef>
+          <a:effectRef idx="0">
+            <a:schemeClr val="accent1"/>
+          </a:effectRef>
+          <a:fontRef idx="minor">
+            <a:schemeClr val="tx1"/>
+          </a:fontRef>
+        </p:style>
+      </p:cxnSp>
+      <p:cxnSp>
+        <p:nvCxnSpPr>
+          <p:cNvPr id="42" name="Straight Connector 41"/>
+          <p:cNvCxnSpPr/>
+          <p:nvPr/>
+        </p:nvCxnSpPr>
+        <p:spPr>
+          <a:xfrm flipH="1">
+            <a:off x="3275622" y="2264713"/>
+            <a:ext cx="1188934" cy="382090"/>
+          </a:xfrm>
+          <a:prstGeom prst="line">
+            <a:avLst/>
+          </a:prstGeom>
+          <a:ln w="25400">
+            <a:solidFill>
+              <a:srgbClr val="FF6600"/>
+            </a:solidFill>
+            <a:headEnd type="none"/>
+            <a:tailEnd type="triangle" w="lg" len="lg"/>
+          </a:ln>
+        </p:spPr>
+        <p:style>
+          <a:lnRef idx="1">
+            <a:schemeClr val="accent1"/>
+          </a:lnRef>
+          <a:fillRef idx="0">
+            <a:schemeClr val="accent1"/>
+          </a:fillRef>
+          <a:effectRef idx="0">
+            <a:schemeClr val="accent1"/>
+          </a:effectRef>
+          <a:fontRef idx="minor">
+            <a:schemeClr val="tx1"/>
+          </a:fontRef>
+        </p:style>
+      </p:cxnSp>
       <p:sp>
         <p:nvSpPr>
-          <p:cNvPr id="12" name="Rectangle 11"/>
+          <p:cNvPr id="10" name="Can 9"/>
           <p:cNvSpPr/>
           <p:nvPr/>
         </p:nvSpPr>
         <p:spPr>
           <a:xfrm>
-            <a:off x="5445344" y="1624121"/>
-            <a:ext cx="1200150" cy="485994"/>
+            <a:off x="5540655" y="2294344"/>
+            <a:ext cx="925574" cy="496214"/>
           </a:xfrm>
-          <a:prstGeom prst="rect">
+          <a:prstGeom prst="can">
             <a:avLst/>
           </a:prstGeom>
           <a:solidFill>
-            <a:schemeClr val="accent3"/>
+            <a:srgbClr val="FF6600"/>
           </a:solidFill>
           <a:ln>
             <a:solidFill>
@@ -2658,50 +6571,108 @@
           </a:fontRef>
         </p:style>
         <p:txBody>
-          <a:bodyPr lIns="68681" tIns="34340" rIns="68681" bIns="34340" anchor="ctr"/>
+          <a:bodyPr rtlCol="0" anchor="ctr"/>
           <a:lstStyle/>
           <a:p>
-            <a:pPr algn="ctr" defTabSz="343403" eaLnBrk="1" fontAlgn="auto" hangingPunct="1">
-              <a:spcBef>
-                <a:spcPts val="0"/>
-              </a:spcBef>
-              <a:spcAft>
-                <a:spcPts val="0"/>
-              </a:spcAft>
-              <a:defRPr/>
-            </a:pPr>
+            <a:pPr algn="ctr"/>
             <a:r>
-              <a:rPr lang="en-US" sz="1800" dirty="0" smtClean="0">
-                <a:latin typeface="Open Sans Light" charset="0"/>
-                <a:ea typeface="Open Sans Light" charset="0"/>
-                <a:cs typeface="Open Sans Light" charset="0"/>
+              <a:rPr lang="en-US" sz="2400" dirty="0" smtClean="0">
+                <a:latin typeface="Open Sans Light"/>
+                <a:cs typeface="Open Sans Light"/>
               </a:rPr>
-              <a:t>SMS</a:t>
+              <a:t>state</a:t>
             </a:r>
-            <a:endParaRPr lang="en-US" sz="1800" dirty="0">
-              <a:latin typeface="Open Sans Light" charset="0"/>
-              <a:ea typeface="Open Sans Light" charset="0"/>
-              <a:cs typeface="Open Sans Light" charset="0"/>
+            <a:endParaRPr lang="en-US" sz="2400" dirty="0" smtClean="0">
+              <a:latin typeface="Open Sans Light"/>
+              <a:cs typeface="Open Sans Light"/>
+            </a:endParaRPr>
+          </a:p>
+        </p:txBody>
+      </p:sp>
+      <p:cxnSp>
+        <p:nvCxnSpPr>
+          <p:cNvPr id="33" name="Straight Connector 32"/>
+          <p:cNvCxnSpPr>
+            <a:endCxn id="10" idx="0"/>
+          </p:cNvCxnSpPr>
+          <p:nvPr/>
+        </p:nvCxnSpPr>
+        <p:spPr>
+          <a:xfrm>
+            <a:off x="6003442" y="1739180"/>
+            <a:ext cx="0" cy="679218"/>
+          </a:xfrm>
+          <a:prstGeom prst="line">
+            <a:avLst/>
+          </a:prstGeom>
+          <a:ln w="12700">
+            <a:solidFill>
+              <a:srgbClr val="FF6600"/>
+            </a:solidFill>
+            <a:headEnd type="none"/>
+            <a:tailEnd type="triangle" w="lg" len="lg"/>
+          </a:ln>
+        </p:spPr>
+        <p:style>
+          <a:lnRef idx="1">
+            <a:schemeClr val="accent1"/>
+          </a:lnRef>
+          <a:fillRef idx="0">
+            <a:schemeClr val="accent1"/>
+          </a:fillRef>
+          <a:effectRef idx="0">
+            <a:schemeClr val="accent1"/>
+          </a:effectRef>
+          <a:fontRef idx="minor">
+            <a:schemeClr val="tx1"/>
+          </a:fontRef>
+        </p:style>
+      </p:cxnSp>
+      <p:sp>
+        <p:nvSpPr>
+          <p:cNvPr id="4" name="TextBox 3"/>
+          <p:cNvSpPr txBox="1"/>
+          <p:nvPr/>
+        </p:nvSpPr>
+        <p:spPr>
+          <a:xfrm>
+            <a:off x="-525996" y="3386244"/>
+            <a:ext cx="184666" cy="307777"/>
+          </a:xfrm>
+          <a:prstGeom prst="rect">
+            <a:avLst/>
+          </a:prstGeom>
+          <a:noFill/>
+        </p:spPr>
+        <p:txBody>
+          <a:bodyPr wrap="none" rtlCol="0">
+            <a:spAutoFit/>
+          </a:bodyPr>
+          <a:lstStyle/>
+          <a:p>
+            <a:endParaRPr lang="en-US" dirty="0">
+              <a:latin typeface="Open Sans Light"/>
+              <a:cs typeface="Open Sans Light"/>
             </a:endParaRPr>
           </a:p>
         </p:txBody>
       </p:sp>
       <p:sp>
         <p:nvSpPr>
-          <p:cNvPr id="15" name="Rectangle 14"/>
+          <p:cNvPr id="53" name="Rectangle 52"/>
           <p:cNvSpPr/>
           <p:nvPr/>
         </p:nvSpPr>
         <p:spPr>
           <a:xfrm>
-            <a:off x="5445344" y="949420"/>
-            <a:ext cx="1200150" cy="485994"/>
+            <a:off x="5490887" y="703403"/>
+            <a:ext cx="1642973" cy="1152504"/>
           </a:xfrm>
           <a:prstGeom prst="rect">
             <a:avLst/>
           </a:prstGeom>
           <a:solidFill>
-            <a:schemeClr val="accent3"/>
+            <a:srgbClr val="FF6600"/>
           </a:solidFill>
           <a:ln>
             <a:solidFill>
@@ -2726,7 +6697,7 @@
           </a:fontRef>
         </p:style>
         <p:txBody>
-          <a:bodyPr lIns="68681" tIns="34340" rIns="68681" bIns="34340" anchor="ctr"/>
+          <a:bodyPr lIns="68681" tIns="34340" rIns="68681" bIns="34340" anchor="t"/>
           <a:lstStyle/>
           <a:p>
             <a:pPr algn="ctr" defTabSz="343403" eaLnBrk="1" fontAlgn="auto" hangingPunct="1">
@@ -2740,110 +6711,182 @@
             </a:pPr>
             <a:r>
               <a:rPr lang="en-US" sz="1800" dirty="0" smtClean="0">
-                <a:latin typeface="Open Sans Light" charset="0"/>
+                <a:latin typeface="Open Sans Light"/>
                 <a:ea typeface="Open Sans Light" charset="0"/>
-                <a:cs typeface="Open Sans Light" charset="0"/>
+                <a:cs typeface="Open Sans Light"/>
               </a:rPr>
-              <a:t>Email</a:t>
+              <a:t>Service</a:t>
             </a:r>
             <a:endParaRPr lang="en-US" sz="1800" dirty="0">
-              <a:latin typeface="Open Sans Light" charset="0"/>
+              <a:latin typeface="Open Sans Light"/>
               <a:ea typeface="Open Sans Light" charset="0"/>
-              <a:cs typeface="Open Sans Light" charset="0"/>
+              <a:cs typeface="Open Sans Light"/>
             </a:endParaRPr>
           </a:p>
         </p:txBody>
       </p:sp>
-      <p:cxnSp>
-        <p:nvCxnSpPr>
-          <p:cNvPr id="11" name="Straight Connector 10"/>
-          <p:cNvCxnSpPr>
-            <a:stCxn id="20" idx="3"/>
-            <a:endCxn id="12" idx="1"/>
-          </p:cNvCxnSpPr>
+      <p:pic>
+        <p:nvPicPr>
+          <p:cNvPr id="54" name="Picture 53" descr="Users.png"/>
+          <p:cNvPicPr>
+            <a:picLocks noChangeAspect="1"/>
+          </p:cNvPicPr>
           <p:nvPr/>
-        </p:nvCxnSpPr>
+        </p:nvPicPr>
+        <p:blipFill>
+          <a:blip r:embed="rId3">
+            <a:extLst>
+              <a:ext uri="{28A0092B-C50C-407E-A947-70E740481C1C}">
+                <a14:useLocalDpi xmlns:a14="http://schemas.microsoft.com/office/drawing/2010/main" val="0"/>
+              </a:ext>
+            </a:extLst>
+          </a:blip>
+          <a:stretch>
+            <a:fillRect/>
+          </a:stretch>
+        </p:blipFill>
         <p:spPr>
-          <a:xfrm flipV="1">
-            <a:off x="4938727" y="1867118"/>
-            <a:ext cx="506617" cy="1385594"/>
+          <a:xfrm>
+            <a:off x="8055185" y="3580484"/>
+            <a:ext cx="627151" cy="627151"/>
           </a:xfrm>
-          <a:prstGeom prst="line">
+          <a:prstGeom prst="rect">
             <a:avLst/>
           </a:prstGeom>
-          <a:ln w="25400">
-            <a:solidFill>
-              <a:schemeClr val="accent3"/>
-            </a:solidFill>
-            <a:headEnd type="none"/>
-            <a:tailEnd type="triangle" w="lg" len="lg"/>
-          </a:ln>
         </p:spPr>
-        <p:style>
-          <a:lnRef idx="1">
-            <a:schemeClr val="accent1"/>
-          </a:lnRef>
-          <a:fillRef idx="0">
-            <a:schemeClr val="accent1"/>
-          </a:fillRef>
-          <a:effectRef idx="0">
-            <a:schemeClr val="accent1"/>
-          </a:effectRef>
-          <a:fontRef idx="minor">
-            <a:schemeClr val="tx1"/>
-          </a:fontRef>
-        </p:style>
-      </p:cxnSp>
-      <p:cxnSp>
-        <p:nvCxnSpPr>
-          <p:cNvPr id="14" name="Straight Connector 13"/>
-          <p:cNvCxnSpPr>
-            <a:stCxn id="20" idx="3"/>
-            <a:endCxn id="15" idx="1"/>
-          </p:cNvCxnSpPr>
-          <p:nvPr/>
-        </p:nvCxnSpPr>
-        <p:spPr>
-          <a:xfrm flipV="1">
-            <a:off x="4938727" y="1192417"/>
-            <a:ext cx="506617" cy="2060295"/>
-          </a:xfrm>
-          <a:prstGeom prst="line">
-            <a:avLst/>
-          </a:prstGeom>
-          <a:ln w="25400">
-            <a:solidFill>
-              <a:schemeClr val="accent3"/>
-            </a:solidFill>
-            <a:headEnd type="none"/>
-            <a:tailEnd type="triangle" w="lg" len="lg"/>
-          </a:ln>
-        </p:spPr>
-        <p:style>
-          <a:lnRef idx="1">
-            <a:schemeClr val="accent1"/>
-          </a:lnRef>
-          <a:fillRef idx="0">
-            <a:schemeClr val="accent1"/>
-          </a:fillRef>
-          <a:effectRef idx="0">
-            <a:schemeClr val="accent1"/>
-          </a:effectRef>
-          <a:fontRef idx="minor">
-            <a:schemeClr val="tx1"/>
-          </a:fontRef>
-        </p:style>
-      </p:cxnSp>
+      </p:pic>
       <p:sp>
         <p:nvSpPr>
-          <p:cNvPr id="22" name="Rectangle 21"/>
+          <p:cNvPr id="57" name="Rectangle 56"/>
           <p:cNvSpPr/>
           <p:nvPr/>
         </p:nvSpPr>
         <p:spPr>
           <a:xfrm>
-            <a:off x="1923071" y="2085669"/>
-            <a:ext cx="1200150" cy="426244"/>
+            <a:off x="7849399" y="2902251"/>
+            <a:ext cx="1066884" cy="678233"/>
+          </a:xfrm>
+          <a:prstGeom prst="rect">
+            <a:avLst/>
+          </a:prstGeom>
+          <a:solidFill>
+            <a:srgbClr val="C0504D"/>
+          </a:solidFill>
+          <a:ln>
+            <a:solidFill>
+              <a:schemeClr val="bg1"/>
+            </a:solidFill>
+          </a:ln>
+        </p:spPr>
+        <p:style>
+          <a:lnRef idx="2">
+            <a:schemeClr val="accent1">
+              <a:shade val="50000"/>
+            </a:schemeClr>
+          </a:lnRef>
+          <a:fillRef idx="1">
+            <a:schemeClr val="accent1"/>
+          </a:fillRef>
+          <a:effectRef idx="0">
+            <a:schemeClr val="accent1"/>
+          </a:effectRef>
+          <a:fontRef idx="minor">
+            <a:schemeClr val="lt1"/>
+          </a:fontRef>
+        </p:style>
+        <p:txBody>
+          <a:bodyPr lIns="68681" tIns="34340" rIns="68681" bIns="34340" anchor="ctr"/>
+          <a:lstStyle/>
+          <a:p>
+            <a:pPr algn="ctr" defTabSz="343403" eaLnBrk="1" fontAlgn="auto" hangingPunct="1">
+              <a:spcBef>
+                <a:spcPts val="0"/>
+              </a:spcBef>
+              <a:spcAft>
+                <a:spcPts val="0"/>
+              </a:spcAft>
+              <a:defRPr/>
+            </a:pPr>
+            <a:r>
+              <a:rPr lang="en-US" sz="1800" dirty="0" smtClean="0">
+                <a:latin typeface="Open Sans Light"/>
+                <a:ea typeface="Open Sans Light" charset="0"/>
+                <a:cs typeface="Open Sans Light"/>
+              </a:rPr>
+              <a:t>Tableau</a:t>
+            </a:r>
+          </a:p>
+          <a:p>
+            <a:pPr algn="ctr" defTabSz="343403" eaLnBrk="1" fontAlgn="auto" hangingPunct="1">
+              <a:spcBef>
+                <a:spcPts val="0"/>
+              </a:spcBef>
+              <a:spcAft>
+                <a:spcPts val="0"/>
+              </a:spcAft>
+              <a:defRPr/>
+            </a:pPr>
+            <a:r>
+              <a:rPr lang="en-US" sz="1800" dirty="0" err="1" smtClean="0">
+                <a:latin typeface="Open Sans Light"/>
+                <a:ea typeface="Open Sans Light" charset="0"/>
+                <a:cs typeface="Open Sans Light"/>
+              </a:rPr>
+              <a:t>viz</a:t>
+            </a:r>
+            <a:endParaRPr lang="en-US" sz="1800" dirty="0">
+              <a:latin typeface="Open Sans Light"/>
+              <a:ea typeface="Open Sans Light" charset="0"/>
+              <a:cs typeface="Open Sans Light"/>
+            </a:endParaRPr>
+          </a:p>
+        </p:txBody>
+      </p:sp>
+      <p:sp>
+        <p:nvSpPr>
+          <p:cNvPr id="29" name="Rectangle 28"/>
+          <p:cNvSpPr/>
+          <p:nvPr/>
+        </p:nvSpPr>
+        <p:spPr>
+          <a:xfrm>
+            <a:off x="4146464" y="3540132"/>
+            <a:ext cx="1954381" cy="307777"/>
+          </a:xfrm>
+          <a:prstGeom prst="rect">
+            <a:avLst/>
+          </a:prstGeom>
+        </p:spPr>
+        <p:txBody>
+          <a:bodyPr wrap="none">
+            <a:spAutoFit/>
+          </a:bodyPr>
+          <a:lstStyle/>
+          <a:p>
+            <a:r>
+              <a:rPr lang="pt-BR" dirty="0" err="1">
+                <a:latin typeface="Open Sans Light"/>
+                <a:cs typeface="Open Sans Light"/>
+              </a:rPr>
+              <a:t>Recon.sublime-syntax</a:t>
+            </a:r>
+            <a:endParaRPr lang="en-US" dirty="0">
+              <a:latin typeface="Open Sans Light"/>
+              <a:cs typeface="Open Sans Light"/>
+            </a:endParaRPr>
+          </a:p>
+        </p:txBody>
+      </p:sp>
+      <p:sp>
+        <p:nvSpPr>
+          <p:cNvPr id="62" name="Rectangle 61"/>
+          <p:cNvSpPr/>
+          <p:nvPr/>
+        </p:nvSpPr>
+        <p:spPr>
+          <a:xfrm>
+            <a:off x="-1952892" y="2682193"/>
+            <a:ext cx="1200150" cy="463929"/>
           </a:xfrm>
           <a:prstGeom prst="rect">
             <a:avLst/>
@@ -2888,33 +6931,40 @@
             </a:pPr>
             <a:r>
               <a:rPr lang="en-US" sz="1800" dirty="0" smtClean="0">
-                <a:latin typeface="Open Sans Light" charset="0"/>
+                <a:latin typeface="Open Sans Light"/>
                 <a:ea typeface="Open Sans Light" charset="0"/>
-                <a:cs typeface="Open Sans Light" charset="0"/>
+                <a:cs typeface="Open Sans Light"/>
               </a:rPr>
-              <a:t>TravisCI</a:t>
+              <a:t>recon-</a:t>
+            </a:r>
+            <a:r>
+              <a:rPr lang="en-US" sz="1800" dirty="0" err="1" smtClean="0">
+                <a:latin typeface="Open Sans Light"/>
+                <a:ea typeface="Open Sans Light" charset="0"/>
+                <a:cs typeface="Open Sans Light"/>
+              </a:rPr>
+              <a:t>js</a:t>
             </a:r>
             <a:endParaRPr lang="en-US" sz="1800" dirty="0">
-              <a:latin typeface="Open Sans Light" charset="0"/>
+              <a:latin typeface="Open Sans Light"/>
               <a:ea typeface="Open Sans Light" charset="0"/>
-              <a:cs typeface="Open Sans Light" charset="0"/>
+              <a:cs typeface="Open Sans Light"/>
             </a:endParaRPr>
           </a:p>
         </p:txBody>
       </p:sp>
       <p:cxnSp>
         <p:nvCxnSpPr>
-          <p:cNvPr id="23" name="Straight Connector 22"/>
+          <p:cNvPr id="64" name="Straight Connector 63"/>
           <p:cNvCxnSpPr>
-            <a:stCxn id="22" idx="3"/>
-            <a:endCxn id="9" idx="1"/>
+            <a:stCxn id="62" idx="0"/>
           </p:cNvCxnSpPr>
           <p:nvPr/>
         </p:nvCxnSpPr>
         <p:spPr>
           <a:xfrm flipV="1">
-            <a:off x="3123221" y="1164935"/>
-            <a:ext cx="615356" cy="1133856"/>
+            <a:off x="-1352817" y="2311336"/>
+            <a:ext cx="0" cy="370857"/>
           </a:xfrm>
           <a:prstGeom prst="line">
             <a:avLst/>
@@ -2942,312 +6992,16 @@
           </a:fontRef>
         </p:style>
       </p:cxnSp>
-      <p:cxnSp>
-        <p:nvCxnSpPr>
-          <p:cNvPr id="24" name="Straight Connector 23"/>
-          <p:cNvCxnSpPr>
-            <a:stCxn id="5" idx="3"/>
-            <a:endCxn id="9" idx="1"/>
-          </p:cNvCxnSpPr>
-          <p:nvPr/>
-        </p:nvCxnSpPr>
-        <p:spPr>
-          <a:xfrm flipV="1">
-            <a:off x="3123221" y="1164935"/>
-            <a:ext cx="615356" cy="574245"/>
-          </a:xfrm>
-          <a:prstGeom prst="line">
-            <a:avLst/>
-          </a:prstGeom>
-          <a:ln w="25400">
-            <a:solidFill>
-              <a:schemeClr val="accent2"/>
-            </a:solidFill>
-            <a:headEnd type="none"/>
-            <a:tailEnd type="triangle" w="lg" len="lg"/>
-          </a:ln>
-        </p:spPr>
-        <p:style>
-          <a:lnRef idx="1">
-            <a:schemeClr val="accent1"/>
-          </a:lnRef>
-          <a:fillRef idx="0">
-            <a:schemeClr val="accent1"/>
-          </a:fillRef>
-          <a:effectRef idx="0">
-            <a:schemeClr val="accent1"/>
-          </a:effectRef>
-          <a:fontRef idx="minor">
-            <a:schemeClr val="tx1"/>
-          </a:fontRef>
-        </p:style>
-      </p:cxnSp>
-      <p:cxnSp>
-        <p:nvCxnSpPr>
-          <p:cNvPr id="25" name="Straight Connector 24"/>
-          <p:cNvCxnSpPr>
-            <a:stCxn id="7" idx="3"/>
-            <a:endCxn id="9" idx="1"/>
-          </p:cNvCxnSpPr>
-          <p:nvPr/>
-        </p:nvCxnSpPr>
-        <p:spPr>
-          <a:xfrm flipV="1">
-            <a:off x="3123221" y="1164935"/>
-            <a:ext cx="615356" cy="6120"/>
-          </a:xfrm>
-          <a:prstGeom prst="line">
-            <a:avLst/>
-          </a:prstGeom>
-          <a:ln w="25400">
-            <a:solidFill>
-              <a:schemeClr val="accent2"/>
-            </a:solidFill>
-            <a:headEnd type="none"/>
-            <a:tailEnd type="triangle" w="lg" len="lg"/>
-          </a:ln>
-        </p:spPr>
-        <p:style>
-          <a:lnRef idx="1">
-            <a:schemeClr val="accent1"/>
-          </a:lnRef>
-          <a:fillRef idx="0">
-            <a:schemeClr val="accent1"/>
-          </a:fillRef>
-          <a:effectRef idx="0">
-            <a:schemeClr val="accent1"/>
-          </a:effectRef>
-          <a:fontRef idx="minor">
-            <a:schemeClr val="tx1"/>
-          </a:fontRef>
-        </p:style>
-      </p:cxnSp>
       <p:sp>
         <p:nvSpPr>
-          <p:cNvPr id="35" name="Rectangle 34"/>
+          <p:cNvPr id="65" name="Rectangle 64"/>
           <p:cNvSpPr/>
           <p:nvPr/>
         </p:nvSpPr>
         <p:spPr>
           <a:xfrm>
-            <a:off x="5445344" y="2298822"/>
-            <a:ext cx="1200150" cy="485994"/>
-          </a:xfrm>
-          <a:prstGeom prst="rect">
-            <a:avLst/>
-          </a:prstGeom>
-          <a:solidFill>
-            <a:schemeClr val="accent3"/>
-          </a:solidFill>
-          <a:ln>
-            <a:solidFill>
-              <a:schemeClr val="bg1"/>
-            </a:solidFill>
-          </a:ln>
-        </p:spPr>
-        <p:style>
-          <a:lnRef idx="2">
-            <a:schemeClr val="accent1">
-              <a:shade val="50000"/>
-            </a:schemeClr>
-          </a:lnRef>
-          <a:fillRef idx="1">
-            <a:schemeClr val="accent1"/>
-          </a:fillRef>
-          <a:effectRef idx="0">
-            <a:schemeClr val="accent1"/>
-          </a:effectRef>
-          <a:fontRef idx="minor">
-            <a:schemeClr val="lt1"/>
-          </a:fontRef>
-        </p:style>
-        <p:txBody>
-          <a:bodyPr lIns="68681" tIns="34340" rIns="68681" bIns="34340" anchor="ctr"/>
-          <a:lstStyle/>
-          <a:p>
-            <a:pPr algn="ctr" defTabSz="343403" eaLnBrk="1" fontAlgn="auto" hangingPunct="1">
-              <a:spcBef>
-                <a:spcPts val="0"/>
-              </a:spcBef>
-              <a:spcAft>
-                <a:spcPts val="0"/>
-              </a:spcAft>
-              <a:defRPr/>
-            </a:pPr>
-            <a:r>
-              <a:rPr lang="en-US" sz="1800" dirty="0" smtClean="0">
-                <a:latin typeface="Open Sans Light" charset="0"/>
-                <a:ea typeface="Open Sans Light" charset="0"/>
-                <a:cs typeface="Open Sans Light" charset="0"/>
-              </a:rPr>
-              <a:t>Slack</a:t>
-            </a:r>
-            <a:endParaRPr lang="en-US" sz="1800" dirty="0">
-              <a:latin typeface="Open Sans Light" charset="0"/>
-              <a:ea typeface="Open Sans Light" charset="0"/>
-              <a:cs typeface="Open Sans Light" charset="0"/>
-            </a:endParaRPr>
-          </a:p>
-        </p:txBody>
-      </p:sp>
-      <p:cxnSp>
-        <p:nvCxnSpPr>
-          <p:cNvPr id="36" name="Straight Connector 35"/>
-          <p:cNvCxnSpPr>
-            <a:stCxn id="20" idx="3"/>
-            <a:endCxn id="35" idx="1"/>
-          </p:cNvCxnSpPr>
-          <p:nvPr/>
-        </p:nvCxnSpPr>
-        <p:spPr>
-          <a:xfrm flipV="1">
-            <a:off x="4938727" y="2541819"/>
-            <a:ext cx="506617" cy="710893"/>
-          </a:xfrm>
-          <a:prstGeom prst="line">
-            <a:avLst/>
-          </a:prstGeom>
-          <a:ln w="25400">
-            <a:solidFill>
-              <a:schemeClr val="accent3"/>
-            </a:solidFill>
-            <a:headEnd type="none"/>
-            <a:tailEnd type="triangle" w="lg" len="lg"/>
-          </a:ln>
-        </p:spPr>
-        <p:style>
-          <a:lnRef idx="1">
-            <a:schemeClr val="accent1"/>
-          </a:lnRef>
-          <a:fillRef idx="0">
-            <a:schemeClr val="accent1"/>
-          </a:fillRef>
-          <a:effectRef idx="0">
-            <a:schemeClr val="accent1"/>
-          </a:effectRef>
-          <a:fontRef idx="minor">
-            <a:schemeClr val="tx1"/>
-          </a:fontRef>
-        </p:style>
-      </p:cxnSp>
-      <p:sp>
-        <p:nvSpPr>
-          <p:cNvPr id="38" name="Rectangle 37"/>
-          <p:cNvSpPr/>
-          <p:nvPr/>
-        </p:nvSpPr>
-        <p:spPr>
-          <a:xfrm>
-            <a:off x="5445344" y="2973523"/>
-            <a:ext cx="1200150" cy="485994"/>
-          </a:xfrm>
-          <a:prstGeom prst="rect">
-            <a:avLst/>
-          </a:prstGeom>
-          <a:solidFill>
-            <a:schemeClr val="accent3"/>
-          </a:solidFill>
-          <a:ln>
-            <a:solidFill>
-              <a:schemeClr val="bg1"/>
-            </a:solidFill>
-          </a:ln>
-        </p:spPr>
-        <p:style>
-          <a:lnRef idx="2">
-            <a:schemeClr val="accent1">
-              <a:shade val="50000"/>
-            </a:schemeClr>
-          </a:lnRef>
-          <a:fillRef idx="1">
-            <a:schemeClr val="accent1"/>
-          </a:fillRef>
-          <a:effectRef idx="0">
-            <a:schemeClr val="accent1"/>
-          </a:effectRef>
-          <a:fontRef idx="minor">
-            <a:schemeClr val="lt1"/>
-          </a:fontRef>
-        </p:style>
-        <p:txBody>
-          <a:bodyPr lIns="68681" tIns="34340" rIns="68681" bIns="34340" anchor="ctr"/>
-          <a:lstStyle/>
-          <a:p>
-            <a:pPr algn="ctr" defTabSz="343403" eaLnBrk="1" fontAlgn="auto" hangingPunct="1">
-              <a:spcBef>
-                <a:spcPts val="0"/>
-              </a:spcBef>
-              <a:spcAft>
-                <a:spcPts val="0"/>
-              </a:spcAft>
-              <a:defRPr/>
-            </a:pPr>
-            <a:r>
-              <a:rPr lang="en-US" sz="1800" dirty="0" smtClean="0">
-                <a:latin typeface="Open Sans Light" charset="0"/>
-                <a:ea typeface="Open Sans Light" charset="0"/>
-                <a:cs typeface="Open Sans Light" charset="0"/>
-              </a:rPr>
-              <a:t>Gitter</a:t>
-            </a:r>
-            <a:endParaRPr lang="en-US" sz="1800" dirty="0">
-              <a:latin typeface="Open Sans Light" charset="0"/>
-              <a:ea typeface="Open Sans Light" charset="0"/>
-              <a:cs typeface="Open Sans Light" charset="0"/>
-            </a:endParaRPr>
-          </a:p>
-        </p:txBody>
-      </p:sp>
-      <p:cxnSp>
-        <p:nvCxnSpPr>
-          <p:cNvPr id="39" name="Straight Connector 38"/>
-          <p:cNvCxnSpPr>
-            <a:stCxn id="20" idx="3"/>
-            <a:endCxn id="38" idx="1"/>
-          </p:cNvCxnSpPr>
-          <p:nvPr/>
-        </p:nvCxnSpPr>
-        <p:spPr>
-          <a:xfrm flipV="1">
-            <a:off x="4938727" y="3216520"/>
-            <a:ext cx="506617" cy="36192"/>
-          </a:xfrm>
-          <a:prstGeom prst="line">
-            <a:avLst/>
-          </a:prstGeom>
-          <a:ln w="25400">
-            <a:solidFill>
-              <a:schemeClr val="accent3"/>
-            </a:solidFill>
-            <a:headEnd type="none"/>
-            <a:tailEnd type="triangle" w="lg" len="lg"/>
-          </a:ln>
-        </p:spPr>
-        <p:style>
-          <a:lnRef idx="1">
-            <a:schemeClr val="accent1"/>
-          </a:lnRef>
-          <a:fillRef idx="0">
-            <a:schemeClr val="accent1"/>
-          </a:fillRef>
-          <a:effectRef idx="0">
-            <a:schemeClr val="accent1"/>
-          </a:effectRef>
-          <a:fontRef idx="minor">
-            <a:schemeClr val="tx1"/>
-          </a:fontRef>
-        </p:style>
-      </p:cxnSp>
-      <p:sp>
-        <p:nvSpPr>
-          <p:cNvPr id="18" name="Rectangle 17"/>
-          <p:cNvSpPr/>
-          <p:nvPr/>
-        </p:nvSpPr>
-        <p:spPr>
-          <a:xfrm>
-            <a:off x="1923071" y="2626438"/>
-            <a:ext cx="1200150" cy="426244"/>
+            <a:off x="-1082057" y="3592391"/>
+            <a:ext cx="1200150" cy="835348"/>
           </a:xfrm>
           <a:prstGeom prst="rect">
             <a:avLst/>
@@ -3291,34 +7045,33 @@
               <a:defRPr/>
             </a:pPr>
             <a:r>
-              <a:rPr lang="en-US" sz="1800" dirty="0" smtClean="0">
-                <a:latin typeface="Open Sans Light" charset="0"/>
+              <a:rPr lang="pt-BR" sz="1800" dirty="0" err="1">
+                <a:latin typeface="Open Sans Light"/>
                 <a:ea typeface="Open Sans Light" charset="0"/>
-                <a:cs typeface="Open Sans Light" charset="0"/>
+                <a:cs typeface="Open Sans Light"/>
               </a:rPr>
-              <a:t>Bamboo</a:t>
+              <a:t>swim-service-js</a:t>
             </a:r>
             <a:endParaRPr lang="en-US" sz="1800" dirty="0">
-              <a:latin typeface="Open Sans Light" charset="0"/>
+              <a:latin typeface="Open Sans Light"/>
               <a:ea typeface="Open Sans Light" charset="0"/>
-              <a:cs typeface="Open Sans Light" charset="0"/>
+              <a:cs typeface="Open Sans Light"/>
             </a:endParaRPr>
           </a:p>
         </p:txBody>
       </p:sp>
       <p:cxnSp>
         <p:nvCxnSpPr>
-          <p:cNvPr id="19" name="Straight Connector 18"/>
+          <p:cNvPr id="67" name="Straight Connector 66"/>
           <p:cNvCxnSpPr>
-            <a:stCxn id="18" idx="3"/>
-            <a:endCxn id="9" idx="1"/>
+            <a:stCxn id="65" idx="0"/>
           </p:cNvCxnSpPr>
           <p:nvPr/>
         </p:nvCxnSpPr>
         <p:spPr>
           <a:xfrm flipV="1">
-            <a:off x="3123221" y="1164935"/>
-            <a:ext cx="615356" cy="1674625"/>
+            <a:off x="-481982" y="3221535"/>
+            <a:ext cx="0" cy="370856"/>
           </a:xfrm>
           <a:prstGeom prst="line">
             <a:avLst/>
@@ -3348,20 +7101,20 @@
       </p:cxnSp>
       <p:sp>
         <p:nvSpPr>
-          <p:cNvPr id="20" name="Rectangle 19"/>
+          <p:cNvPr id="70" name="Rectangle 69"/>
           <p:cNvSpPr/>
           <p:nvPr/>
         </p:nvSpPr>
         <p:spPr>
           <a:xfrm>
-            <a:off x="3738577" y="3009597"/>
-            <a:ext cx="1200150" cy="486229"/>
+            <a:off x="5706034" y="1063945"/>
+            <a:ext cx="1200150" cy="443270"/>
           </a:xfrm>
           <a:prstGeom prst="rect">
             <a:avLst/>
           </a:prstGeom>
           <a:solidFill>
-            <a:srgbClr val="FF6600"/>
+            <a:srgbClr val="00A9F2"/>
           </a:solidFill>
           <a:ln>
             <a:solidFill>
@@ -3400,16 +7153,152 @@
             </a:pPr>
             <a:r>
               <a:rPr lang="en-US" sz="1800" dirty="0" smtClean="0">
-                <a:latin typeface="Open Sans Light" charset="0"/>
+                <a:latin typeface="Open Sans Light"/>
                 <a:ea typeface="Open Sans Light" charset="0"/>
-                <a:cs typeface="Open Sans Light" charset="0"/>
+                <a:cs typeface="Open Sans Light"/>
               </a:rPr>
-              <a:t>Zapier</a:t>
+              <a:t>ListLane</a:t>
             </a:r>
             <a:endParaRPr lang="en-US" sz="1800" dirty="0">
-              <a:latin typeface="Open Sans Light" charset="0"/>
+              <a:latin typeface="Open Sans Light"/>
               <a:ea typeface="Open Sans Light" charset="0"/>
-              <a:cs typeface="Open Sans Light" charset="0"/>
+              <a:cs typeface="Open Sans Light"/>
+            </a:endParaRPr>
+          </a:p>
+        </p:txBody>
+      </p:sp>
+      <p:sp>
+        <p:nvSpPr>
+          <p:cNvPr id="71" name="Rectangle 70"/>
+          <p:cNvSpPr/>
+          <p:nvPr/>
+        </p:nvSpPr>
+        <p:spPr>
+          <a:xfrm>
+            <a:off x="2075471" y="1101820"/>
+            <a:ext cx="1200150" cy="443270"/>
+          </a:xfrm>
+          <a:prstGeom prst="rect">
+            <a:avLst/>
+          </a:prstGeom>
+          <a:solidFill>
+            <a:srgbClr val="00A9F2"/>
+          </a:solidFill>
+          <a:ln>
+            <a:solidFill>
+              <a:schemeClr val="bg1"/>
+            </a:solidFill>
+          </a:ln>
+        </p:spPr>
+        <p:style>
+          <a:lnRef idx="2">
+            <a:schemeClr val="accent1">
+              <a:shade val="50000"/>
+            </a:schemeClr>
+          </a:lnRef>
+          <a:fillRef idx="1">
+            <a:schemeClr val="accent1"/>
+          </a:fillRef>
+          <a:effectRef idx="0">
+            <a:schemeClr val="accent1"/>
+          </a:effectRef>
+          <a:fontRef idx="minor">
+            <a:schemeClr val="lt1"/>
+          </a:fontRef>
+        </p:style>
+        <p:txBody>
+          <a:bodyPr lIns="68681" tIns="34340" rIns="68681" bIns="34340" anchor="ctr"/>
+          <a:lstStyle/>
+          <a:p>
+            <a:pPr algn="ctr" defTabSz="343403" eaLnBrk="1" fontAlgn="auto" hangingPunct="1">
+              <a:spcBef>
+                <a:spcPts val="0"/>
+              </a:spcBef>
+              <a:spcAft>
+                <a:spcPts val="0"/>
+              </a:spcAft>
+              <a:defRPr/>
+            </a:pPr>
+            <a:r>
+              <a:rPr lang="en-US" sz="1800" dirty="0" smtClean="0">
+                <a:latin typeface="Open Sans Light"/>
+                <a:ea typeface="Open Sans Light" charset="0"/>
+                <a:cs typeface="Open Sans Light"/>
+              </a:rPr>
+              <a:t>Lane</a:t>
+            </a:r>
+            <a:endParaRPr lang="en-US" sz="1800" dirty="0">
+              <a:latin typeface="Open Sans Light"/>
+              <a:ea typeface="Open Sans Light" charset="0"/>
+              <a:cs typeface="Open Sans Light"/>
+            </a:endParaRPr>
+          </a:p>
+        </p:txBody>
+      </p:sp>
+      <p:sp>
+        <p:nvSpPr>
+          <p:cNvPr id="74" name="Rectangle 73"/>
+          <p:cNvSpPr/>
+          <p:nvPr/>
+        </p:nvSpPr>
+        <p:spPr>
+          <a:xfrm>
+            <a:off x="1443317" y="2264713"/>
+            <a:ext cx="1642973" cy="1152504"/>
+          </a:xfrm>
+          <a:prstGeom prst="rect">
+            <a:avLst/>
+          </a:prstGeom>
+          <a:solidFill>
+            <a:schemeClr val="tx1"/>
+          </a:solidFill>
+          <a:ln>
+            <a:solidFill>
+              <a:schemeClr val="bg1"/>
+            </a:solidFill>
+          </a:ln>
+        </p:spPr>
+        <p:style>
+          <a:lnRef idx="2">
+            <a:schemeClr val="accent1">
+              <a:shade val="50000"/>
+            </a:schemeClr>
+          </a:lnRef>
+          <a:fillRef idx="1">
+            <a:schemeClr val="accent1"/>
+          </a:fillRef>
+          <a:effectRef idx="0">
+            <a:schemeClr val="accent1"/>
+          </a:effectRef>
+          <a:fontRef idx="minor">
+            <a:schemeClr val="lt1"/>
+          </a:fontRef>
+        </p:style>
+        <p:txBody>
+          <a:bodyPr lIns="68681" tIns="34340" rIns="68681" bIns="34340" anchor="t"/>
+          <a:lstStyle/>
+          <a:p>
+            <a:pPr algn="ctr" defTabSz="343403" eaLnBrk="1" fontAlgn="auto" hangingPunct="1">
+              <a:spcBef>
+                <a:spcPts val="0"/>
+              </a:spcBef>
+              <a:spcAft>
+                <a:spcPts val="0"/>
+              </a:spcAft>
+              <a:defRPr/>
+            </a:pPr>
+            <a:r>
+              <a:rPr lang="en-US" sz="1800" dirty="0" smtClean="0">
+                <a:latin typeface="Open Sans Light"/>
+                <a:ea typeface="Open Sans Light" charset="0"/>
+                <a:cs typeface="Open Sans Light"/>
+              </a:rPr>
+              <a:t>IoT device</a:t>
+            </a:r>
+            <a:endParaRPr lang="en-US" sz="1800" dirty="0">
+              <a:latin typeface="Open Sans Light"/>
+              <a:ea typeface="Open Sans Light" charset="0"/>
+              <a:cs typeface="Open Sans Light"/>
             </a:endParaRPr>
           </a:p>
         </p:txBody>
@@ -3422,7 +7311,7 @@
         </p:nvSpPr>
         <p:spPr>
           <a:xfrm>
-            <a:off x="3738577" y="1855907"/>
+            <a:off x="1664728" y="2646803"/>
             <a:ext cx="1200150" cy="678233"/>
           </a:xfrm>
           <a:prstGeom prst="rect">
@@ -3467,124 +7356,37 @@
               <a:defRPr/>
             </a:pPr>
             <a:r>
-              <a:rPr lang="tr-TR" sz="1800" dirty="0" smtClean="0">
-                <a:latin typeface="Open Sans Light" charset="0"/>
+              <a:rPr lang="en-US" sz="1800" dirty="0" smtClean="0">
+                <a:latin typeface="Open Sans Light"/>
                 <a:ea typeface="Open Sans Light" charset="0"/>
-                <a:cs typeface="Open Sans Light" charset="0"/>
+                <a:cs typeface="Open Sans Light"/>
               </a:rPr>
-              <a:t>Y</a:t>
-            </a:r>
-            <a:r>
-              <a:rPr lang="en-US" sz="1800" dirty="0" smtClean="0">
-                <a:latin typeface="Open Sans Light" charset="0"/>
-                <a:ea typeface="Open Sans Light" charset="0"/>
-                <a:cs typeface="Open Sans Light" charset="0"/>
-              </a:rPr>
-              <a:t>our process</a:t>
+              <a:t>user agent</a:t>
             </a:r>
             <a:endParaRPr lang="en-US" sz="1800" dirty="0">
-              <a:latin typeface="Open Sans Light" charset="0"/>
+              <a:latin typeface="Open Sans Light"/>
               <a:ea typeface="Open Sans Light" charset="0"/>
-              <a:cs typeface="Open Sans Light" charset="0"/>
+              <a:cs typeface="Open Sans Light"/>
             </a:endParaRPr>
           </a:p>
         </p:txBody>
       </p:sp>
-      <p:cxnSp>
-        <p:nvCxnSpPr>
-          <p:cNvPr id="42" name="Straight Connector 41"/>
-          <p:cNvCxnSpPr>
-            <a:stCxn id="9" idx="2"/>
-            <a:endCxn id="41" idx="0"/>
-          </p:cNvCxnSpPr>
-          <p:nvPr/>
-        </p:nvCxnSpPr>
-        <p:spPr>
-          <a:xfrm>
-            <a:off x="4338652" y="1380450"/>
-            <a:ext cx="0" cy="475457"/>
-          </a:xfrm>
-          <a:prstGeom prst="line">
-            <a:avLst/>
-          </a:prstGeom>
-          <a:ln w="25400">
-            <a:solidFill>
-              <a:srgbClr val="FF6600"/>
-            </a:solidFill>
-            <a:headEnd type="none"/>
-            <a:tailEnd type="triangle" w="lg" len="lg"/>
-          </a:ln>
-        </p:spPr>
-        <p:style>
-          <a:lnRef idx="1">
-            <a:schemeClr val="accent1"/>
-          </a:lnRef>
-          <a:fillRef idx="0">
-            <a:schemeClr val="accent1"/>
-          </a:fillRef>
-          <a:effectRef idx="0">
-            <a:schemeClr val="accent1"/>
-          </a:effectRef>
-          <a:fontRef idx="minor">
-            <a:schemeClr val="tx1"/>
-          </a:fontRef>
-        </p:style>
-      </p:cxnSp>
-      <p:cxnSp>
-        <p:nvCxnSpPr>
-          <p:cNvPr id="45" name="Straight Connector 44"/>
-          <p:cNvCxnSpPr>
-            <a:stCxn id="41" idx="2"/>
-          </p:cNvCxnSpPr>
-          <p:nvPr/>
-        </p:nvCxnSpPr>
-        <p:spPr>
-          <a:xfrm>
-            <a:off x="4338652" y="2534140"/>
-            <a:ext cx="0" cy="475692"/>
-          </a:xfrm>
-          <a:prstGeom prst="line">
-            <a:avLst/>
-          </a:prstGeom>
-          <a:ln w="25400">
-            <a:solidFill>
-              <a:srgbClr val="FF6600"/>
-            </a:solidFill>
-            <a:headEnd type="none"/>
-            <a:tailEnd type="triangle" w="lg" len="lg"/>
-          </a:ln>
-        </p:spPr>
-        <p:style>
-          <a:lnRef idx="1">
-            <a:schemeClr val="accent1"/>
-          </a:lnRef>
-          <a:fillRef idx="0">
-            <a:schemeClr val="accent1"/>
-          </a:fillRef>
-          <a:effectRef idx="0">
-            <a:schemeClr val="accent1"/>
-          </a:effectRef>
-          <a:fontRef idx="minor">
-            <a:schemeClr val="tx1"/>
-          </a:fontRef>
-        </p:style>
-      </p:cxnSp>
       <p:sp>
         <p:nvSpPr>
-          <p:cNvPr id="48" name="Rectangle 47"/>
+          <p:cNvPr id="76" name="Rectangle 75"/>
           <p:cNvSpPr/>
           <p:nvPr/>
         </p:nvSpPr>
         <p:spPr>
           <a:xfrm>
-            <a:off x="5445344" y="3648226"/>
-            <a:ext cx="1200150" cy="485994"/>
+            <a:off x="1443317" y="3592391"/>
+            <a:ext cx="1642973" cy="1152504"/>
           </a:xfrm>
           <a:prstGeom prst="rect">
             <a:avLst/>
           </a:prstGeom>
           <a:solidFill>
-            <a:schemeClr val="accent3"/>
+            <a:schemeClr val="tx1"/>
           </a:solidFill>
           <a:ln>
             <a:solidFill>
@@ -3609,7 +7411,7 @@
           </a:fontRef>
         </p:style>
         <p:txBody>
-          <a:bodyPr lIns="68681" tIns="34340" rIns="68681" bIns="34340" anchor="ctr"/>
+          <a:bodyPr lIns="68681" tIns="34340" rIns="68681" bIns="34340" anchor="t"/>
           <a:lstStyle/>
           <a:p>
             <a:pPr algn="ctr" defTabSz="343403" eaLnBrk="1" fontAlgn="auto" hangingPunct="1">
@@ -3623,117 +7425,36 @@
             </a:pPr>
             <a:r>
               <a:rPr lang="en-US" sz="1800" dirty="0" smtClean="0">
-                <a:latin typeface="Open Sans Light" charset="0"/>
+                <a:latin typeface="Open Sans Light"/>
                 <a:ea typeface="Open Sans Light" charset="0"/>
-                <a:cs typeface="Open Sans Light" charset="0"/>
+                <a:cs typeface="Open Sans Light"/>
               </a:rPr>
-              <a:t>other</a:t>
+              <a:t>iOS, Android</a:t>
             </a:r>
             <a:endParaRPr lang="en-US" sz="1800" dirty="0">
-              <a:latin typeface="Open Sans Light" charset="0"/>
+              <a:latin typeface="Open Sans Light"/>
               <a:ea typeface="Open Sans Light" charset="0"/>
-              <a:cs typeface="Open Sans Light" charset="0"/>
+              <a:cs typeface="Open Sans Light"/>
             </a:endParaRPr>
           </a:p>
         </p:txBody>
       </p:sp>
-      <p:cxnSp>
-        <p:nvCxnSpPr>
-          <p:cNvPr id="49" name="Straight Connector 48"/>
-          <p:cNvCxnSpPr>
-            <a:stCxn id="20" idx="3"/>
-            <a:endCxn id="48" idx="1"/>
-          </p:cNvCxnSpPr>
-          <p:nvPr/>
-        </p:nvCxnSpPr>
-        <p:spPr>
-          <a:xfrm>
-            <a:off x="4938727" y="3252712"/>
-            <a:ext cx="506617" cy="638511"/>
-          </a:xfrm>
-          <a:prstGeom prst="line">
-            <a:avLst/>
-          </a:prstGeom>
-          <a:ln w="25400">
-            <a:solidFill>
-              <a:schemeClr val="accent3"/>
-            </a:solidFill>
-            <a:headEnd type="none"/>
-            <a:tailEnd type="triangle" w="lg" len="lg"/>
-          </a:ln>
-        </p:spPr>
-        <p:style>
-          <a:lnRef idx="1">
-            <a:schemeClr val="accent1"/>
-          </a:lnRef>
-          <a:fillRef idx="0">
-            <a:schemeClr val="accent1"/>
-          </a:fillRef>
-          <a:effectRef idx="0">
-            <a:schemeClr val="accent1"/>
-          </a:effectRef>
-          <a:fontRef idx="minor">
-            <a:schemeClr val="tx1"/>
-          </a:fontRef>
-        </p:style>
-      </p:cxnSp>
-      <p:cxnSp>
-        <p:nvCxnSpPr>
-          <p:cNvPr id="51" name="Straight Connector 50"/>
-          <p:cNvCxnSpPr>
-            <a:stCxn id="55" idx="1"/>
-            <a:endCxn id="15" idx="3"/>
-          </p:cNvCxnSpPr>
-          <p:nvPr/>
-        </p:nvCxnSpPr>
-        <p:spPr>
-          <a:xfrm flipH="1" flipV="1">
-            <a:off x="6645494" y="1192417"/>
-            <a:ext cx="539178" cy="1227121"/>
-          </a:xfrm>
-          <a:prstGeom prst="line">
-            <a:avLst/>
-          </a:prstGeom>
-          <a:ln w="25400">
-            <a:solidFill>
-              <a:schemeClr val="accent3"/>
-            </a:solidFill>
-            <a:prstDash val="dash"/>
-            <a:headEnd type="none"/>
-            <a:tailEnd type="triangle" w="lg" len="lg"/>
-          </a:ln>
-        </p:spPr>
-        <p:style>
-          <a:lnRef idx="1">
-            <a:schemeClr val="accent1"/>
-          </a:lnRef>
-          <a:fillRef idx="0">
-            <a:schemeClr val="accent1"/>
-          </a:fillRef>
-          <a:effectRef idx="0">
-            <a:schemeClr val="accent1"/>
-          </a:effectRef>
-          <a:fontRef idx="minor">
-            <a:schemeClr val="tx1"/>
-          </a:fontRef>
-        </p:style>
-      </p:cxnSp>
       <p:sp>
         <p:nvSpPr>
-          <p:cNvPr id="55" name="Rectangle 54"/>
+          <p:cNvPr id="77" name="Rectangle 76"/>
           <p:cNvSpPr/>
           <p:nvPr/>
         </p:nvSpPr>
         <p:spPr>
           <a:xfrm>
-            <a:off x="7184672" y="2118860"/>
-            <a:ext cx="1364031" cy="601356"/>
+            <a:off x="1664728" y="3974481"/>
+            <a:ext cx="1200150" cy="678233"/>
           </a:xfrm>
           <a:prstGeom prst="rect">
             <a:avLst/>
           </a:prstGeom>
           <a:solidFill>
-            <a:schemeClr val="accent3"/>
+            <a:srgbClr val="C0504D"/>
           </a:solidFill>
           <a:ln>
             <a:solidFill>
@@ -3772,13 +7493,97 @@
             </a:pPr>
             <a:r>
               <a:rPr lang="en-US" sz="1800" dirty="0" smtClean="0">
-                <a:latin typeface="Open Sans Light" charset="0"/>
+                <a:latin typeface="Open Sans Light"/>
                 <a:ea typeface="Open Sans Light" charset="0"/>
-                <a:cs typeface="Open Sans Light" charset="0"/>
+                <a:cs typeface="Open Sans Light"/>
               </a:rPr>
-              <a:t>Consumer</a:t>
+              <a:t>user agent</a:t>
             </a:r>
-          </a:p>
+            <a:endParaRPr lang="en-US" sz="1800" dirty="0">
+              <a:latin typeface="Open Sans Light"/>
+              <a:ea typeface="Open Sans Light" charset="0"/>
+              <a:cs typeface="Open Sans Light"/>
+            </a:endParaRPr>
+          </a:p>
+        </p:txBody>
+      </p:sp>
+      <p:sp>
+        <p:nvSpPr>
+          <p:cNvPr id="84" name="Rectangle 83"/>
+          <p:cNvSpPr/>
+          <p:nvPr/>
+        </p:nvSpPr>
+        <p:spPr>
+          <a:xfrm>
+            <a:off x="3123221" y="2646803"/>
+            <a:ext cx="585116" cy="307777"/>
+          </a:xfrm>
+          <a:prstGeom prst="rect">
+            <a:avLst/>
+          </a:prstGeom>
+        </p:spPr>
+        <p:txBody>
+          <a:bodyPr wrap="none">
+            <a:spAutoFit/>
+          </a:bodyPr>
+          <a:lstStyle/>
+          <a:p>
+            <a:r>
+              <a:rPr lang="pt-BR" dirty="0" err="1" smtClean="0">
+                <a:latin typeface="Open Sans Light"/>
+                <a:cs typeface="Open Sans Light"/>
+              </a:rPr>
+              <a:t>Push</a:t>
+            </a:r>
+            <a:endParaRPr lang="en-US" dirty="0">
+              <a:latin typeface="Open Sans Light"/>
+              <a:cs typeface="Open Sans Light"/>
+            </a:endParaRPr>
+          </a:p>
+        </p:txBody>
+      </p:sp>
+      <p:sp>
+        <p:nvSpPr>
+          <p:cNvPr id="91" name="Rectangle 90"/>
+          <p:cNvSpPr/>
+          <p:nvPr/>
+        </p:nvSpPr>
+        <p:spPr>
+          <a:xfrm>
+            <a:off x="6644437" y="2264713"/>
+            <a:ext cx="752475" cy="443270"/>
+          </a:xfrm>
+          <a:prstGeom prst="rect">
+            <a:avLst/>
+          </a:prstGeom>
+          <a:solidFill>
+            <a:srgbClr val="00A9F2"/>
+          </a:solidFill>
+          <a:ln>
+            <a:solidFill>
+              <a:schemeClr val="bg1"/>
+            </a:solidFill>
+          </a:ln>
+        </p:spPr>
+        <p:style>
+          <a:lnRef idx="2">
+            <a:schemeClr val="accent1">
+              <a:shade val="50000"/>
+            </a:schemeClr>
+          </a:lnRef>
+          <a:fillRef idx="1">
+            <a:schemeClr val="accent1"/>
+          </a:fillRef>
+          <a:effectRef idx="0">
+            <a:schemeClr val="accent1"/>
+          </a:effectRef>
+          <a:fontRef idx="minor">
+            <a:schemeClr val="lt1"/>
+          </a:fontRef>
+        </p:style>
+        <p:txBody>
+          <a:bodyPr lIns="68681" tIns="34340" rIns="68681" bIns="34340" anchor="ctr"/>
+          <a:lstStyle/>
           <a:p>
             <a:pPr algn="ctr" defTabSz="343403" eaLnBrk="1" fontAlgn="auto" hangingPunct="1">
               <a:spcBef>
@@ -3791,234 +7596,30 @@
             </a:pPr>
             <a:r>
               <a:rPr lang="en-US" sz="1800" dirty="0" smtClean="0">
-                <a:latin typeface="Open Sans Light" charset="0"/>
+                <a:latin typeface="Open Sans Light"/>
                 <a:ea typeface="Open Sans Light" charset="0"/>
-                <a:cs typeface="Open Sans Light" charset="0"/>
+                <a:cs typeface="Open Sans Light"/>
               </a:rPr>
-              <a:t>Dashboard</a:t>
+              <a:t>logic</a:t>
             </a:r>
             <a:endParaRPr lang="en-US" sz="1800" dirty="0">
-              <a:latin typeface="Open Sans Light" charset="0"/>
+              <a:latin typeface="Open Sans Light"/>
               <a:ea typeface="Open Sans Light" charset="0"/>
-              <a:cs typeface="Open Sans Light" charset="0"/>
+              <a:cs typeface="Open Sans Light"/>
             </a:endParaRPr>
           </a:p>
         </p:txBody>
       </p:sp>
-      <p:cxnSp>
-        <p:nvCxnSpPr>
-          <p:cNvPr id="60" name="Straight Connector 59"/>
-          <p:cNvCxnSpPr>
-            <a:stCxn id="55" idx="1"/>
-            <a:endCxn id="12" idx="3"/>
-          </p:cNvCxnSpPr>
-          <p:nvPr/>
-        </p:nvCxnSpPr>
-        <p:spPr>
-          <a:xfrm flipH="1" flipV="1">
-            <a:off x="6645494" y="1867118"/>
-            <a:ext cx="539178" cy="552420"/>
-          </a:xfrm>
-          <a:prstGeom prst="line">
-            <a:avLst/>
-          </a:prstGeom>
-          <a:ln w="25400">
-            <a:solidFill>
-              <a:schemeClr val="accent3"/>
-            </a:solidFill>
-            <a:prstDash val="dash"/>
-            <a:headEnd type="none"/>
-            <a:tailEnd type="triangle" w="lg" len="lg"/>
-          </a:ln>
-        </p:spPr>
-        <p:style>
-          <a:lnRef idx="1">
-            <a:schemeClr val="accent1"/>
-          </a:lnRef>
-          <a:fillRef idx="0">
-            <a:schemeClr val="accent1"/>
-          </a:fillRef>
-          <a:effectRef idx="0">
-            <a:schemeClr val="accent1"/>
-          </a:effectRef>
-          <a:fontRef idx="minor">
-            <a:schemeClr val="tx1"/>
-          </a:fontRef>
-        </p:style>
-      </p:cxnSp>
-      <p:cxnSp>
-        <p:nvCxnSpPr>
-          <p:cNvPr id="63" name="Straight Connector 62"/>
-          <p:cNvCxnSpPr>
-            <a:stCxn id="55" idx="1"/>
-            <a:endCxn id="35" idx="3"/>
-          </p:cNvCxnSpPr>
-          <p:nvPr/>
-        </p:nvCxnSpPr>
-        <p:spPr>
-          <a:xfrm flipH="1">
-            <a:off x="6645494" y="2419538"/>
-            <a:ext cx="539178" cy="122281"/>
-          </a:xfrm>
-          <a:prstGeom prst="line">
-            <a:avLst/>
-          </a:prstGeom>
-          <a:ln w="25400">
-            <a:solidFill>
-              <a:schemeClr val="accent3"/>
-            </a:solidFill>
-            <a:prstDash val="dash"/>
-            <a:headEnd type="none"/>
-            <a:tailEnd type="triangle" w="lg" len="lg"/>
-          </a:ln>
-        </p:spPr>
-        <p:style>
-          <a:lnRef idx="1">
-            <a:schemeClr val="accent1"/>
-          </a:lnRef>
-          <a:fillRef idx="0">
-            <a:schemeClr val="accent1"/>
-          </a:fillRef>
-          <a:effectRef idx="0">
-            <a:schemeClr val="accent1"/>
-          </a:effectRef>
-          <a:fontRef idx="minor">
-            <a:schemeClr val="tx1"/>
-          </a:fontRef>
-        </p:style>
-      </p:cxnSp>
-      <p:cxnSp>
-        <p:nvCxnSpPr>
-          <p:cNvPr id="66" name="Straight Connector 65"/>
-          <p:cNvCxnSpPr>
-            <a:stCxn id="55" idx="1"/>
-            <a:endCxn id="38" idx="3"/>
-          </p:cNvCxnSpPr>
-          <p:nvPr/>
-        </p:nvCxnSpPr>
-        <p:spPr>
-          <a:xfrm flipH="1">
-            <a:off x="6645494" y="2419538"/>
-            <a:ext cx="539178" cy="796982"/>
-          </a:xfrm>
-          <a:prstGeom prst="line">
-            <a:avLst/>
-          </a:prstGeom>
-          <a:ln w="25400">
-            <a:solidFill>
-              <a:schemeClr val="accent3"/>
-            </a:solidFill>
-            <a:prstDash val="dash"/>
-            <a:headEnd type="none"/>
-            <a:tailEnd type="triangle" w="lg" len="lg"/>
-          </a:ln>
-        </p:spPr>
-        <p:style>
-          <a:lnRef idx="1">
-            <a:schemeClr val="accent1"/>
-          </a:lnRef>
-          <a:fillRef idx="0">
-            <a:schemeClr val="accent1"/>
-          </a:fillRef>
-          <a:effectRef idx="0">
-            <a:schemeClr val="accent1"/>
-          </a:effectRef>
-          <a:fontRef idx="minor">
-            <a:schemeClr val="tx1"/>
-          </a:fontRef>
-        </p:style>
-      </p:cxnSp>
-      <p:cxnSp>
-        <p:nvCxnSpPr>
-          <p:cNvPr id="69" name="Straight Connector 68"/>
-          <p:cNvCxnSpPr>
-            <a:stCxn id="55" idx="1"/>
-            <a:endCxn id="48" idx="3"/>
-          </p:cNvCxnSpPr>
-          <p:nvPr/>
-        </p:nvCxnSpPr>
-        <p:spPr>
-          <a:xfrm flipH="1">
-            <a:off x="6645494" y="2419538"/>
-            <a:ext cx="539178" cy="1471685"/>
-          </a:xfrm>
-          <a:prstGeom prst="line">
-            <a:avLst/>
-          </a:prstGeom>
-          <a:ln w="25400">
-            <a:solidFill>
-              <a:schemeClr val="accent3"/>
-            </a:solidFill>
-            <a:prstDash val="dash"/>
-            <a:headEnd type="none"/>
-            <a:tailEnd type="triangle" w="lg" len="lg"/>
-          </a:ln>
-        </p:spPr>
-        <p:style>
-          <a:lnRef idx="1">
-            <a:schemeClr val="accent1"/>
-          </a:lnRef>
-          <a:fillRef idx="0">
-            <a:schemeClr val="accent1"/>
-          </a:fillRef>
-          <a:effectRef idx="0">
-            <a:schemeClr val="accent1"/>
-          </a:effectRef>
-          <a:fontRef idx="minor">
-            <a:schemeClr val="tx1"/>
-          </a:fontRef>
-        </p:style>
-      </p:cxnSp>
-      <p:cxnSp>
-        <p:nvCxnSpPr>
-          <p:cNvPr id="32" name="Straight Connector 31"/>
-          <p:cNvCxnSpPr>
-            <a:stCxn id="10" idx="2"/>
-            <a:endCxn id="41" idx="0"/>
-          </p:cNvCxnSpPr>
-          <p:nvPr/>
-        </p:nvCxnSpPr>
-        <p:spPr>
-          <a:xfrm flipH="1">
-            <a:off x="4338652" y="1623813"/>
-            <a:ext cx="329298" cy="232094"/>
-          </a:xfrm>
-          <a:prstGeom prst="line">
-            <a:avLst/>
-          </a:prstGeom>
-          <a:ln w="12700">
-            <a:solidFill>
-              <a:srgbClr val="FF6600"/>
-            </a:solidFill>
-            <a:headEnd type="none"/>
-            <a:tailEnd type="triangle" w="lg" len="lg"/>
-          </a:ln>
-        </p:spPr>
-        <p:style>
-          <a:lnRef idx="1">
-            <a:schemeClr val="accent1"/>
-          </a:lnRef>
-          <a:fillRef idx="0">
-            <a:schemeClr val="accent1"/>
-          </a:fillRef>
-          <a:effectRef idx="0">
-            <a:schemeClr val="accent1"/>
-          </a:effectRef>
-          <a:fontRef idx="minor">
-            <a:schemeClr val="tx1"/>
-          </a:fontRef>
-        </p:style>
-      </p:cxnSp>
       <p:sp>
         <p:nvSpPr>
-          <p:cNvPr id="10" name="Can 9"/>
+          <p:cNvPr id="92" name="Can 91"/>
           <p:cNvSpPr/>
           <p:nvPr/>
         </p:nvSpPr>
         <p:spPr>
           <a:xfrm>
-            <a:off x="4667950" y="1512093"/>
-            <a:ext cx="258691" cy="223439"/>
+            <a:off x="5552086" y="2985881"/>
+            <a:ext cx="925574" cy="496214"/>
           </a:xfrm>
           <a:prstGeom prst="can">
             <a:avLst/>
@@ -4053,23 +7654,32 @@
           <a:lstStyle/>
           <a:p>
             <a:pPr algn="ctr"/>
-            <a:endParaRPr lang="en-US" sz="2400" dirty="0" err="1" smtClean="0"/>
+            <a:r>
+              <a:rPr lang="en-US" sz="2400" dirty="0" smtClean="0">
+                <a:latin typeface="Open Sans Light"/>
+                <a:cs typeface="Open Sans Light"/>
+              </a:rPr>
+              <a:t>stats</a:t>
+            </a:r>
+            <a:endParaRPr lang="en-US" sz="2400" dirty="0" smtClean="0">
+              <a:latin typeface="Open Sans Light"/>
+              <a:cs typeface="Open Sans Light"/>
+            </a:endParaRPr>
           </a:p>
         </p:txBody>
       </p:sp>
       <p:cxnSp>
         <p:nvCxnSpPr>
-          <p:cNvPr id="33" name="Straight Connector 32"/>
+          <p:cNvPr id="93" name="Straight Connector 92"/>
           <p:cNvCxnSpPr>
-            <a:stCxn id="9" idx="2"/>
-            <a:endCxn id="10" idx="2"/>
+            <a:endCxn id="92" idx="0"/>
           </p:cNvCxnSpPr>
           <p:nvPr/>
         </p:nvCxnSpPr>
         <p:spPr>
           <a:xfrm>
-            <a:off x="4338652" y="1380450"/>
-            <a:ext cx="329298" cy="243363"/>
+            <a:off x="6014873" y="2430717"/>
+            <a:ext cx="0" cy="679218"/>
           </a:xfrm>
           <a:prstGeom prst="line">
             <a:avLst/>
@@ -4099,17 +7709,17 @@
       </p:cxnSp>
       <p:cxnSp>
         <p:nvCxnSpPr>
-          <p:cNvPr id="43" name="Straight Connector 42"/>
+          <p:cNvPr id="94" name="Straight Connector 93"/>
           <p:cNvCxnSpPr>
-            <a:stCxn id="44" idx="2"/>
-            <a:endCxn id="41" idx="2"/>
+            <a:stCxn id="92" idx="4"/>
+            <a:endCxn id="57" idx="1"/>
           </p:cNvCxnSpPr>
           <p:nvPr/>
         </p:nvCxnSpPr>
         <p:spPr>
-          <a:xfrm flipH="1" flipV="1">
-            <a:off x="4338652" y="2534140"/>
-            <a:ext cx="329298" cy="219172"/>
+          <a:xfrm>
+            <a:off x="6477660" y="3233988"/>
+            <a:ext cx="1371739" cy="7380"/>
           </a:xfrm>
           <a:prstGeom prst="line">
             <a:avLst/>
@@ -4137,72 +7747,21 @@
           </a:fontRef>
         </p:style>
       </p:cxnSp>
-      <p:sp>
-        <p:nvSpPr>
-          <p:cNvPr id="44" name="Can 43"/>
-          <p:cNvSpPr/>
-          <p:nvPr/>
-        </p:nvSpPr>
-        <p:spPr>
-          <a:xfrm>
-            <a:off x="4667950" y="2641592"/>
-            <a:ext cx="258691" cy="223439"/>
-          </a:xfrm>
-          <a:prstGeom prst="can">
-            <a:avLst/>
-          </a:prstGeom>
-          <a:solidFill>
-            <a:srgbClr val="FF6600"/>
-          </a:solidFill>
-          <a:ln>
-            <a:solidFill>
-              <a:schemeClr val="bg1"/>
-            </a:solidFill>
-          </a:ln>
-        </p:spPr>
-        <p:style>
-          <a:lnRef idx="2">
-            <a:schemeClr val="accent1">
-              <a:shade val="50000"/>
-            </a:schemeClr>
-          </a:lnRef>
-          <a:fillRef idx="1">
-            <a:schemeClr val="accent1"/>
-          </a:fillRef>
-          <a:effectRef idx="0">
-            <a:schemeClr val="accent1"/>
-          </a:effectRef>
-          <a:fontRef idx="minor">
-            <a:schemeClr val="lt1"/>
-          </a:fontRef>
-        </p:style>
-        <p:txBody>
-          <a:bodyPr rtlCol="0" anchor="ctr"/>
-          <a:lstStyle/>
-          <a:p>
-            <a:pPr algn="ctr"/>
-            <a:endParaRPr lang="en-US" sz="2400" dirty="0" err="1" smtClean="0"/>
-          </a:p>
-        </p:txBody>
-      </p:sp>
       <p:cxnSp>
         <p:nvCxnSpPr>
-          <p:cNvPr id="46" name="Straight Connector 45"/>
-          <p:cNvCxnSpPr>
-            <a:stCxn id="20" idx="0"/>
-            <a:endCxn id="44" idx="2"/>
-          </p:cNvCxnSpPr>
+          <p:cNvPr id="98" name="Straight Connector 97"/>
+          <p:cNvCxnSpPr/>
           <p:nvPr/>
         </p:nvCxnSpPr>
         <p:spPr>
-          <a:xfrm flipV="1">
-            <a:off x="4338652" y="2753312"/>
-            <a:ext cx="329298" cy="256285"/>
+          <a:xfrm flipH="1">
+            <a:off x="3238691" y="3327959"/>
+            <a:ext cx="1188934" cy="382090"/>
           </a:xfrm>
           <a:prstGeom prst="line">
             <a:avLst/>
           </a:prstGeom>
-          <a:ln w="12700">
+          <a:ln w="25400">
             <a:solidFill>
               <a:srgbClr val="FF6600"/>
             </a:solidFill>
@@ -4227,223 +7786,43 @@
       </p:cxnSp>
       <p:sp>
         <p:nvSpPr>
-          <p:cNvPr id="50" name="Rectangle 49"/>
+          <p:cNvPr id="99" name="Rectangle 98"/>
           <p:cNvSpPr/>
           <p:nvPr/>
         </p:nvSpPr>
         <p:spPr>
           <a:xfrm>
-            <a:off x="1923071" y="3167207"/>
-            <a:ext cx="1200150" cy="426244"/>
+            <a:off x="3086290" y="3710049"/>
+            <a:ext cx="585116" cy="307777"/>
           </a:xfrm>
           <a:prstGeom prst="rect">
             <a:avLst/>
           </a:prstGeom>
-          <a:solidFill>
-            <a:srgbClr val="00A9F2"/>
-          </a:solidFill>
-          <a:ln>
-            <a:solidFill>
-              <a:schemeClr val="bg1"/>
-            </a:solidFill>
-          </a:ln>
         </p:spPr>
-        <p:style>
-          <a:lnRef idx="2">
-            <a:schemeClr val="accent1">
-              <a:shade val="50000"/>
-            </a:schemeClr>
-          </a:lnRef>
-          <a:fillRef idx="1">
-            <a:schemeClr val="accent1"/>
-          </a:fillRef>
-          <a:effectRef idx="0">
-            <a:schemeClr val="accent1"/>
-          </a:effectRef>
-          <a:fontRef idx="minor">
-            <a:schemeClr val="lt1"/>
-          </a:fontRef>
-        </p:style>
         <p:txBody>
-          <a:bodyPr lIns="68681" tIns="34340" rIns="68681" bIns="34340" anchor="ctr"/>
+          <a:bodyPr wrap="none">
+            <a:spAutoFit/>
+          </a:bodyPr>
           <a:lstStyle/>
           <a:p>
-            <a:pPr algn="ctr" defTabSz="343403" eaLnBrk="1" fontAlgn="auto" hangingPunct="1">
-              <a:spcBef>
-                <a:spcPts val="0"/>
-              </a:spcBef>
-              <a:spcAft>
-                <a:spcPts val="0"/>
-              </a:spcAft>
-              <a:defRPr/>
-            </a:pPr>
             <a:r>
-              <a:rPr lang="en-US" sz="1800" dirty="0" smtClean="0">
-                <a:latin typeface="Open Sans Light" charset="0"/>
-                <a:ea typeface="Open Sans Light" charset="0"/>
-                <a:cs typeface="Open Sans Light" charset="0"/>
+              <a:rPr lang="pt-BR" dirty="0" err="1" smtClean="0">
+                <a:latin typeface="Open Sans Light"/>
+                <a:cs typeface="Open Sans Light"/>
               </a:rPr>
-              <a:t>TFS</a:t>
+              <a:t>Push</a:t>
             </a:r>
-            <a:endParaRPr lang="en-US" sz="1800" dirty="0">
-              <a:latin typeface="Open Sans Light" charset="0"/>
-              <a:ea typeface="Open Sans Light" charset="0"/>
-              <a:cs typeface="Open Sans Light" charset="0"/>
+            <a:endParaRPr lang="en-US" dirty="0">
+              <a:latin typeface="Open Sans Light"/>
+              <a:cs typeface="Open Sans Light"/>
             </a:endParaRPr>
           </a:p>
         </p:txBody>
       </p:sp>
-      <p:cxnSp>
-        <p:nvCxnSpPr>
-          <p:cNvPr id="52" name="Straight Connector 51"/>
-          <p:cNvCxnSpPr>
-            <a:stCxn id="50" idx="3"/>
-            <a:endCxn id="9" idx="1"/>
-          </p:cNvCxnSpPr>
-          <p:nvPr/>
-        </p:nvCxnSpPr>
-        <p:spPr>
-          <a:xfrm flipV="1">
-            <a:off x="3123221" y="1164935"/>
-            <a:ext cx="615356" cy="2215394"/>
-          </a:xfrm>
-          <a:prstGeom prst="line">
-            <a:avLst/>
-          </a:prstGeom>
-          <a:ln w="25400">
-            <a:solidFill>
-              <a:schemeClr val="accent2"/>
-            </a:solidFill>
-            <a:headEnd type="none"/>
-            <a:tailEnd type="triangle" w="lg" len="lg"/>
-          </a:ln>
-        </p:spPr>
-        <p:style>
-          <a:lnRef idx="1">
-            <a:schemeClr val="accent1"/>
-          </a:lnRef>
-          <a:fillRef idx="0">
-            <a:schemeClr val="accent1"/>
-          </a:fillRef>
-          <a:effectRef idx="0">
-            <a:schemeClr val="accent1"/>
-          </a:effectRef>
-          <a:fontRef idx="minor">
-            <a:schemeClr val="tx1"/>
-          </a:fontRef>
-        </p:style>
-      </p:cxnSp>
-      <p:sp>
-        <p:nvSpPr>
-          <p:cNvPr id="40" name="Rectangle 39"/>
-          <p:cNvSpPr/>
-          <p:nvPr/>
-        </p:nvSpPr>
-        <p:spPr>
-          <a:xfrm>
-            <a:off x="1923071" y="3707976"/>
-            <a:ext cx="1200150" cy="426244"/>
-          </a:xfrm>
-          <a:prstGeom prst="rect">
-            <a:avLst/>
-          </a:prstGeom>
-          <a:solidFill>
-            <a:srgbClr val="00A9F2"/>
-          </a:solidFill>
-          <a:ln>
-            <a:solidFill>
-              <a:schemeClr val="bg1"/>
-            </a:solidFill>
-          </a:ln>
-        </p:spPr>
-        <p:style>
-          <a:lnRef idx="2">
-            <a:schemeClr val="accent1">
-              <a:shade val="50000"/>
-            </a:schemeClr>
-          </a:lnRef>
-          <a:fillRef idx="1">
-            <a:schemeClr val="accent1"/>
-          </a:fillRef>
-          <a:effectRef idx="0">
-            <a:schemeClr val="accent1"/>
-          </a:effectRef>
-          <a:fontRef idx="minor">
-            <a:schemeClr val="lt1"/>
-          </a:fontRef>
-        </p:style>
-        <p:txBody>
-          <a:bodyPr lIns="68681" tIns="34340" rIns="68681" bIns="34340" anchor="ctr"/>
-          <a:lstStyle/>
-          <a:p>
-            <a:pPr algn="ctr" defTabSz="343403" eaLnBrk="1" fontAlgn="auto" hangingPunct="1">
-              <a:spcBef>
-                <a:spcPts val="0"/>
-              </a:spcBef>
-              <a:spcAft>
-                <a:spcPts val="0"/>
-              </a:spcAft>
-              <a:defRPr/>
-            </a:pPr>
-            <a:r>
-              <a:rPr lang="en-US" sz="1800" dirty="0" smtClean="0">
-                <a:latin typeface="Open Sans Light" charset="0"/>
-                <a:ea typeface="Open Sans Light" charset="0"/>
-                <a:cs typeface="Open Sans Light" charset="0"/>
-              </a:rPr>
-              <a:t>others</a:t>
-            </a:r>
-            <a:endParaRPr lang="en-US" sz="1800" dirty="0">
-              <a:latin typeface="Open Sans Light" charset="0"/>
-              <a:ea typeface="Open Sans Light" charset="0"/>
-              <a:cs typeface="Open Sans Light" charset="0"/>
-            </a:endParaRPr>
-          </a:p>
-        </p:txBody>
-      </p:sp>
-      <p:cxnSp>
-        <p:nvCxnSpPr>
-          <p:cNvPr id="47" name="Straight Connector 46"/>
-          <p:cNvCxnSpPr>
-            <a:endCxn id="9" idx="1"/>
-          </p:cNvCxnSpPr>
-          <p:nvPr/>
-        </p:nvCxnSpPr>
-        <p:spPr>
-          <a:xfrm flipV="1">
-            <a:off x="3123221" y="1164935"/>
-            <a:ext cx="615356" cy="2726288"/>
-          </a:xfrm>
-          <a:prstGeom prst="line">
-            <a:avLst/>
-          </a:prstGeom>
-          <a:ln w="25400">
-            <a:solidFill>
-              <a:schemeClr val="accent2"/>
-            </a:solidFill>
-            <a:headEnd type="none"/>
-            <a:tailEnd type="triangle" w="lg" len="lg"/>
-          </a:ln>
-        </p:spPr>
-        <p:style>
-          <a:lnRef idx="1">
-            <a:schemeClr val="accent1"/>
-          </a:lnRef>
-          <a:fillRef idx="0">
-            <a:schemeClr val="accent1"/>
-          </a:fillRef>
-          <a:effectRef idx="0">
-            <a:schemeClr val="accent1"/>
-          </a:effectRef>
-          <a:fontRef idx="minor">
-            <a:schemeClr val="tx1"/>
-          </a:fontRef>
-        </p:style>
-      </p:cxnSp>
     </p:spTree>
     <p:extLst>
       <p:ext uri="{BB962C8B-B14F-4D97-AF65-F5344CB8AC3E}">
-        <p14:creationId xmlns:p14="http://schemas.microsoft.com/office/powerpoint/2010/main" val="533866552"/>
+        <p14:creationId xmlns:p14="http://schemas.microsoft.com/office/powerpoint/2010/main" val="2968161982"/>
       </p:ext>
     </p:extLst>
   </p:cSld>
@@ -4589,34 +7968,7 @@
                                           </p:stCondLst>
                                         </p:cTn>
                                         <p:tgtEl>
-                                          <p:spTgt spid="11"/>
-                                        </p:tgtEl>
-                                        <p:attrNameLst>
-                                          <p:attrName>style.visibility</p:attrName>
-                                        </p:attrNameLst>
-                                      </p:cBhvr>
-                                      <p:to>
-                                        <p:strVal val="visible"/>
-                                      </p:to>
-                                    </p:set>
-                                  </p:childTnLst>
-                                </p:cTn>
-                              </p:par>
-                              <p:par>
-                                <p:cTn id="15" presetID="1" presetClass="entr" presetSubtype="0" fill="hold" grpId="0" nodeType="withEffect">
-                                  <p:stCondLst>
-                                    <p:cond delay="0"/>
-                                  </p:stCondLst>
-                                  <p:childTnLst>
-                                    <p:set>
-                                      <p:cBhvr>
-                                        <p:cTn id="16" dur="1" fill="hold">
-                                          <p:stCondLst>
-                                            <p:cond delay="0"/>
-                                          </p:stCondLst>
-                                        </p:cTn>
-                                        <p:tgtEl>
-                                          <p:spTgt spid="12"/>
+                                          <p:spTgt spid="24"/>
                                         </p:tgtEl>
                                         <p:attrNameLst>
                                           <p:attrName>style.visibility</p:attrName>
@@ -4636,32 +7988,32 @@
                     </p:cTn>
                   </p:par>
                   <p:par>
-                    <p:cTn id="17" fill="hold">
+                    <p:cTn id="15" fill="hold">
                       <p:stCondLst>
                         <p:cond delay="indefinite"/>
                       </p:stCondLst>
                       <p:childTnLst>
                         <p:par>
-                          <p:cTn id="18" fill="hold">
+                          <p:cTn id="16" fill="hold">
                             <p:stCondLst>
                               <p:cond delay="0"/>
                             </p:stCondLst>
                             <p:childTnLst>
                               <p:par>
-                                <p:cTn id="19" presetID="1" presetClass="entr" presetSubtype="0" fill="hold" nodeType="clickEffect">
+                                <p:cTn id="17" presetID="1" presetClass="entr" presetSubtype="0" fill="hold" nodeType="clickEffect">
                                   <p:stCondLst>
                                     <p:cond delay="0"/>
                                   </p:stCondLst>
                                   <p:childTnLst>
                                     <p:set>
                                       <p:cBhvr>
-                                        <p:cTn id="20" dur="1" fill="hold">
+                                        <p:cTn id="18" dur="1" fill="hold">
                                           <p:stCondLst>
                                             <p:cond delay="0"/>
                                           </p:stCondLst>
                                         </p:cTn>
                                         <p:tgtEl>
-                                          <p:spTgt spid="14"/>
+                                          <p:spTgt spid="25"/>
                                         </p:tgtEl>
                                         <p:attrNameLst>
                                           <p:attrName>style.visibility</p:attrName>
@@ -4675,20 +8027,20 @@
                                 </p:cTn>
                               </p:par>
                               <p:par>
-                                <p:cTn id="21" presetID="1" presetClass="entr" presetSubtype="0" fill="hold" grpId="0" nodeType="withEffect">
+                                <p:cTn id="19" presetID="1" presetClass="entr" presetSubtype="0" fill="hold" grpId="0" nodeType="withEffect">
                                   <p:stCondLst>
                                     <p:cond delay="0"/>
                                   </p:stCondLst>
                                   <p:childTnLst>
                                     <p:set>
                                       <p:cBhvr>
-                                        <p:cTn id="22" dur="1" fill="hold">
+                                        <p:cTn id="20" dur="1" fill="hold">
                                           <p:stCondLst>
                                             <p:cond delay="0"/>
                                           </p:stCondLst>
                                         </p:cTn>
                                         <p:tgtEl>
-                                          <p:spTgt spid="15"/>
+                                          <p:spTgt spid="41"/>
                                         </p:tgtEl>
                                         <p:attrNameLst>
                                           <p:attrName>style.visibility</p:attrName>
@@ -4701,8 +8053,26 @@
                                   </p:childTnLst>
                                 </p:cTn>
                               </p:par>
+                            </p:childTnLst>
+                          </p:cTn>
+                        </p:par>
+                      </p:childTnLst>
+                    </p:cTn>
+                  </p:par>
+                  <p:par>
+                    <p:cTn id="21" fill="hold">
+                      <p:stCondLst>
+                        <p:cond delay="indefinite"/>
+                      </p:stCondLst>
+                      <p:childTnLst>
+                        <p:par>
+                          <p:cTn id="22" fill="hold">
+                            <p:stCondLst>
+                              <p:cond delay="0"/>
+                            </p:stCondLst>
+                            <p:childTnLst>
                               <p:par>
-                                <p:cTn id="23" presetID="1" presetClass="entr" presetSubtype="0" fill="hold" grpId="0" nodeType="withEffect">
+                                <p:cTn id="23" presetID="1" presetClass="entr" presetSubtype="0" fill="hold" nodeType="clickEffect">
                                   <p:stCondLst>
                                     <p:cond delay="0"/>
                                   </p:stCondLst>
@@ -4715,7 +8085,7 @@
                                           </p:stCondLst>
                                         </p:cTn>
                                         <p:tgtEl>
-                                          <p:spTgt spid="22"/>
+                                          <p:spTgt spid="42"/>
                                         </p:tgtEl>
                                         <p:attrNameLst>
                                           <p:attrName>style.visibility</p:attrName>
@@ -4760,7 +8130,7 @@
                                           </p:stCondLst>
                                         </p:cTn>
                                         <p:tgtEl>
-                                          <p:spTgt spid="23"/>
+                                          <p:spTgt spid="33"/>
                                         </p:tgtEl>
                                         <p:attrNameLst>
                                           <p:attrName>style.visibility</p:attrName>
@@ -4773,26 +8143,35 @@
                                   </p:childTnLst>
                                 </p:cTn>
                               </p:par>
-                            </p:childTnLst>
-                          </p:cTn>
-                        </p:par>
-                      </p:childTnLst>
-                    </p:cTn>
-                  </p:par>
-                  <p:par>
-                    <p:cTn id="29" fill="hold">
-                      <p:stCondLst>
-                        <p:cond delay="indefinite"/>
-                      </p:stCondLst>
-                      <p:childTnLst>
-                        <p:par>
-                          <p:cTn id="30" fill="hold">
-                            <p:stCondLst>
-                              <p:cond delay="0"/>
-                            </p:stCondLst>
-                            <p:childTnLst>
                               <p:par>
-                                <p:cTn id="31" presetID="1" presetClass="entr" presetSubtype="0" fill="hold" nodeType="clickEffect">
+                                <p:cTn id="29" presetID="1" presetClass="entr" presetSubtype="0" fill="hold" grpId="0" nodeType="withEffect">
+                                  <p:stCondLst>
+                                    <p:cond delay="0"/>
+                                  </p:stCondLst>
+                                  <p:childTnLst>
+                                    <p:set>
+                                      <p:cBhvr>
+                                        <p:cTn id="30" dur="1" fill="hold">
+                                          <p:stCondLst>
+                                            <p:cond delay="0"/>
+                                          </p:stCondLst>
+                                        </p:cTn>
+                                        <p:tgtEl>
+                                          <p:spTgt spid="53"/>
+                                        </p:tgtEl>
+                                        <p:attrNameLst>
+                                          <p:attrName>style.visibility</p:attrName>
+                                        </p:attrNameLst>
+                                      </p:cBhvr>
+                                      <p:to>
+                                        <p:strVal val="visible"/>
+                                      </p:to>
+                                    </p:set>
+                                  </p:childTnLst>
+                                </p:cTn>
+                              </p:par>
+                              <p:par>
+                                <p:cTn id="31" presetID="1" presetClass="entr" presetSubtype="0" fill="hold" grpId="0" nodeType="withEffect">
                                   <p:stCondLst>
                                     <p:cond delay="0"/>
                                   </p:stCondLst>
@@ -4805,7 +8184,7 @@
                                           </p:stCondLst>
                                         </p:cTn>
                                         <p:tgtEl>
-                                          <p:spTgt spid="24"/>
+                                          <p:spTgt spid="57"/>
                                         </p:tgtEl>
                                         <p:attrNameLst>
                                           <p:attrName>style.visibility</p:attrName>
@@ -4837,7 +8216,7 @@
                             </p:stCondLst>
                             <p:childTnLst>
                               <p:par>
-                                <p:cTn id="35" presetID="1" presetClass="entr" presetSubtype="0" fill="hold" nodeType="clickEffect">
+                                <p:cTn id="35" presetID="1" presetClass="entr" presetSubtype="0" fill="hold" grpId="0" nodeType="clickEffect">
                                   <p:stCondLst>
                                     <p:cond delay="0"/>
                                   </p:stCondLst>
@@ -4850,7 +8229,34 @@
                                           </p:stCondLst>
                                         </p:cTn>
                                         <p:tgtEl>
-                                          <p:spTgt spid="25"/>
+                                          <p:spTgt spid="59"/>
+                                        </p:tgtEl>
+                                        <p:attrNameLst>
+                                          <p:attrName>style.visibility</p:attrName>
+                                        </p:attrNameLst>
+                                      </p:cBhvr>
+                                      <p:to>
+                                        <p:strVal val="visible"/>
+                                      </p:to>
+                                    </p:set>
+                                  </p:childTnLst>
+                                </p:cTn>
+                              </p:par>
+                              <p:par>
+                                <p:cTn id="37" presetID="1" presetClass="entr" presetSubtype="0" fill="hold" grpId="0" nodeType="withEffect">
+                                  <p:stCondLst>
+                                    <p:cond delay="0"/>
+                                  </p:stCondLst>
+                                  <p:childTnLst>
+                                    <p:set>
+                                      <p:cBhvr>
+                                        <p:cTn id="38" dur="1" fill="hold">
+                                          <p:stCondLst>
+                                            <p:cond delay="0"/>
+                                          </p:stCondLst>
+                                        </p:cTn>
+                                        <p:tgtEl>
+                                          <p:spTgt spid="62"/>
                                         </p:tgtEl>
                                         <p:attrNameLst>
                                           <p:attrName>style.visibility</p:attrName>
@@ -4870,32 +8276,32 @@
                     </p:cTn>
                   </p:par>
                   <p:par>
-                    <p:cTn id="37" fill="hold">
+                    <p:cTn id="39" fill="hold">
                       <p:stCondLst>
                         <p:cond delay="indefinite"/>
                       </p:stCondLst>
                       <p:childTnLst>
                         <p:par>
-                          <p:cTn id="38" fill="hold">
+                          <p:cTn id="40" fill="hold">
                             <p:stCondLst>
                               <p:cond delay="0"/>
                             </p:stCondLst>
                             <p:childTnLst>
                               <p:par>
-                                <p:cTn id="39" presetID="1" presetClass="entr" presetSubtype="0" fill="hold" nodeType="clickEffect">
+                                <p:cTn id="41" presetID="1" presetClass="entr" presetSubtype="0" fill="hold" nodeType="clickEffect">
                                   <p:stCondLst>
                                     <p:cond delay="0"/>
                                   </p:stCondLst>
                                   <p:childTnLst>
                                     <p:set>
                                       <p:cBhvr>
-                                        <p:cTn id="40" dur="1" fill="hold">
+                                        <p:cTn id="42" dur="1" fill="hold">
                                           <p:stCondLst>
                                             <p:cond delay="0"/>
                                           </p:stCondLst>
                                         </p:cTn>
                                         <p:tgtEl>
-                                          <p:spTgt spid="36"/>
+                                          <p:spTgt spid="64"/>
                                         </p:tgtEl>
                                         <p:attrNameLst>
                                           <p:attrName>style.visibility</p:attrName>
@@ -4909,20 +8315,20 @@
                                 </p:cTn>
                               </p:par>
                               <p:par>
-                                <p:cTn id="41" presetID="1" presetClass="entr" presetSubtype="0" fill="hold" grpId="0" nodeType="withEffect">
+                                <p:cTn id="43" presetID="1" presetClass="entr" presetSubtype="0" fill="hold" grpId="0" nodeType="withEffect">
                                   <p:stCondLst>
                                     <p:cond delay="0"/>
                                   </p:stCondLst>
                                   <p:childTnLst>
                                     <p:set>
                                       <p:cBhvr>
-                                        <p:cTn id="42" dur="1" fill="hold">
+                                        <p:cTn id="44" dur="1" fill="hold">
                                           <p:stCondLst>
                                             <p:cond delay="0"/>
                                           </p:stCondLst>
                                         </p:cTn>
                                         <p:tgtEl>
-                                          <p:spTgt spid="35"/>
+                                          <p:spTgt spid="65"/>
                                         </p:tgtEl>
                                         <p:attrNameLst>
                                           <p:attrName>style.visibility</p:attrName>
@@ -4942,46 +8348,19 @@
                     </p:cTn>
                   </p:par>
                   <p:par>
-                    <p:cTn id="43" fill="hold">
+                    <p:cTn id="45" fill="hold">
                       <p:stCondLst>
                         <p:cond delay="indefinite"/>
                       </p:stCondLst>
                       <p:childTnLst>
                         <p:par>
-                          <p:cTn id="44" fill="hold">
+                          <p:cTn id="46" fill="hold">
                             <p:stCondLst>
                               <p:cond delay="0"/>
                             </p:stCondLst>
                             <p:childTnLst>
                               <p:par>
-                                <p:cTn id="45" presetID="1" presetClass="entr" presetSubtype="0" fill="hold" nodeType="clickEffect">
-                                  <p:stCondLst>
-                                    <p:cond delay="0"/>
-                                  </p:stCondLst>
-                                  <p:childTnLst>
-                                    <p:set>
-                                      <p:cBhvr>
-                                        <p:cTn id="46" dur="1" fill="hold">
-                                          <p:stCondLst>
-                                            <p:cond delay="0"/>
-                                          </p:stCondLst>
-                                        </p:cTn>
-                                        <p:tgtEl>
-                                          <p:spTgt spid="39"/>
-                                        </p:tgtEl>
-                                        <p:attrNameLst>
-                                          <p:attrName>style.visibility</p:attrName>
-                                        </p:attrNameLst>
-                                      </p:cBhvr>
-                                      <p:to>
-                                        <p:strVal val="visible"/>
-                                      </p:to>
-                                    </p:set>
-                                  </p:childTnLst>
-                                </p:cTn>
-                              </p:par>
-                              <p:par>
-                                <p:cTn id="47" presetID="1" presetClass="entr" presetSubtype="0" fill="hold" grpId="0" nodeType="withEffect">
+                                <p:cTn id="47" presetID="1" presetClass="entr" presetSubtype="0" fill="hold" nodeType="clickEffect">
                                   <p:stCondLst>
                                     <p:cond delay="0"/>
                                   </p:stCondLst>
@@ -4994,7 +8373,7 @@
                                           </p:stCondLst>
                                         </p:cTn>
                                         <p:tgtEl>
-                                          <p:spTgt spid="38"/>
+                                          <p:spTgt spid="67"/>
                                         </p:tgtEl>
                                         <p:attrNameLst>
                                           <p:attrName>style.visibility</p:attrName>
@@ -5021,7 +8400,7 @@
                                           </p:stCondLst>
                                         </p:cTn>
                                         <p:tgtEl>
-                                          <p:spTgt spid="18"/>
+                                          <p:spTgt spid="70"/>
                                         </p:tgtEl>
                                         <p:attrNameLst>
                                           <p:attrName>style.visibility</p:attrName>
@@ -5034,26 +8413,35 @@
                                   </p:childTnLst>
                                 </p:cTn>
                               </p:par>
-                            </p:childTnLst>
-                          </p:cTn>
-                        </p:par>
-                      </p:childTnLst>
-                    </p:cTn>
-                  </p:par>
-                  <p:par>
-                    <p:cTn id="51" fill="hold">
-                      <p:stCondLst>
-                        <p:cond delay="indefinite"/>
-                      </p:stCondLst>
-                      <p:childTnLst>
-                        <p:par>
-                          <p:cTn id="52" fill="hold">
-                            <p:stCondLst>
-                              <p:cond delay="0"/>
-                            </p:stCondLst>
-                            <p:childTnLst>
                               <p:par>
-                                <p:cTn id="53" presetID="1" presetClass="entr" presetSubtype="0" fill="hold" nodeType="clickEffect">
+                                <p:cTn id="51" presetID="1" presetClass="entr" presetSubtype="0" fill="hold" grpId="0" nodeType="withEffect">
+                                  <p:stCondLst>
+                                    <p:cond delay="0"/>
+                                  </p:stCondLst>
+                                  <p:childTnLst>
+                                    <p:set>
+                                      <p:cBhvr>
+                                        <p:cTn id="52" dur="1" fill="hold">
+                                          <p:stCondLst>
+                                            <p:cond delay="0"/>
+                                          </p:stCondLst>
+                                        </p:cTn>
+                                        <p:tgtEl>
+                                          <p:spTgt spid="71"/>
+                                        </p:tgtEl>
+                                        <p:attrNameLst>
+                                          <p:attrName>style.visibility</p:attrName>
+                                        </p:attrNameLst>
+                                      </p:cBhvr>
+                                      <p:to>
+                                        <p:strVal val="visible"/>
+                                      </p:to>
+                                    </p:set>
+                                  </p:childTnLst>
+                                </p:cTn>
+                              </p:par>
+                              <p:par>
+                                <p:cTn id="53" presetID="1" presetClass="entr" presetSubtype="0" fill="hold" grpId="0" nodeType="withEffect">
                                   <p:stCondLst>
                                     <p:cond delay="0"/>
                                   </p:stCondLst>
@@ -5066,7 +8454,7 @@
                                           </p:stCondLst>
                                         </p:cTn>
                                         <p:tgtEl>
-                                          <p:spTgt spid="19"/>
+                                          <p:spTgt spid="72"/>
                                         </p:tgtEl>
                                         <p:attrNameLst>
                                           <p:attrName>style.visibility</p:attrName>
@@ -5093,7 +8481,7 @@
                                           </p:stCondLst>
                                         </p:cTn>
                                         <p:tgtEl>
-                                          <p:spTgt spid="20"/>
+                                          <p:spTgt spid="74"/>
                                         </p:tgtEl>
                                         <p:attrNameLst>
                                           <p:attrName>style.visibility</p:attrName>
@@ -5120,7 +8508,7 @@
                                           </p:stCondLst>
                                         </p:cTn>
                                         <p:tgtEl>
-                                          <p:spTgt spid="41"/>
+                                          <p:spTgt spid="77"/>
                                         </p:tgtEl>
                                         <p:attrNameLst>
                                           <p:attrName>style.visibility</p:attrName>
@@ -5133,26 +8521,35 @@
                                   </p:childTnLst>
                                 </p:cTn>
                               </p:par>
-                            </p:childTnLst>
-                          </p:cTn>
-                        </p:par>
-                      </p:childTnLst>
-                    </p:cTn>
-                  </p:par>
-                  <p:par>
-                    <p:cTn id="59" fill="hold">
-                      <p:stCondLst>
-                        <p:cond delay="indefinite"/>
-                      </p:stCondLst>
-                      <p:childTnLst>
-                        <p:par>
-                          <p:cTn id="60" fill="hold">
-                            <p:stCondLst>
-                              <p:cond delay="0"/>
-                            </p:stCondLst>
-                            <p:childTnLst>
                               <p:par>
-                                <p:cTn id="61" presetID="1" presetClass="entr" presetSubtype="0" fill="hold" nodeType="clickEffect">
+                                <p:cTn id="59" presetID="1" presetClass="entr" presetSubtype="0" fill="hold" grpId="0" nodeType="withEffect">
+                                  <p:stCondLst>
+                                    <p:cond delay="0"/>
+                                  </p:stCondLst>
+                                  <p:childTnLst>
+                                    <p:set>
+                                      <p:cBhvr>
+                                        <p:cTn id="60" dur="1" fill="hold">
+                                          <p:stCondLst>
+                                            <p:cond delay="0"/>
+                                          </p:stCondLst>
+                                        </p:cTn>
+                                        <p:tgtEl>
+                                          <p:spTgt spid="76"/>
+                                        </p:tgtEl>
+                                        <p:attrNameLst>
+                                          <p:attrName>style.visibility</p:attrName>
+                                        </p:attrNameLst>
+                                      </p:cBhvr>
+                                      <p:to>
+                                        <p:strVal val="visible"/>
+                                      </p:to>
+                                    </p:set>
+                                  </p:childTnLst>
+                                </p:cTn>
+                              </p:par>
+                              <p:par>
+                                <p:cTn id="61" presetID="1" presetClass="entr" presetSubtype="0" fill="hold" grpId="0" nodeType="withEffect">
                                   <p:stCondLst>
                                     <p:cond delay="0"/>
                                   </p:stCondLst>
@@ -5165,7 +8562,7 @@
                                           </p:stCondLst>
                                         </p:cTn>
                                         <p:tgtEl>
-                                          <p:spTgt spid="42"/>
+                                          <p:spTgt spid="91"/>
                                         </p:tgtEl>
                                         <p:attrNameLst>
                                           <p:attrName>style.visibility</p:attrName>
@@ -5210,7 +8607,7 @@
                                           </p:stCondLst>
                                         </p:cTn>
                                         <p:tgtEl>
-                                          <p:spTgt spid="45"/>
+                                          <p:spTgt spid="93"/>
                                         </p:tgtEl>
                                         <p:attrNameLst>
                                           <p:attrName>style.visibility</p:attrName>
@@ -5255,34 +8652,7 @@
                                           </p:stCondLst>
                                         </p:cTn>
                                         <p:tgtEl>
-                                          <p:spTgt spid="49"/>
-                                        </p:tgtEl>
-                                        <p:attrNameLst>
-                                          <p:attrName>style.visibility</p:attrName>
-                                        </p:attrNameLst>
-                                      </p:cBhvr>
-                                      <p:to>
-                                        <p:strVal val="visible"/>
-                                      </p:to>
-                                    </p:set>
-                                  </p:childTnLst>
-                                </p:cTn>
-                              </p:par>
-                              <p:par>
-                                <p:cTn id="71" presetID="1" presetClass="entr" presetSubtype="0" fill="hold" grpId="0" nodeType="withEffect">
-                                  <p:stCondLst>
-                                    <p:cond delay="0"/>
-                                  </p:stCondLst>
-                                  <p:childTnLst>
-                                    <p:set>
-                                      <p:cBhvr>
-                                        <p:cTn id="72" dur="1" fill="hold">
-                                          <p:stCondLst>
-                                            <p:cond delay="0"/>
-                                          </p:stCondLst>
-                                        </p:cTn>
-                                        <p:tgtEl>
-                                          <p:spTgt spid="48"/>
+                                          <p:spTgt spid="94"/>
                                         </p:tgtEl>
                                         <p:attrNameLst>
                                           <p:attrName>style.visibility</p:attrName>
@@ -5302,59 +8672,32 @@
                     </p:cTn>
                   </p:par>
                   <p:par>
-                    <p:cTn id="73" fill="hold">
+                    <p:cTn id="71" fill="hold">
                       <p:stCondLst>
                         <p:cond delay="indefinite"/>
                       </p:stCondLst>
                       <p:childTnLst>
                         <p:par>
-                          <p:cTn id="74" fill="hold">
+                          <p:cTn id="72" fill="hold">
                             <p:stCondLst>
                               <p:cond delay="0"/>
                             </p:stCondLst>
                             <p:childTnLst>
                               <p:par>
-                                <p:cTn id="75" presetID="1" presetClass="entr" presetSubtype="0" fill="hold" nodeType="clickEffect">
+                                <p:cTn id="73" presetID="1" presetClass="entr" presetSubtype="0" fill="hold" nodeType="clickEffect">
                                   <p:stCondLst>
                                     <p:cond delay="0"/>
                                   </p:stCondLst>
                                   <p:childTnLst>
                                     <p:set>
                                       <p:cBhvr>
-                                        <p:cTn id="76" dur="1" fill="hold">
+                                        <p:cTn id="74" dur="1" fill="hold">
                                           <p:stCondLst>
                                             <p:cond delay="0"/>
                                           </p:stCondLst>
                                         </p:cTn>
                                         <p:tgtEl>
-                                          <p:spTgt spid="51"/>
-                                        </p:tgtEl>
-                                        <p:attrNameLst>
-                                          <p:attrName>style.visibility</p:attrName>
-                                        </p:attrNameLst>
-                                      </p:cBhvr>
-                                      <p:to>
-                                        <p:strVal val="visible"/>
-                                      </p:to>
-                                    </p:set>
-                                  </p:childTnLst>
-                                </p:cTn>
-                              </p:par>
-                              <p:par>
-                                <p:cTn id="77" presetID="1" presetClass="entr" presetSubtype="0" fill="hold" grpId="0" nodeType="withEffect">
-                                  <p:stCondLst>
-                                    <p:cond delay="0"/>
-                                  </p:stCondLst>
-                                  <p:childTnLst>
-                                    <p:set>
-                                      <p:cBhvr>
-                                        <p:cTn id="78" dur="1" fill="hold">
-                                          <p:stCondLst>
-                                            <p:cond delay="0"/>
-                                          </p:stCondLst>
-                                        </p:cTn>
-                                        <p:tgtEl>
-                                          <p:spTgt spid="55"/>
+                                          <p:spTgt spid="98"/>
                                         </p:tgtEl>
                                         <p:attrNameLst>
                                           <p:attrName>style.visibility</p:attrName>
@@ -5374,491 +8717,32 @@
                     </p:cTn>
                   </p:par>
                   <p:par>
-                    <p:cTn id="79" fill="hold">
+                    <p:cTn id="75" fill="hold">
                       <p:stCondLst>
                         <p:cond delay="indefinite"/>
                       </p:stCondLst>
                       <p:childTnLst>
                         <p:par>
-                          <p:cTn id="80" fill="hold">
+                          <p:cTn id="76" fill="hold">
                             <p:stCondLst>
                               <p:cond delay="0"/>
                             </p:stCondLst>
                             <p:childTnLst>
                               <p:par>
-                                <p:cTn id="81" presetID="1" presetClass="entr" presetSubtype="0" fill="hold" nodeType="clickEffect">
+                                <p:cTn id="77" presetID="1" presetClass="entr" presetSubtype="0" fill="hold" grpId="0" nodeType="clickEffect">
                                   <p:stCondLst>
                                     <p:cond delay="0"/>
                                   </p:stCondLst>
                                   <p:childTnLst>
                                     <p:set>
                                       <p:cBhvr>
-                                        <p:cTn id="82" dur="1" fill="hold">
+                                        <p:cTn id="78" dur="1" fill="hold">
                                           <p:stCondLst>
                                             <p:cond delay="0"/>
                                           </p:stCondLst>
                                         </p:cTn>
                                         <p:tgtEl>
-                                          <p:spTgt spid="60"/>
-                                        </p:tgtEl>
-                                        <p:attrNameLst>
-                                          <p:attrName>style.visibility</p:attrName>
-                                        </p:attrNameLst>
-                                      </p:cBhvr>
-                                      <p:to>
-                                        <p:strVal val="visible"/>
-                                      </p:to>
-                                    </p:set>
-                                  </p:childTnLst>
-                                </p:cTn>
-                              </p:par>
-                            </p:childTnLst>
-                          </p:cTn>
-                        </p:par>
-                      </p:childTnLst>
-                    </p:cTn>
-                  </p:par>
-                  <p:par>
-                    <p:cTn id="83" fill="hold">
-                      <p:stCondLst>
-                        <p:cond delay="indefinite"/>
-                      </p:stCondLst>
-                      <p:childTnLst>
-                        <p:par>
-                          <p:cTn id="84" fill="hold">
-                            <p:stCondLst>
-                              <p:cond delay="0"/>
-                            </p:stCondLst>
-                            <p:childTnLst>
-                              <p:par>
-                                <p:cTn id="85" presetID="1" presetClass="entr" presetSubtype="0" fill="hold" nodeType="clickEffect">
-                                  <p:stCondLst>
-                                    <p:cond delay="0"/>
-                                  </p:stCondLst>
-                                  <p:childTnLst>
-                                    <p:set>
-                                      <p:cBhvr>
-                                        <p:cTn id="86" dur="1" fill="hold">
-                                          <p:stCondLst>
-                                            <p:cond delay="0"/>
-                                          </p:stCondLst>
-                                        </p:cTn>
-                                        <p:tgtEl>
-                                          <p:spTgt spid="63"/>
-                                        </p:tgtEl>
-                                        <p:attrNameLst>
-                                          <p:attrName>style.visibility</p:attrName>
-                                        </p:attrNameLst>
-                                      </p:cBhvr>
-                                      <p:to>
-                                        <p:strVal val="visible"/>
-                                      </p:to>
-                                    </p:set>
-                                  </p:childTnLst>
-                                </p:cTn>
-                              </p:par>
-                            </p:childTnLst>
-                          </p:cTn>
-                        </p:par>
-                      </p:childTnLst>
-                    </p:cTn>
-                  </p:par>
-                  <p:par>
-                    <p:cTn id="87" fill="hold">
-                      <p:stCondLst>
-                        <p:cond delay="indefinite"/>
-                      </p:stCondLst>
-                      <p:childTnLst>
-                        <p:par>
-                          <p:cTn id="88" fill="hold">
-                            <p:stCondLst>
-                              <p:cond delay="0"/>
-                            </p:stCondLst>
-                            <p:childTnLst>
-                              <p:par>
-                                <p:cTn id="89" presetID="1" presetClass="entr" presetSubtype="0" fill="hold" nodeType="clickEffect">
-                                  <p:stCondLst>
-                                    <p:cond delay="0"/>
-                                  </p:stCondLst>
-                                  <p:childTnLst>
-                                    <p:set>
-                                      <p:cBhvr>
-                                        <p:cTn id="90" dur="1" fill="hold">
-                                          <p:stCondLst>
-                                            <p:cond delay="0"/>
-                                          </p:stCondLst>
-                                        </p:cTn>
-                                        <p:tgtEl>
-                                          <p:spTgt spid="66"/>
-                                        </p:tgtEl>
-                                        <p:attrNameLst>
-                                          <p:attrName>style.visibility</p:attrName>
-                                        </p:attrNameLst>
-                                      </p:cBhvr>
-                                      <p:to>
-                                        <p:strVal val="visible"/>
-                                      </p:to>
-                                    </p:set>
-                                  </p:childTnLst>
-                                </p:cTn>
-                              </p:par>
-                            </p:childTnLst>
-                          </p:cTn>
-                        </p:par>
-                      </p:childTnLst>
-                    </p:cTn>
-                  </p:par>
-                  <p:par>
-                    <p:cTn id="91" fill="hold">
-                      <p:stCondLst>
-                        <p:cond delay="indefinite"/>
-                      </p:stCondLst>
-                      <p:childTnLst>
-                        <p:par>
-                          <p:cTn id="92" fill="hold">
-                            <p:stCondLst>
-                              <p:cond delay="0"/>
-                            </p:stCondLst>
-                            <p:childTnLst>
-                              <p:par>
-                                <p:cTn id="93" presetID="1" presetClass="entr" presetSubtype="0" fill="hold" nodeType="clickEffect">
-                                  <p:stCondLst>
-                                    <p:cond delay="0"/>
-                                  </p:stCondLst>
-                                  <p:childTnLst>
-                                    <p:set>
-                                      <p:cBhvr>
-                                        <p:cTn id="94" dur="1" fill="hold">
-                                          <p:stCondLst>
-                                            <p:cond delay="0"/>
-                                          </p:stCondLst>
-                                        </p:cTn>
-                                        <p:tgtEl>
-                                          <p:spTgt spid="69"/>
-                                        </p:tgtEl>
-                                        <p:attrNameLst>
-                                          <p:attrName>style.visibility</p:attrName>
-                                        </p:attrNameLst>
-                                      </p:cBhvr>
-                                      <p:to>
-                                        <p:strVal val="visible"/>
-                                      </p:to>
-                                    </p:set>
-                                  </p:childTnLst>
-                                </p:cTn>
-                              </p:par>
-                            </p:childTnLst>
-                          </p:cTn>
-                        </p:par>
-                      </p:childTnLst>
-                    </p:cTn>
-                  </p:par>
-                  <p:par>
-                    <p:cTn id="95" fill="hold">
-                      <p:stCondLst>
-                        <p:cond delay="indefinite"/>
-                      </p:stCondLst>
-                      <p:childTnLst>
-                        <p:par>
-                          <p:cTn id="96" fill="hold">
-                            <p:stCondLst>
-                              <p:cond delay="0"/>
-                            </p:stCondLst>
-                            <p:childTnLst>
-                              <p:par>
-                                <p:cTn id="97" presetID="1" presetClass="entr" presetSubtype="0" fill="hold" nodeType="clickEffect">
-                                  <p:stCondLst>
-                                    <p:cond delay="0"/>
-                                  </p:stCondLst>
-                                  <p:childTnLst>
-                                    <p:set>
-                                      <p:cBhvr>
-                                        <p:cTn id="98" dur="1" fill="hold">
-                                          <p:stCondLst>
-                                            <p:cond delay="0"/>
-                                          </p:stCondLst>
-                                        </p:cTn>
-                                        <p:tgtEl>
-                                          <p:spTgt spid="32"/>
-                                        </p:tgtEl>
-                                        <p:attrNameLst>
-                                          <p:attrName>style.visibility</p:attrName>
-                                        </p:attrNameLst>
-                                      </p:cBhvr>
-                                      <p:to>
-                                        <p:strVal val="visible"/>
-                                      </p:to>
-                                    </p:set>
-                                  </p:childTnLst>
-                                </p:cTn>
-                              </p:par>
-                            </p:childTnLst>
-                          </p:cTn>
-                        </p:par>
-                      </p:childTnLst>
-                    </p:cTn>
-                  </p:par>
-                  <p:par>
-                    <p:cTn id="99" fill="hold">
-                      <p:stCondLst>
-                        <p:cond delay="indefinite"/>
-                      </p:stCondLst>
-                      <p:childTnLst>
-                        <p:par>
-                          <p:cTn id="100" fill="hold">
-                            <p:stCondLst>
-                              <p:cond delay="0"/>
-                            </p:stCondLst>
-                            <p:childTnLst>
-                              <p:par>
-                                <p:cTn id="101" presetID="1" presetClass="entr" presetSubtype="0" fill="hold" nodeType="clickEffect">
-                                  <p:stCondLst>
-                                    <p:cond delay="0"/>
-                                  </p:stCondLst>
-                                  <p:childTnLst>
-                                    <p:set>
-                                      <p:cBhvr>
-                                        <p:cTn id="102" dur="1" fill="hold">
-                                          <p:stCondLst>
-                                            <p:cond delay="0"/>
-                                          </p:stCondLst>
-                                        </p:cTn>
-                                        <p:tgtEl>
-                                          <p:spTgt spid="33"/>
-                                        </p:tgtEl>
-                                        <p:attrNameLst>
-                                          <p:attrName>style.visibility</p:attrName>
-                                        </p:attrNameLst>
-                                      </p:cBhvr>
-                                      <p:to>
-                                        <p:strVal val="visible"/>
-                                      </p:to>
-                                    </p:set>
-                                  </p:childTnLst>
-                                </p:cTn>
-                              </p:par>
-                            </p:childTnLst>
-                          </p:cTn>
-                        </p:par>
-                      </p:childTnLst>
-                    </p:cTn>
-                  </p:par>
-                  <p:par>
-                    <p:cTn id="103" fill="hold">
-                      <p:stCondLst>
-                        <p:cond delay="indefinite"/>
-                      </p:stCondLst>
-                      <p:childTnLst>
-                        <p:par>
-                          <p:cTn id="104" fill="hold">
-                            <p:stCondLst>
-                              <p:cond delay="0"/>
-                            </p:stCondLst>
-                            <p:childTnLst>
-                              <p:par>
-                                <p:cTn id="105" presetID="1" presetClass="entr" presetSubtype="0" fill="hold" nodeType="clickEffect">
-                                  <p:stCondLst>
-                                    <p:cond delay="0"/>
-                                  </p:stCondLst>
-                                  <p:childTnLst>
-                                    <p:set>
-                                      <p:cBhvr>
-                                        <p:cTn id="106" dur="1" fill="hold">
-                                          <p:stCondLst>
-                                            <p:cond delay="0"/>
-                                          </p:stCondLst>
-                                        </p:cTn>
-                                        <p:tgtEl>
-                                          <p:spTgt spid="43"/>
-                                        </p:tgtEl>
-                                        <p:attrNameLst>
-                                          <p:attrName>style.visibility</p:attrName>
-                                        </p:attrNameLst>
-                                      </p:cBhvr>
-                                      <p:to>
-                                        <p:strVal val="visible"/>
-                                      </p:to>
-                                    </p:set>
-                                  </p:childTnLst>
-                                </p:cTn>
-                              </p:par>
-                            </p:childTnLst>
-                          </p:cTn>
-                        </p:par>
-                      </p:childTnLst>
-                    </p:cTn>
-                  </p:par>
-                  <p:par>
-                    <p:cTn id="107" fill="hold">
-                      <p:stCondLst>
-                        <p:cond delay="indefinite"/>
-                      </p:stCondLst>
-                      <p:childTnLst>
-                        <p:par>
-                          <p:cTn id="108" fill="hold">
-                            <p:stCondLst>
-                              <p:cond delay="0"/>
-                            </p:stCondLst>
-                            <p:childTnLst>
-                              <p:par>
-                                <p:cTn id="109" presetID="1" presetClass="entr" presetSubtype="0" fill="hold" nodeType="clickEffect">
-                                  <p:stCondLst>
-                                    <p:cond delay="0"/>
-                                  </p:stCondLst>
-                                  <p:childTnLst>
-                                    <p:set>
-                                      <p:cBhvr>
-                                        <p:cTn id="110" dur="1" fill="hold">
-                                          <p:stCondLst>
-                                            <p:cond delay="0"/>
-                                          </p:stCondLst>
-                                        </p:cTn>
-                                        <p:tgtEl>
-                                          <p:spTgt spid="46"/>
-                                        </p:tgtEl>
-                                        <p:attrNameLst>
-                                          <p:attrName>style.visibility</p:attrName>
-                                        </p:attrNameLst>
-                                      </p:cBhvr>
-                                      <p:to>
-                                        <p:strVal val="visible"/>
-                                      </p:to>
-                                    </p:set>
-                                  </p:childTnLst>
-                                </p:cTn>
-                              </p:par>
-                              <p:par>
-                                <p:cTn id="111" presetID="1" presetClass="entr" presetSubtype="0" fill="hold" grpId="0" nodeType="withEffect">
-                                  <p:stCondLst>
-                                    <p:cond delay="0"/>
-                                  </p:stCondLst>
-                                  <p:childTnLst>
-                                    <p:set>
-                                      <p:cBhvr>
-                                        <p:cTn id="112" dur="1" fill="hold">
-                                          <p:stCondLst>
-                                            <p:cond delay="0"/>
-                                          </p:stCondLst>
-                                        </p:cTn>
-                                        <p:tgtEl>
-                                          <p:spTgt spid="50"/>
-                                        </p:tgtEl>
-                                        <p:attrNameLst>
-                                          <p:attrName>style.visibility</p:attrName>
-                                        </p:attrNameLst>
-                                      </p:cBhvr>
-                                      <p:to>
-                                        <p:strVal val="visible"/>
-                                      </p:to>
-                                    </p:set>
-                                  </p:childTnLst>
-                                </p:cTn>
-                              </p:par>
-                            </p:childTnLst>
-                          </p:cTn>
-                        </p:par>
-                      </p:childTnLst>
-                    </p:cTn>
-                  </p:par>
-                  <p:par>
-                    <p:cTn id="113" fill="hold">
-                      <p:stCondLst>
-                        <p:cond delay="indefinite"/>
-                      </p:stCondLst>
-                      <p:childTnLst>
-                        <p:par>
-                          <p:cTn id="114" fill="hold">
-                            <p:stCondLst>
-                              <p:cond delay="0"/>
-                            </p:stCondLst>
-                            <p:childTnLst>
-                              <p:par>
-                                <p:cTn id="115" presetID="1" presetClass="entr" presetSubtype="0" fill="hold" nodeType="clickEffect">
-                                  <p:stCondLst>
-                                    <p:cond delay="0"/>
-                                  </p:stCondLst>
-                                  <p:childTnLst>
-                                    <p:set>
-                                      <p:cBhvr>
-                                        <p:cTn id="116" dur="1" fill="hold">
-                                          <p:stCondLst>
-                                            <p:cond delay="0"/>
-                                          </p:stCondLst>
-                                        </p:cTn>
-                                        <p:tgtEl>
-                                          <p:spTgt spid="52"/>
-                                        </p:tgtEl>
-                                        <p:attrNameLst>
-                                          <p:attrName>style.visibility</p:attrName>
-                                        </p:attrNameLst>
-                                      </p:cBhvr>
-                                      <p:to>
-                                        <p:strVal val="visible"/>
-                                      </p:to>
-                                    </p:set>
-                                  </p:childTnLst>
-                                </p:cTn>
-                              </p:par>
-                              <p:par>
-                                <p:cTn id="117" presetID="1" presetClass="entr" presetSubtype="0" fill="hold" grpId="0" nodeType="withEffect">
-                                  <p:stCondLst>
-                                    <p:cond delay="0"/>
-                                  </p:stCondLst>
-                                  <p:childTnLst>
-                                    <p:set>
-                                      <p:cBhvr>
-                                        <p:cTn id="118" dur="1" fill="hold">
-                                          <p:stCondLst>
-                                            <p:cond delay="0"/>
-                                          </p:stCondLst>
-                                        </p:cTn>
-                                        <p:tgtEl>
-                                          <p:spTgt spid="40"/>
-                                        </p:tgtEl>
-                                        <p:attrNameLst>
-                                          <p:attrName>style.visibility</p:attrName>
-                                        </p:attrNameLst>
-                                      </p:cBhvr>
-                                      <p:to>
-                                        <p:strVal val="visible"/>
-                                      </p:to>
-                                    </p:set>
-                                  </p:childTnLst>
-                                </p:cTn>
-                              </p:par>
-                            </p:childTnLst>
-                          </p:cTn>
-                        </p:par>
-                      </p:childTnLst>
-                    </p:cTn>
-                  </p:par>
-                  <p:par>
-                    <p:cTn id="119" fill="hold">
-                      <p:stCondLst>
-                        <p:cond delay="indefinite"/>
-                      </p:stCondLst>
-                      <p:childTnLst>
-                        <p:par>
-                          <p:cTn id="120" fill="hold">
-                            <p:stCondLst>
-                              <p:cond delay="0"/>
-                            </p:stCondLst>
-                            <p:childTnLst>
-                              <p:par>
-                                <p:cTn id="121" presetID="1" presetClass="entr" presetSubtype="0" fill="hold" nodeType="clickEffect">
-                                  <p:stCondLst>
-                                    <p:cond delay="0"/>
-                                  </p:stCondLst>
-                                  <p:childTnLst>
-                                    <p:set>
-                                      <p:cBhvr>
-                                        <p:cTn id="122" dur="1" fill="hold">
-                                          <p:stCondLst>
-                                            <p:cond delay="0"/>
-                                          </p:stCondLst>
-                                        </p:cTn>
-                                        <p:tgtEl>
-                                          <p:spTgt spid="47"/>
+                                          <p:spTgt spid="34"/>
                                         </p:tgtEl>
                                         <p:attrNameLst>
                                           <p:attrName>style.visibility</p:attrName>
@@ -5899,21 +8783,23 @@
       </p:par>
     </p:tnLst>
     <p:bldLst>
+      <p:bldP spid="34" grpId="0" animBg="1"/>
+      <p:bldP spid="59" grpId="0" animBg="1"/>
+      <p:bldP spid="72" grpId="0" animBg="1"/>
       <p:bldP spid="5" grpId="0" animBg="1"/>
       <p:bldP spid="7" grpId="0" animBg="1"/>
       <p:bldP spid="9" grpId="0" animBg="1"/>
-      <p:bldP spid="12" grpId="0" animBg="1"/>
-      <p:bldP spid="15" grpId="0" animBg="1"/>
-      <p:bldP spid="22" grpId="0" animBg="1"/>
-      <p:bldP spid="35" grpId="0" animBg="1"/>
-      <p:bldP spid="38" grpId="0" animBg="1"/>
-      <p:bldP spid="18" grpId="0" animBg="1"/>
-      <p:bldP spid="20" grpId="0" animBg="1"/>
+      <p:bldP spid="53" grpId="0" animBg="1"/>
+      <p:bldP spid="57" grpId="0" animBg="1"/>
+      <p:bldP spid="62" grpId="0" animBg="1"/>
+      <p:bldP spid="65" grpId="0" animBg="1"/>
+      <p:bldP spid="70" grpId="0" animBg="1"/>
+      <p:bldP spid="71" grpId="0" animBg="1"/>
+      <p:bldP spid="74" grpId="0" animBg="1"/>
       <p:bldP spid="41" grpId="0" animBg="1"/>
-      <p:bldP spid="48" grpId="0" animBg="1"/>
-      <p:bldP spid="55" grpId="0" animBg="1"/>
-      <p:bldP spid="50" grpId="0" animBg="1"/>
-      <p:bldP spid="40" grpId="0" animBg="1"/>
+      <p:bldP spid="76" grpId="0" animBg="1"/>
+      <p:bldP spid="77" grpId="0" animBg="1"/>
+      <p:bldP spid="91" grpId="0" animBg="1"/>
     </p:bldLst>
   </p:timing>
 </p:sld>
@@ -6203,7 +9089,7 @@
   <a:extraClrSchemeLst/>
   <a:extLst>
     <a:ext uri="{05A4C25C-085E-4340-85A3-A5531E510DB2}">
-      <thm15:themeFamily xmlns="" xmlns:thm15="http://schemas.microsoft.com/office/thememl/2012/main" name="ConcurCorporateTemplate2013_Helvetica_16x9" id="{A09BE1D0-94B0-44B7-9420-2ECF7BB955CC}" vid="{59E5CBDF-7240-4762-BDFB-AAFD424E1AE9}"/>
+      <thm15:themeFamily xmlns:thm15="http://schemas.microsoft.com/office/thememl/2012/main" xmlns="" name="ConcurCorporateTemplate2013_Helvetica_16x9" id="{A09BE1D0-94B0-44B7-9420-2ECF7BB955CC}" vid="{59E5CBDF-7240-4762-BDFB-AAFD424E1AE9}"/>
     </a:ext>
   </a:extLst>
 </a:theme>

--- a/fig/zapier_v02.pptx
+++ b/fig/zapier_v02.pptx
@@ -1417,7 +1417,7 @@
               <a:t>DownlinkBuilder</a:t>
             </a:r>
             <a:r>
-              <a:rPr lang="en-US" smtClean="0">
+              <a:rPr lang="en-US" dirty="0" smtClean="0">
                 <a:latin typeface="Open Sans Light"/>
                 <a:cs typeface="Open Sans Light"/>
               </a:rPr>
@@ -3362,7 +3362,7 @@
                 <a:ea typeface="Open Sans Light" charset="0"/>
                 <a:cs typeface="Open Sans Light"/>
               </a:rPr>
-              <a:t>Service</a:t>
+              <a:t>service</a:t>
             </a:r>
             <a:endParaRPr lang="en-US" sz="1800" dirty="0">
               <a:latin typeface="Open Sans Light"/>
@@ -4406,7 +4406,7 @@
         </p:nvCxnSpPr>
         <p:spPr>
           <a:xfrm flipH="1">
-            <a:off x="4651135" y="484694"/>
+            <a:off x="4651135" y="779715"/>
             <a:ext cx="1188934" cy="382090"/>
           </a:xfrm>
           <a:prstGeom prst="line">
@@ -4561,7 +4561,7 @@
                 <a:ea typeface="Open Sans Light" charset="0"/>
                 <a:cs typeface="Open Sans Light"/>
               </a:rPr>
-              <a:t>user agent</a:t>
+              <a:t>chat</a:t>
             </a:r>
             <a:endParaRPr lang="en-US" sz="1800" dirty="0">
               <a:latin typeface="Open Sans Light"/>
@@ -4579,7 +4579,7 @@
         </p:nvSpPr>
         <p:spPr>
           <a:xfrm>
-            <a:off x="4498734" y="866784"/>
+            <a:off x="4498734" y="1161805"/>
             <a:ext cx="585116" cy="307777"/>
           </a:xfrm>
           <a:prstGeom prst="rect">
@@ -4682,18 +4682,16 @@
         </p:nvSpPr>
         <p:spPr>
           <a:xfrm>
-            <a:off x="615800" y="2112325"/>
-            <a:ext cx="1464933" cy="678233"/>
+            <a:off x="-2003758" y="1869519"/>
+            <a:ext cx="1464933" cy="424825"/>
           </a:xfrm>
           <a:prstGeom prst="rect">
             <a:avLst/>
           </a:prstGeom>
-          <a:solidFill>
-            <a:srgbClr val="C0504D"/>
-          </a:solidFill>
+          <a:noFill/>
           <a:ln>
             <a:solidFill>
-              <a:schemeClr val="bg1"/>
+              <a:schemeClr val="tx1"/>
             </a:solidFill>
           </a:ln>
         </p:spPr>
@@ -4728,13 +4726,19 @@
             </a:pPr>
             <a:r>
               <a:rPr lang="en-US" sz="1800" dirty="0" smtClean="0">
+                <a:solidFill>
+                  <a:srgbClr val="000000"/>
+                </a:solidFill>
                 <a:latin typeface="Open Sans Light"/>
                 <a:ea typeface="Open Sans Light" charset="0"/>
                 <a:cs typeface="Open Sans Light"/>
               </a:rPr>
-              <a:t>Homebrew</a:t>
+              <a:t>.recon</a:t>
             </a:r>
             <a:endParaRPr lang="en-US" sz="1800" dirty="0">
+              <a:solidFill>
+                <a:srgbClr val="000000"/>
+              </a:solidFill>
               <a:latin typeface="Open Sans Light"/>
               <a:ea typeface="Open Sans Light" charset="0"/>
               <a:cs typeface="Open Sans Light"/>

--- a/fig/zapier_v02.pptx
+++ b/fig/zapier_v02.pptx
@@ -3073,74 +3073,6 @@
           </a:p>
         </p:txBody>
       </p:sp>
-      <p:sp>
-        <p:nvSpPr>
-          <p:cNvPr id="72" name="Rectangle 71"/>
-          <p:cNvSpPr/>
-          <p:nvPr/>
-        </p:nvSpPr>
-        <p:spPr>
-          <a:xfrm>
-            <a:off x="5643287" y="855803"/>
-            <a:ext cx="1642973" cy="1152504"/>
-          </a:xfrm>
-          <a:prstGeom prst="rect">
-            <a:avLst/>
-          </a:prstGeom>
-          <a:solidFill>
-            <a:srgbClr val="FF6600"/>
-          </a:solidFill>
-          <a:ln>
-            <a:solidFill>
-              <a:schemeClr val="bg1"/>
-            </a:solidFill>
-          </a:ln>
-        </p:spPr>
-        <p:style>
-          <a:lnRef idx="2">
-            <a:schemeClr val="accent1">
-              <a:shade val="50000"/>
-            </a:schemeClr>
-          </a:lnRef>
-          <a:fillRef idx="1">
-            <a:schemeClr val="accent1"/>
-          </a:fillRef>
-          <a:effectRef idx="0">
-            <a:schemeClr val="accent1"/>
-          </a:effectRef>
-          <a:fontRef idx="minor">
-            <a:schemeClr val="lt1"/>
-          </a:fontRef>
-        </p:style>
-        <p:txBody>
-          <a:bodyPr lIns="68681" tIns="34340" rIns="68681" bIns="34340" anchor="t"/>
-          <a:lstStyle/>
-          <a:p>
-            <a:pPr algn="ctr" defTabSz="343403" eaLnBrk="1" fontAlgn="auto" hangingPunct="1">
-              <a:spcBef>
-                <a:spcPts val="0"/>
-              </a:spcBef>
-              <a:spcAft>
-                <a:spcPts val="0"/>
-              </a:spcAft>
-              <a:defRPr/>
-            </a:pPr>
-            <a:r>
-              <a:rPr lang="en-US" sz="1800" dirty="0" smtClean="0">
-                <a:latin typeface="Open Sans Light"/>
-                <a:ea typeface="Open Sans Light" charset="0"/>
-                <a:cs typeface="Open Sans Light"/>
-              </a:rPr>
-              <a:t>Service</a:t>
-            </a:r>
-            <a:endParaRPr lang="en-US" sz="1800" dirty="0">
-              <a:latin typeface="Open Sans Light"/>
-              <a:ea typeface="Open Sans Light" charset="0"/>
-              <a:cs typeface="Open Sans Light"/>
-            </a:endParaRPr>
-          </a:p>
-        </p:txBody>
-      </p:sp>
       <p:cxnSp>
         <p:nvCxnSpPr>
           <p:cNvPr id="42" name="Straight Connector 41"/>
@@ -3312,8 +3244,8 @@
         </p:nvSpPr>
         <p:spPr>
           <a:xfrm>
-            <a:off x="5490887" y="703403"/>
-            <a:ext cx="1642973" cy="1152504"/>
+            <a:off x="5490887" y="613613"/>
+            <a:ext cx="1642973" cy="1387349"/>
           </a:xfrm>
           <a:prstGeom prst="rect">
             <a:avLst/>
@@ -3754,8 +3686,8 @@
         </p:nvSpPr>
         <p:spPr>
           <a:xfrm>
-            <a:off x="5706034" y="1063945"/>
-            <a:ext cx="1200150" cy="443270"/>
+            <a:off x="5834324" y="1000481"/>
+            <a:ext cx="1200150" cy="352810"/>
           </a:xfrm>
           <a:prstGeom prst="rect">
             <a:avLst/>
@@ -4941,6 +4873,82 @@
                 <a:cs typeface="Open Sans Light"/>
               </a:rPr>
               <a:t>Homebrew</a:t>
+            </a:r>
+            <a:endParaRPr lang="en-US" sz="1800" dirty="0">
+              <a:latin typeface="Open Sans Light"/>
+              <a:ea typeface="Open Sans Light" charset="0"/>
+              <a:cs typeface="Open Sans Light"/>
+            </a:endParaRPr>
+          </a:p>
+        </p:txBody>
+      </p:sp>
+      <p:sp>
+        <p:nvSpPr>
+          <p:cNvPr id="117" name="Rectangle 116"/>
+          <p:cNvSpPr/>
+          <p:nvPr/>
+        </p:nvSpPr>
+        <p:spPr>
+          <a:xfrm>
+            <a:off x="5858434" y="1434404"/>
+            <a:ext cx="1200150" cy="384040"/>
+          </a:xfrm>
+          <a:prstGeom prst="rect">
+            <a:avLst/>
+          </a:prstGeom>
+          <a:solidFill>
+            <a:srgbClr val="00A9F2"/>
+          </a:solidFill>
+          <a:ln>
+            <a:solidFill>
+              <a:schemeClr val="bg1"/>
+            </a:solidFill>
+          </a:ln>
+        </p:spPr>
+        <p:style>
+          <a:lnRef idx="2">
+            <a:schemeClr val="accent1">
+              <a:shade val="50000"/>
+            </a:schemeClr>
+          </a:lnRef>
+          <a:fillRef idx="1">
+            <a:schemeClr val="accent1"/>
+          </a:fillRef>
+          <a:effectRef idx="0">
+            <a:schemeClr val="accent1"/>
+          </a:effectRef>
+          <a:fontRef idx="minor">
+            <a:schemeClr val="lt1"/>
+          </a:fontRef>
+        </p:style>
+        <p:txBody>
+          <a:bodyPr lIns="68681" tIns="34340" rIns="68681" bIns="34340" anchor="ctr"/>
+          <a:lstStyle/>
+          <a:p>
+            <a:pPr algn="ctr" defTabSz="343403" eaLnBrk="1" fontAlgn="auto" hangingPunct="1">
+              <a:spcBef>
+                <a:spcPts val="0"/>
+              </a:spcBef>
+              <a:spcAft>
+                <a:spcPts val="0"/>
+              </a:spcAft>
+              <a:defRPr/>
+            </a:pPr>
+            <a:r>
+              <a:rPr lang="en-US" sz="1800" dirty="0" smtClean="0">
+                <a:latin typeface="Open Sans Light"/>
+                <a:ea typeface="Open Sans Light" charset="0"/>
+                <a:cs typeface="Open Sans Light"/>
+              </a:rPr>
+              <a:t>Map</a:t>
+            </a:r>
+            <a:r>
+              <a:rPr lang="en-US" sz="1800" dirty="0" smtClean="0">
+                <a:latin typeface="Open Sans Light"/>
+                <a:ea typeface="Open Sans Light" charset="0"/>
+                <a:cs typeface="Open Sans Light"/>
+              </a:rPr>
+              <a:t>Lane</a:t>
             </a:r>
             <a:endParaRPr lang="en-US" sz="1800" dirty="0">
               <a:latin typeface="Open Sans Light"/>
@@ -5387,7 +5395,7 @@
                                           </p:stCondLst>
                                         </p:cTn>
                                         <p:tgtEl>
-                                          <p:spTgt spid="72"/>
+                                          <p:spTgt spid="74"/>
                                         </p:tgtEl>
                                         <p:attrNameLst>
                                           <p:attrName>style.visibility</p:attrName>
@@ -5414,7 +5422,7 @@
                                           </p:stCondLst>
                                         </p:cTn>
                                         <p:tgtEl>
-                                          <p:spTgt spid="74"/>
+                                          <p:spTgt spid="77"/>
                                         </p:tgtEl>
                                         <p:attrNameLst>
                                           <p:attrName>style.visibility</p:attrName>
@@ -5441,7 +5449,7 @@
                                           </p:stCondLst>
                                         </p:cTn>
                                         <p:tgtEl>
-                                          <p:spTgt spid="77"/>
+                                          <p:spTgt spid="76"/>
                                         </p:tgtEl>
                                         <p:attrNameLst>
                                           <p:attrName>style.visibility</p:attrName>
@@ -5468,33 +5476,6 @@
                                           </p:stCondLst>
                                         </p:cTn>
                                         <p:tgtEl>
-                                          <p:spTgt spid="76"/>
-                                        </p:tgtEl>
-                                        <p:attrNameLst>
-                                          <p:attrName>style.visibility</p:attrName>
-                                        </p:attrNameLst>
-                                      </p:cBhvr>
-                                      <p:to>
-                                        <p:strVal val="visible"/>
-                                      </p:to>
-                                    </p:set>
-                                  </p:childTnLst>
-                                </p:cTn>
-                              </p:par>
-                              <p:par>
-                                <p:cTn id="45" presetID="1" presetClass="entr" presetSubtype="0" fill="hold" grpId="0" nodeType="withEffect">
-                                  <p:stCondLst>
-                                    <p:cond delay="0"/>
-                                  </p:stCondLst>
-                                  <p:childTnLst>
-                                    <p:set>
-                                      <p:cBhvr>
-                                        <p:cTn id="46" dur="1" fill="hold">
-                                          <p:stCondLst>
-                                            <p:cond delay="0"/>
-                                          </p:stCondLst>
-                                        </p:cTn>
-                                        <p:tgtEl>
                                           <p:spTgt spid="91"/>
                                         </p:tgtEl>
                                         <p:attrNameLst>
@@ -5515,26 +5496,26 @@
                     </p:cTn>
                   </p:par>
                   <p:par>
-                    <p:cTn id="47" fill="hold">
+                    <p:cTn id="45" fill="hold">
                       <p:stCondLst>
                         <p:cond delay="indefinite"/>
                       </p:stCondLst>
                       <p:childTnLst>
                         <p:par>
-                          <p:cTn id="48" fill="hold">
+                          <p:cTn id="46" fill="hold">
                             <p:stCondLst>
                               <p:cond delay="0"/>
                             </p:stCondLst>
                             <p:childTnLst>
                               <p:par>
-                                <p:cTn id="49" presetID="1" presetClass="entr" presetSubtype="0" fill="hold" nodeType="clickEffect">
+                                <p:cTn id="47" presetID="1" presetClass="entr" presetSubtype="0" fill="hold" nodeType="clickEffect">
                                   <p:stCondLst>
                                     <p:cond delay="0"/>
                                   </p:stCondLst>
                                   <p:childTnLst>
                                     <p:set>
                                       <p:cBhvr>
-                                        <p:cTn id="50" dur="1" fill="hold">
+                                        <p:cTn id="48" dur="1" fill="hold">
                                           <p:stCondLst>
                                             <p:cond delay="0"/>
                                           </p:stCondLst>
@@ -5560,26 +5541,26 @@
                     </p:cTn>
                   </p:par>
                   <p:par>
-                    <p:cTn id="51" fill="hold">
+                    <p:cTn id="49" fill="hold">
                       <p:stCondLst>
                         <p:cond delay="indefinite"/>
                       </p:stCondLst>
                       <p:childTnLst>
                         <p:par>
-                          <p:cTn id="52" fill="hold">
+                          <p:cTn id="50" fill="hold">
                             <p:stCondLst>
                               <p:cond delay="0"/>
                             </p:stCondLst>
                             <p:childTnLst>
                               <p:par>
-                                <p:cTn id="53" presetID="1" presetClass="entr" presetSubtype="0" fill="hold" nodeType="clickEffect">
+                                <p:cTn id="51" presetID="1" presetClass="entr" presetSubtype="0" fill="hold" nodeType="clickEffect">
                                   <p:stCondLst>
                                     <p:cond delay="0"/>
                                   </p:stCondLst>
                                   <p:childTnLst>
                                     <p:set>
                                       <p:cBhvr>
-                                        <p:cTn id="54" dur="1" fill="hold">
+                                        <p:cTn id="52" dur="1" fill="hold">
                                           <p:stCondLst>
                                             <p:cond delay="0"/>
                                           </p:stCondLst>
@@ -5605,26 +5586,26 @@
                     </p:cTn>
                   </p:par>
                   <p:par>
-                    <p:cTn id="55" fill="hold">
+                    <p:cTn id="53" fill="hold">
                       <p:stCondLst>
                         <p:cond delay="indefinite"/>
                       </p:stCondLst>
                       <p:childTnLst>
                         <p:par>
-                          <p:cTn id="56" fill="hold">
+                          <p:cTn id="54" fill="hold">
                             <p:stCondLst>
                               <p:cond delay="0"/>
                             </p:stCondLst>
                             <p:childTnLst>
                               <p:par>
-                                <p:cTn id="57" presetID="1" presetClass="entr" presetSubtype="0" fill="hold" nodeType="clickEffect">
+                                <p:cTn id="55" presetID="1" presetClass="entr" presetSubtype="0" fill="hold" nodeType="clickEffect">
                                   <p:stCondLst>
                                     <p:cond delay="0"/>
                                   </p:stCondLst>
                                   <p:childTnLst>
                                     <p:set>
                                       <p:cBhvr>
-                                        <p:cTn id="58" dur="1" fill="hold">
+                                        <p:cTn id="56" dur="1" fill="hold">
                                           <p:stCondLst>
                                             <p:cond delay="0"/>
                                           </p:stCondLst>
@@ -5644,14 +5625,14 @@
                                 </p:cTn>
                               </p:par>
                               <p:par>
-                                <p:cTn id="59" presetID="1" presetClass="entr" presetSubtype="0" fill="hold" grpId="0" nodeType="withEffect">
+                                <p:cTn id="57" presetID="1" presetClass="entr" presetSubtype="0" fill="hold" grpId="0" nodeType="withEffect">
                                   <p:stCondLst>
                                     <p:cond delay="0"/>
                                   </p:stCondLst>
                                   <p:childTnLst>
                                     <p:set>
                                       <p:cBhvr>
-                                        <p:cTn id="60" dur="1" fill="hold">
+                                        <p:cTn id="58" dur="1" fill="hold">
                                           <p:stCondLst>
                                             <p:cond delay="0"/>
                                           </p:stCondLst>
@@ -5677,19 +5658,46 @@
                     </p:cTn>
                   </p:par>
                   <p:par>
-                    <p:cTn id="61" fill="hold">
+                    <p:cTn id="59" fill="hold">
                       <p:stCondLst>
                         <p:cond delay="indefinite"/>
                       </p:stCondLst>
                       <p:childTnLst>
                         <p:par>
-                          <p:cTn id="62" fill="hold">
+                          <p:cTn id="60" fill="hold">
                             <p:stCondLst>
                               <p:cond delay="0"/>
                             </p:stCondLst>
                             <p:childTnLst>
                               <p:par>
-                                <p:cTn id="63" presetID="1" presetClass="entr" presetSubtype="0" fill="hold" nodeType="clickEffect">
+                                <p:cTn id="61" presetID="1" presetClass="entr" presetSubtype="0" fill="hold" nodeType="clickEffect">
+                                  <p:stCondLst>
+                                    <p:cond delay="0"/>
+                                  </p:stCondLst>
+                                  <p:childTnLst>
+                                    <p:set>
+                                      <p:cBhvr>
+                                        <p:cTn id="62" dur="1" fill="hold">
+                                          <p:stCondLst>
+                                            <p:cond delay="0"/>
+                                          </p:stCondLst>
+                                        </p:cTn>
+                                        <p:tgtEl>
+                                          <p:spTgt spid="102"/>
+                                        </p:tgtEl>
+                                        <p:attrNameLst>
+                                          <p:attrName>style.visibility</p:attrName>
+                                        </p:attrNameLst>
+                                      </p:cBhvr>
+                                      <p:to>
+                                        <p:strVal val="visible"/>
+                                      </p:to>
+                                    </p:set>
+                                  </p:childTnLst>
+                                </p:cTn>
+                              </p:par>
+                              <p:par>
+                                <p:cTn id="63" presetID="1" presetClass="entr" presetSubtype="0" fill="hold" grpId="0" nodeType="withEffect">
                                   <p:stCondLst>
                                     <p:cond delay="0"/>
                                   </p:stCondLst>
@@ -5702,7 +5710,7 @@
                                           </p:stCondLst>
                                         </p:cTn>
                                         <p:tgtEl>
-                                          <p:spTgt spid="102"/>
+                                          <p:spTgt spid="103"/>
                                         </p:tgtEl>
                                         <p:attrNameLst>
                                           <p:attrName>style.visibility</p:attrName>
@@ -5729,7 +5737,7 @@
                                           </p:stCondLst>
                                         </p:cTn>
                                         <p:tgtEl>
-                                          <p:spTgt spid="103"/>
+                                          <p:spTgt spid="106"/>
                                         </p:tgtEl>
                                         <p:attrNameLst>
                                           <p:attrName>style.visibility</p:attrName>
@@ -5756,7 +5764,7 @@
                                           </p:stCondLst>
                                         </p:cTn>
                                         <p:tgtEl>
-                                          <p:spTgt spid="106"/>
+                                          <p:spTgt spid="107"/>
                                         </p:tgtEl>
                                         <p:attrNameLst>
                                           <p:attrName>style.visibility</p:attrName>
@@ -5783,7 +5791,7 @@
                                           </p:stCondLst>
                                         </p:cTn>
                                         <p:tgtEl>
-                                          <p:spTgt spid="107"/>
+                                          <p:spTgt spid="108"/>
                                         </p:tgtEl>
                                         <p:attrNameLst>
                                           <p:attrName>style.visibility</p:attrName>
@@ -5810,33 +5818,6 @@
                                           </p:stCondLst>
                                         </p:cTn>
                                         <p:tgtEl>
-                                          <p:spTgt spid="108"/>
-                                        </p:tgtEl>
-                                        <p:attrNameLst>
-                                          <p:attrName>style.visibility</p:attrName>
-                                        </p:attrNameLst>
-                                      </p:cBhvr>
-                                      <p:to>
-                                        <p:strVal val="visible"/>
-                                      </p:to>
-                                    </p:set>
-                                  </p:childTnLst>
-                                </p:cTn>
-                              </p:par>
-                              <p:par>
-                                <p:cTn id="73" presetID="1" presetClass="entr" presetSubtype="0" fill="hold" grpId="0" nodeType="withEffect">
-                                  <p:stCondLst>
-                                    <p:cond delay="0"/>
-                                  </p:stCondLst>
-                                  <p:childTnLst>
-                                    <p:set>
-                                      <p:cBhvr>
-                                        <p:cTn id="74" dur="1" fill="hold">
-                                          <p:stCondLst>
-                                            <p:cond delay="0"/>
-                                          </p:stCondLst>
-                                        </p:cTn>
-                                        <p:tgtEl>
                                           <p:spTgt spid="109"/>
                                         </p:tgtEl>
                                         <p:attrNameLst>
@@ -5857,26 +5838,26 @@
                     </p:cTn>
                   </p:par>
                   <p:par>
-                    <p:cTn id="75" fill="hold">
+                    <p:cTn id="73" fill="hold">
                       <p:stCondLst>
                         <p:cond delay="indefinite"/>
                       </p:stCondLst>
                       <p:childTnLst>
                         <p:par>
-                          <p:cTn id="76" fill="hold">
+                          <p:cTn id="74" fill="hold">
                             <p:stCondLst>
                               <p:cond delay="0"/>
                             </p:stCondLst>
                             <p:childTnLst>
                               <p:par>
-                                <p:cTn id="77" presetID="1" presetClass="entr" presetSubtype="0" fill="hold" grpId="0" nodeType="clickEffect">
+                                <p:cTn id="75" presetID="1" presetClass="entr" presetSubtype="0" fill="hold" grpId="0" nodeType="clickEffect">
                                   <p:stCondLst>
                                     <p:cond delay="0"/>
                                   </p:stCondLst>
                                   <p:childTnLst>
                                     <p:set>
                                       <p:cBhvr>
-                                        <p:cTn id="78" dur="1" fill="hold">
+                                        <p:cTn id="76" dur="1" fill="hold">
                                           <p:stCondLst>
                                             <p:cond delay="0"/>
                                           </p:stCondLst>
@@ -5902,19 +5883,46 @@
                     </p:cTn>
                   </p:par>
                   <p:par>
-                    <p:cTn id="79" fill="hold">
+                    <p:cTn id="77" fill="hold">
                       <p:stCondLst>
                         <p:cond delay="indefinite"/>
                       </p:stCondLst>
                       <p:childTnLst>
                         <p:par>
-                          <p:cTn id="80" fill="hold">
+                          <p:cTn id="78" fill="hold">
                             <p:stCondLst>
                               <p:cond delay="0"/>
                             </p:stCondLst>
                             <p:childTnLst>
                               <p:par>
-                                <p:cTn id="81" presetID="1" presetClass="entr" presetSubtype="0" fill="hold" grpId="0" nodeType="clickEffect">
+                                <p:cTn id="79" presetID="1" presetClass="entr" presetSubtype="0" fill="hold" grpId="0" nodeType="clickEffect">
+                                  <p:stCondLst>
+                                    <p:cond delay="0"/>
+                                  </p:stCondLst>
+                                  <p:childTnLst>
+                                    <p:set>
+                                      <p:cBhvr>
+                                        <p:cTn id="80" dur="1" fill="hold">
+                                          <p:stCondLst>
+                                            <p:cond delay="0"/>
+                                          </p:stCondLst>
+                                        </p:cTn>
+                                        <p:tgtEl>
+                                          <p:spTgt spid="114"/>
+                                        </p:tgtEl>
+                                        <p:attrNameLst>
+                                          <p:attrName>style.visibility</p:attrName>
+                                        </p:attrNameLst>
+                                      </p:cBhvr>
+                                      <p:to>
+                                        <p:strVal val="visible"/>
+                                      </p:to>
+                                    </p:set>
+                                  </p:childTnLst>
+                                </p:cTn>
+                              </p:par>
+                              <p:par>
+                                <p:cTn id="81" presetID="1" presetClass="entr" presetSubtype="0" fill="hold" grpId="0" nodeType="withEffect">
                                   <p:stCondLst>
                                     <p:cond delay="0"/>
                                   </p:stCondLst>
@@ -5927,7 +5935,7 @@
                                           </p:stCondLst>
                                         </p:cTn>
                                         <p:tgtEl>
-                                          <p:spTgt spid="114"/>
+                                          <p:spTgt spid="117"/>
                                         </p:tgtEl>
                                         <p:attrNameLst>
                                           <p:attrName>style.visibility</p:attrName>
@@ -5970,7 +5978,6 @@
     <p:bldLst>
       <p:bldP spid="113" grpId="0" animBg="1"/>
       <p:bldP spid="59" grpId="0" animBg="1"/>
-      <p:bldP spid="72" grpId="0" animBg="1"/>
       <p:bldP spid="53" grpId="0" animBg="1"/>
       <p:bldP spid="57" grpId="0" animBg="1"/>
       <p:bldP spid="62" grpId="0" animBg="1"/>
@@ -5988,6 +5995,7 @@
       <p:bldP spid="108" grpId="0" animBg="1"/>
       <p:bldP spid="109" grpId="0" animBg="1"/>
       <p:bldP spid="114" grpId="0" animBg="1"/>
+      <p:bldP spid="117" grpId="0" animBg="1"/>
     </p:bldLst>
   </p:timing>
 </p:sld>
